--- a/ProtoActorSample/Proto.Actor.pptx
+++ b/ProtoActorSample/Proto.Actor.pptx
@@ -5,14 +5,15 @@
     <p:sldMasterId id="2147483648" r:id="rId1"/>
   </p:sldMasterIdLst>
   <p:notesMasterIdLst>
-    <p:notesMasterId r:id="rId7"/>
+    <p:notesMasterId r:id="rId8"/>
   </p:notesMasterIdLst>
   <p:sldIdLst>
     <p:sldId id="256" r:id="rId2"/>
     <p:sldId id="257" r:id="rId3"/>
-    <p:sldId id="258" r:id="rId4"/>
-    <p:sldId id="259" r:id="rId5"/>
-    <p:sldId id="260" r:id="rId6"/>
+    <p:sldId id="261" r:id="rId4"/>
+    <p:sldId id="258" r:id="rId5"/>
+    <p:sldId id="259" r:id="rId6"/>
+    <p:sldId id="260" r:id="rId7"/>
   </p:sldIdLst>
   <p:sldSz cx="12192000" cy="6858000"/>
   <p:notesSz cx="6858000" cy="9144000"/>
@@ -111,6 +112,11 @@
       </a:defRPr>
     </a:lvl9pPr>
   </p:defaultTextStyle>
+  <p:extLst>
+    <p:ext uri="{EFAFB233-063F-42B5-8137-9DF3F51BA10A}">
+      <p15:sldGuideLst xmlns:p15="http://schemas.microsoft.com/office/powerpoint/2012/main"/>
+    </p:ext>
+  </p:extLst>
 </p:presentation>
 </file>
 
@@ -196,7 +202,7 @@
           <a:p>
             <a:fld id="{C73D7CCE-FBD8-465C-8CB3-43087BE9C0BC}" type="datetimeFigureOut">
               <a:rPr lang="zh-CN" altLang="en-US" smtClean="0"/>
-              <a:t>2018/8/14</a:t>
+              <a:t>2018/8/15</a:t>
             </a:fld>
             <a:endParaRPr lang="zh-CN" altLang="en-US"/>
           </a:p>
@@ -655,7 +661,7 @@
     </p:spTree>
     <p:extLst>
       <p:ext uri="{BB962C8B-B14F-4D97-AF65-F5344CB8AC3E}">
-        <p14:creationId xmlns:p14="http://schemas.microsoft.com/office/powerpoint/2010/main" val="42596462"/>
+        <p14:creationId xmlns:p14="http://schemas.microsoft.com/office/powerpoint/2010/main" val="685026506"/>
       </p:ext>
     </p:extLst>
   </p:cSld>
@@ -710,32 +716,9 @@
           <a:lstStyle/>
           <a:p>
             <a:r>
-              <a:rPr lang="en-US" altLang="zh-CN" sz="1200" b="0" i="0" kern="1200" dirty="0">
-                <a:solidFill>
-                  <a:schemeClr val="tx1"/>
-                </a:solidFill>
-                <a:effectLst/>
-                <a:latin typeface="+mn-lt"/>
-                <a:ea typeface="+mn-ea"/>
-                <a:cs typeface="+mn-cs"/>
-              </a:rPr>
-              <a:t>Virtual Actor</a:t>
-            </a:r>
-            <a:r>
-              <a:rPr lang="zh-CN" altLang="en-US" sz="1200" b="0" i="0" kern="1200" dirty="0">
-                <a:solidFill>
-                  <a:schemeClr val="tx1"/>
-                </a:solidFill>
-                <a:effectLst/>
-                <a:latin typeface="+mn-lt"/>
-                <a:ea typeface="+mn-ea"/>
-                <a:cs typeface="+mn-cs"/>
-              </a:rPr>
-              <a:t>抽象，它提供了构建分布式交互式应用程序的简单方法，而无需学习复杂的编程模式来处理并发性，容错性和资源管理。</a:t>
-            </a:r>
-          </a:p>
-          <a:p>
-            <a:endParaRPr lang="zh-CN" altLang="en-US" dirty="0"/>
+              <a:rPr lang="zh-CN" altLang="en-US" dirty="0"/>
+              <a:t>我们已经做了这项工作，以确保在单个流程或数百台机器的集群中运行时，所有功能都可以同等使用。 启用此功能的关键是通过优化从远程转到本地，而不是通过泛化尝试从本地转到远程。 请参阅此经典论文，详细讨论第二种方法必然会失败的原因。</a:t>
+            </a:r>
           </a:p>
         </p:txBody>
       </p:sp>
@@ -765,7 +748,7 @@
     </p:spTree>
     <p:extLst>
       <p:ext uri="{BB962C8B-B14F-4D97-AF65-F5344CB8AC3E}">
-        <p14:creationId xmlns:p14="http://schemas.microsoft.com/office/powerpoint/2010/main" val="3853027101"/>
+        <p14:creationId xmlns:p14="http://schemas.microsoft.com/office/powerpoint/2010/main" val="42596462"/>
       </p:ext>
     </p:extLst>
   </p:cSld>
@@ -820,33 +803,32 @@
           <a:lstStyle/>
           <a:p>
             <a:r>
-              <a:rPr lang="zh-CN" altLang="en-US" dirty="0"/>
-              <a:t>作为父级</a:t>
-            </a:r>
-            <a:r>
-              <a:rPr lang="en-US" altLang="zh-CN" dirty="0"/>
-              <a:t>Actor</a:t>
-            </a:r>
-            <a:r>
-              <a:rPr lang="zh-CN" altLang="en-US" dirty="0"/>
-              <a:t>责处理子级的失败（所谓的监督），形成责任链，一直到最高层。 当一个</a:t>
-            </a:r>
-            <a:r>
-              <a:rPr lang="en-US" altLang="zh-CN" dirty="0"/>
-              <a:t>actor</a:t>
-            </a:r>
-            <a:r>
-              <a:rPr lang="zh-CN" altLang="en-US" dirty="0"/>
-              <a:t>崩溃时，它的父级可以重启或停止它，或者将故障升级为</a:t>
-            </a:r>
-            <a:r>
-              <a:rPr lang="en-US" altLang="zh-CN" dirty="0"/>
-              <a:t>actor</a:t>
-            </a:r>
-            <a:r>
-              <a:rPr lang="zh-CN" altLang="en-US" dirty="0"/>
-              <a:t>的层次结构。 这为一个并发的分布式系统中的故障管理提供了一套干净的语义，并允许编写自我修复的高容错系统。</a:t>
-            </a:r>
+              <a:rPr lang="en-US" altLang="zh-CN" sz="1200" b="0" i="0" kern="1200" dirty="0">
+                <a:solidFill>
+                  <a:schemeClr val="tx1"/>
+                </a:solidFill>
+                <a:effectLst/>
+                <a:latin typeface="+mn-lt"/>
+                <a:ea typeface="+mn-ea"/>
+                <a:cs typeface="+mn-cs"/>
+              </a:rPr>
+              <a:t>Virtual Actor</a:t>
+            </a:r>
+            <a:r>
+              <a:rPr lang="zh-CN" altLang="en-US" sz="1200" b="0" i="0" kern="1200" dirty="0">
+                <a:solidFill>
+                  <a:schemeClr val="tx1"/>
+                </a:solidFill>
+                <a:effectLst/>
+                <a:latin typeface="+mn-lt"/>
+                <a:ea typeface="+mn-ea"/>
+                <a:cs typeface="+mn-cs"/>
+              </a:rPr>
+              <a:t>抽象，它提供了构建分布式交互式应用程序的简单方法，而无需学习复杂的编程模式来处理并发性，容错性和资源管理。</a:t>
+            </a:r>
+          </a:p>
+          <a:p>
+            <a:endParaRPr lang="zh-CN" altLang="en-US" dirty="0"/>
           </a:p>
         </p:txBody>
       </p:sp>
@@ -868,6 +850,117 @@
             <a:fld id="{3C780944-94FB-46F6-8937-ABF2C17E41BC}" type="slidenum">
               <a:rPr lang="zh-CN" altLang="en-US" smtClean="0"/>
               <a:t>5</a:t>
+            </a:fld>
+            <a:endParaRPr lang="zh-CN" altLang="en-US"/>
+          </a:p>
+        </p:txBody>
+      </p:sp>
+    </p:spTree>
+    <p:extLst>
+      <p:ext uri="{BB962C8B-B14F-4D97-AF65-F5344CB8AC3E}">
+        <p14:creationId xmlns:p14="http://schemas.microsoft.com/office/powerpoint/2010/main" val="3853027101"/>
+      </p:ext>
+    </p:extLst>
+  </p:cSld>
+  <p:clrMapOvr>
+    <a:masterClrMapping/>
+  </p:clrMapOvr>
+</p:notes>
+</file>
+
+<file path=ppt/notesSlides/notesSlide5.xml><?xml version="1.0" encoding="utf-8"?>
+<p:notes xmlns:a="http://schemas.openxmlformats.org/drawingml/2006/main" xmlns:r="http://schemas.openxmlformats.org/officeDocument/2006/relationships" xmlns:p="http://schemas.openxmlformats.org/presentationml/2006/main">
+  <p:cSld>
+    <p:spTree>
+      <p:nvGrpSpPr>
+        <p:cNvPr id="1" name=""/>
+        <p:cNvGrpSpPr/>
+        <p:nvPr/>
+      </p:nvGrpSpPr>
+      <p:grpSpPr>
+        <a:xfrm>
+          <a:off x="0" y="0"/>
+          <a:ext cx="0" cy="0"/>
+          <a:chOff x="0" y="0"/>
+          <a:chExt cx="0" cy="0"/>
+        </a:xfrm>
+      </p:grpSpPr>
+      <p:sp>
+        <p:nvSpPr>
+          <p:cNvPr id="2" name="幻灯片图像占位符 1"/>
+          <p:cNvSpPr>
+            <a:spLocks noGrp="1" noRot="1" noChangeAspect="1"/>
+          </p:cNvSpPr>
+          <p:nvPr>
+            <p:ph type="sldImg"/>
+          </p:nvPr>
+        </p:nvSpPr>
+        <p:spPr/>
+      </p:sp>
+      <p:sp>
+        <p:nvSpPr>
+          <p:cNvPr id="3" name="备注占位符 2"/>
+          <p:cNvSpPr>
+            <a:spLocks noGrp="1"/>
+          </p:cNvSpPr>
+          <p:nvPr>
+            <p:ph type="body" idx="1"/>
+          </p:nvPr>
+        </p:nvSpPr>
+        <p:spPr/>
+        <p:txBody>
+          <a:bodyPr/>
+          <a:lstStyle/>
+          <a:p>
+            <a:r>
+              <a:rPr lang="zh-CN" altLang="en-US" dirty="0"/>
+              <a:t>作为父级</a:t>
+            </a:r>
+            <a:r>
+              <a:rPr lang="en-US" altLang="zh-CN" dirty="0"/>
+              <a:t>Actor</a:t>
+            </a:r>
+            <a:r>
+              <a:rPr lang="zh-CN" altLang="en-US" dirty="0"/>
+              <a:t>责处理子级的失败（所谓的监督），形成责任链，一直到最高层。 当一个</a:t>
+            </a:r>
+            <a:r>
+              <a:rPr lang="en-US" altLang="zh-CN" dirty="0"/>
+              <a:t>actor</a:t>
+            </a:r>
+            <a:r>
+              <a:rPr lang="zh-CN" altLang="en-US" dirty="0"/>
+              <a:t>崩溃时，它的父级可以重启或停止它，或者将故障升级为</a:t>
+            </a:r>
+            <a:r>
+              <a:rPr lang="en-US" altLang="zh-CN" dirty="0"/>
+              <a:t>actor</a:t>
+            </a:r>
+            <a:r>
+              <a:rPr lang="zh-CN" altLang="en-US" dirty="0"/>
+              <a:t>的层次结构。 这为一个并发的分布式系统中的故障管理提供了一套干净的语义，并允许编写自我修复的高容错系统。</a:t>
+            </a:r>
+          </a:p>
+        </p:txBody>
+      </p:sp>
+      <p:sp>
+        <p:nvSpPr>
+          <p:cNvPr id="4" name="灯片编号占位符 3"/>
+          <p:cNvSpPr>
+            <a:spLocks noGrp="1"/>
+          </p:cNvSpPr>
+          <p:nvPr>
+            <p:ph type="sldNum" sz="quarter" idx="10"/>
+          </p:nvPr>
+        </p:nvSpPr>
+        <p:spPr/>
+        <p:txBody>
+          <a:bodyPr/>
+          <a:lstStyle/>
+          <a:p>
+            <a:fld id="{3C780944-94FB-46F6-8937-ABF2C17E41BC}" type="slidenum">
+              <a:rPr lang="zh-CN" altLang="en-US" smtClean="0"/>
+              <a:t>6</a:t>
             </a:fld>
             <a:endParaRPr lang="zh-CN" altLang="en-US"/>
           </a:p>
@@ -1033,7 +1126,7 @@
           <a:p>
             <a:fld id="{F8D91990-1C2A-42AB-BFBF-4E7051969EFA}" type="datetimeFigureOut">
               <a:rPr lang="zh-CN" altLang="en-US" smtClean="0"/>
-              <a:t>2018/8/14</a:t>
+              <a:t>2018/8/15</a:t>
             </a:fld>
             <a:endParaRPr lang="zh-CN" altLang="en-US"/>
           </a:p>
@@ -1231,7 +1324,7 @@
           <a:p>
             <a:fld id="{F8D91990-1C2A-42AB-BFBF-4E7051969EFA}" type="datetimeFigureOut">
               <a:rPr lang="zh-CN" altLang="en-US" smtClean="0"/>
-              <a:t>2018/8/14</a:t>
+              <a:t>2018/8/15</a:t>
             </a:fld>
             <a:endParaRPr lang="zh-CN" altLang="en-US"/>
           </a:p>
@@ -1439,7 +1532,7 @@
           <a:p>
             <a:fld id="{F8D91990-1C2A-42AB-BFBF-4E7051969EFA}" type="datetimeFigureOut">
               <a:rPr lang="zh-CN" altLang="en-US" smtClean="0"/>
-              <a:t>2018/8/14</a:t>
+              <a:t>2018/8/15</a:t>
             </a:fld>
             <a:endParaRPr lang="zh-CN" altLang="en-US"/>
           </a:p>
@@ -1637,7 +1730,7 @@
           <a:p>
             <a:fld id="{F8D91990-1C2A-42AB-BFBF-4E7051969EFA}" type="datetimeFigureOut">
               <a:rPr lang="zh-CN" altLang="en-US" smtClean="0"/>
-              <a:t>2018/8/14</a:t>
+              <a:t>2018/8/15</a:t>
             </a:fld>
             <a:endParaRPr lang="zh-CN" altLang="en-US"/>
           </a:p>
@@ -1912,7 +2005,7 @@
           <a:p>
             <a:fld id="{F8D91990-1C2A-42AB-BFBF-4E7051969EFA}" type="datetimeFigureOut">
               <a:rPr lang="zh-CN" altLang="en-US" smtClean="0"/>
-              <a:t>2018/8/14</a:t>
+              <a:t>2018/8/15</a:t>
             </a:fld>
             <a:endParaRPr lang="zh-CN" altLang="en-US"/>
           </a:p>
@@ -2177,7 +2270,7 @@
           <a:p>
             <a:fld id="{F8D91990-1C2A-42AB-BFBF-4E7051969EFA}" type="datetimeFigureOut">
               <a:rPr lang="zh-CN" altLang="en-US" smtClean="0"/>
-              <a:t>2018/8/14</a:t>
+              <a:t>2018/8/15</a:t>
             </a:fld>
             <a:endParaRPr lang="zh-CN" altLang="en-US"/>
           </a:p>
@@ -2589,7 +2682,7 @@
           <a:p>
             <a:fld id="{F8D91990-1C2A-42AB-BFBF-4E7051969EFA}" type="datetimeFigureOut">
               <a:rPr lang="zh-CN" altLang="en-US" smtClean="0"/>
-              <a:t>2018/8/14</a:t>
+              <a:t>2018/8/15</a:t>
             </a:fld>
             <a:endParaRPr lang="zh-CN" altLang="en-US"/>
           </a:p>
@@ -2730,7 +2823,7 @@
           <a:p>
             <a:fld id="{F8D91990-1C2A-42AB-BFBF-4E7051969EFA}" type="datetimeFigureOut">
               <a:rPr lang="zh-CN" altLang="en-US" smtClean="0"/>
-              <a:t>2018/8/14</a:t>
+              <a:t>2018/8/15</a:t>
             </a:fld>
             <a:endParaRPr lang="zh-CN" altLang="en-US"/>
           </a:p>
@@ -2843,7 +2936,7 @@
           <a:p>
             <a:fld id="{F8D91990-1C2A-42AB-BFBF-4E7051969EFA}" type="datetimeFigureOut">
               <a:rPr lang="zh-CN" altLang="en-US" smtClean="0"/>
-              <a:t>2018/8/14</a:t>
+              <a:t>2018/8/15</a:t>
             </a:fld>
             <a:endParaRPr lang="zh-CN" altLang="en-US"/>
           </a:p>
@@ -3154,7 +3247,7 @@
           <a:p>
             <a:fld id="{F8D91990-1C2A-42AB-BFBF-4E7051969EFA}" type="datetimeFigureOut">
               <a:rPr lang="zh-CN" altLang="en-US" smtClean="0"/>
-              <a:t>2018/8/14</a:t>
+              <a:t>2018/8/15</a:t>
             </a:fld>
             <a:endParaRPr lang="zh-CN" altLang="en-US"/>
           </a:p>
@@ -3442,7 +3535,7 @@
           <a:p>
             <a:fld id="{F8D91990-1C2A-42AB-BFBF-4E7051969EFA}" type="datetimeFigureOut">
               <a:rPr lang="zh-CN" altLang="en-US" smtClean="0"/>
-              <a:t>2018/8/14</a:t>
+              <a:t>2018/8/15</a:t>
             </a:fld>
             <a:endParaRPr lang="zh-CN" altLang="en-US"/>
           </a:p>
@@ -3683,7 +3776,7 @@
           <a:p>
             <a:fld id="{F8D91990-1C2A-42AB-BFBF-4E7051969EFA}" type="datetimeFigureOut">
               <a:rPr lang="zh-CN" altLang="en-US" smtClean="0"/>
-              <a:t>2018/8/14</a:t>
+              <a:t>2018/8/15</a:t>
             </a:fld>
             <a:endParaRPr lang="zh-CN" altLang="en-US"/>
           </a:p>
@@ -4668,20 +4761,12 @@
               <a:buNone/>
             </a:pPr>
             <a:r>
-              <a:rPr lang="en-US" altLang="zh-CN" dirty="0" err="1"/>
-              <a:t>Proto.Actor</a:t>
-            </a:r>
-            <a:r>
               <a:rPr lang="zh-CN" altLang="en-US" dirty="0"/>
-              <a:t>中的所有内容都设计为在分布式设置中工作：</a:t>
+              <a:t>找个例子来解释什么是</a:t>
             </a:r>
             <a:r>
               <a:rPr lang="en-US" altLang="zh-CN" dirty="0"/>
-              <a:t>actor</a:t>
-            </a:r>
-            <a:r>
-              <a:rPr lang="zh-CN" altLang="en-US" dirty="0"/>
-              <a:t>的所有交互都使用纯粹的消息传递，一切都是异步的。</a:t>
+              <a:t>Actor</a:t>
             </a:r>
             <a:endParaRPr lang="zh-CN" altLang="en-US" sz="1800" dirty="0">
               <a:latin typeface="微软雅黑" panose="020B0503020204020204" pitchFamily="34" charset="-122"/>
@@ -4693,7 +4778,7 @@
     </p:spTree>
     <p:extLst>
       <p:ext uri="{BB962C8B-B14F-4D97-AF65-F5344CB8AC3E}">
-        <p14:creationId xmlns:p14="http://schemas.microsoft.com/office/powerpoint/2010/main" val="3863428147"/>
+        <p14:creationId xmlns:p14="http://schemas.microsoft.com/office/powerpoint/2010/main" val="226467728"/>
       </p:ext>
     </p:extLst>
   </p:cSld>
@@ -4776,6 +4861,114 @@
               <a:buNone/>
             </a:pPr>
             <a:r>
+              <a:rPr lang="en-US" altLang="zh-CN" dirty="0" err="1"/>
+              <a:t>Proto.Actor</a:t>
+            </a:r>
+            <a:r>
+              <a:rPr lang="zh-CN" altLang="en-US" dirty="0"/>
+              <a:t>中的所有内容都设计为在分布式设置中工作：</a:t>
+            </a:r>
+            <a:r>
+              <a:rPr lang="en-US" altLang="zh-CN" dirty="0"/>
+              <a:t>actor</a:t>
+            </a:r>
+            <a:r>
+              <a:rPr lang="zh-CN" altLang="en-US" dirty="0"/>
+              <a:t>的所有交互都使用纯粹的消息传递，一切都是异步的。</a:t>
+            </a:r>
+            <a:endParaRPr lang="zh-CN" altLang="en-US" sz="1800" dirty="0">
+              <a:latin typeface="微软雅黑" panose="020B0503020204020204" pitchFamily="34" charset="-122"/>
+              <a:ea typeface="微软雅黑" panose="020B0503020204020204" pitchFamily="34" charset="-122"/>
+            </a:endParaRPr>
+          </a:p>
+        </p:txBody>
+      </p:sp>
+    </p:spTree>
+    <p:extLst>
+      <p:ext uri="{BB962C8B-B14F-4D97-AF65-F5344CB8AC3E}">
+        <p14:creationId xmlns:p14="http://schemas.microsoft.com/office/powerpoint/2010/main" val="3863428147"/>
+      </p:ext>
+    </p:extLst>
+  </p:cSld>
+  <p:clrMapOvr>
+    <a:masterClrMapping/>
+  </p:clrMapOvr>
+</p:sld>
+</file>
+
+<file path=ppt/slides/slide5.xml><?xml version="1.0" encoding="utf-8"?>
+<p:sld xmlns:a="http://schemas.openxmlformats.org/drawingml/2006/main" xmlns:r="http://schemas.openxmlformats.org/officeDocument/2006/relationships" xmlns:p="http://schemas.openxmlformats.org/presentationml/2006/main">
+  <p:cSld>
+    <p:spTree>
+      <p:nvGrpSpPr>
+        <p:cNvPr id="1" name=""/>
+        <p:cNvGrpSpPr/>
+        <p:nvPr/>
+      </p:nvGrpSpPr>
+      <p:grpSpPr>
+        <a:xfrm>
+          <a:off x="0" y="0"/>
+          <a:ext cx="0" cy="0"/>
+          <a:chOff x="0" y="0"/>
+          <a:chExt cx="0" cy="0"/>
+        </a:xfrm>
+      </p:grpSpPr>
+      <p:sp>
+        <p:nvSpPr>
+          <p:cNvPr id="2" name="标题 1">
+            <a:extLst>
+              <a:ext uri="{FF2B5EF4-FFF2-40B4-BE49-F238E27FC236}">
+                <a16:creationId xmlns:a16="http://schemas.microsoft.com/office/drawing/2014/main" id="{F7C23084-23BF-4F3E-97FD-EEB470F2270A}"/>
+              </a:ext>
+            </a:extLst>
+          </p:cNvPr>
+          <p:cNvSpPr>
+            <a:spLocks noGrp="1"/>
+          </p:cNvSpPr>
+          <p:nvPr>
+            <p:ph type="title"/>
+          </p:nvPr>
+        </p:nvSpPr>
+        <p:spPr/>
+        <p:txBody>
+          <a:bodyPr/>
+          <a:lstStyle/>
+          <a:p>
+            <a:r>
+              <a:rPr lang="en-US" altLang="zh-CN" dirty="0"/>
+              <a:t>Actor</a:t>
+            </a:r>
+            <a:endParaRPr lang="zh-CN" altLang="en-US" dirty="0"/>
+          </a:p>
+        </p:txBody>
+      </p:sp>
+      <p:sp>
+        <p:nvSpPr>
+          <p:cNvPr id="3" name="内容占位符 2">
+            <a:extLst>
+              <a:ext uri="{FF2B5EF4-FFF2-40B4-BE49-F238E27FC236}">
+                <a16:creationId xmlns:a16="http://schemas.microsoft.com/office/drawing/2014/main" id="{8CA72CA0-FACC-44F9-A496-CFCBA739C5D0}"/>
+              </a:ext>
+            </a:extLst>
+          </p:cNvPr>
+          <p:cNvSpPr>
+            <a:spLocks noGrp="1"/>
+          </p:cNvSpPr>
+          <p:nvPr>
+            <p:ph idx="1"/>
+          </p:nvPr>
+        </p:nvSpPr>
+        <p:spPr/>
+        <p:txBody>
+          <a:bodyPr>
+            <a:normAutofit/>
+          </a:bodyPr>
+          <a:lstStyle/>
+          <a:p>
+            <a:pPr marL="0" indent="0">
+              <a:buNone/>
+            </a:pPr>
+            <a:r>
               <a:rPr lang="en-US" altLang="zh-CN" dirty="0"/>
               <a:t>Virtual Actor</a:t>
             </a:r>
@@ -4803,7 +4996,7 @@
 </p:sld>
 </file>
 
-<file path=ppt/slides/slide5.xml><?xml version="1.0" encoding="utf-8"?>
+<file path=ppt/slides/slide6.xml><?xml version="1.0" encoding="utf-8"?>
 <p:sld xmlns:a="http://schemas.openxmlformats.org/drawingml/2006/main" xmlns:r="http://schemas.openxmlformats.org/officeDocument/2006/relationships" xmlns:p="http://schemas.openxmlformats.org/presentationml/2006/main">
   <p:cSld>
     <p:spTree>

--- a/ProtoActorSample/Proto.Actor.pptx
+++ b/ProtoActorSample/Proto.Actor.pptx
@@ -5,7 +5,7 @@
     <p:sldMasterId id="2147483648" r:id="rId1"/>
   </p:sldMasterIdLst>
   <p:notesMasterIdLst>
-    <p:notesMasterId r:id="rId8"/>
+    <p:notesMasterId r:id="rId12"/>
   </p:notesMasterIdLst>
   <p:sldIdLst>
     <p:sldId id="256" r:id="rId2"/>
@@ -14,6 +14,10 @@
     <p:sldId id="258" r:id="rId5"/>
     <p:sldId id="259" r:id="rId6"/>
     <p:sldId id="260" r:id="rId7"/>
+    <p:sldId id="262" r:id="rId8"/>
+    <p:sldId id="263" r:id="rId9"/>
+    <p:sldId id="264" r:id="rId10"/>
+    <p:sldId id="265" r:id="rId11"/>
   </p:sldIdLst>
   <p:sldSz cx="12192000" cy="6858000"/>
   <p:notesSz cx="6858000" cy="9144000"/>
@@ -202,7 +206,7 @@
           <a:p>
             <a:fld id="{C73D7CCE-FBD8-465C-8CB3-43087BE9C0BC}" type="datetimeFigureOut">
               <a:rPr lang="zh-CN" altLang="en-US" smtClean="0"/>
-              <a:t>2018/8/15</a:t>
+              <a:t>2018/8/17</a:t>
             </a:fld>
             <a:endParaRPr lang="zh-CN" altLang="en-US"/>
           </a:p>
@@ -979,6 +983,450 @@
 </p:notes>
 </file>
 
+<file path=ppt/notesSlides/notesSlide6.xml><?xml version="1.0" encoding="utf-8"?>
+<p:notes xmlns:a="http://schemas.openxmlformats.org/drawingml/2006/main" xmlns:r="http://schemas.openxmlformats.org/officeDocument/2006/relationships" xmlns:p="http://schemas.openxmlformats.org/presentationml/2006/main">
+  <p:cSld>
+    <p:spTree>
+      <p:nvGrpSpPr>
+        <p:cNvPr id="1" name=""/>
+        <p:cNvGrpSpPr/>
+        <p:nvPr/>
+      </p:nvGrpSpPr>
+      <p:grpSpPr>
+        <a:xfrm>
+          <a:off x="0" y="0"/>
+          <a:ext cx="0" cy="0"/>
+          <a:chOff x="0" y="0"/>
+          <a:chExt cx="0" cy="0"/>
+        </a:xfrm>
+      </p:grpSpPr>
+      <p:sp>
+        <p:nvSpPr>
+          <p:cNvPr id="2" name="幻灯片图像占位符 1"/>
+          <p:cNvSpPr>
+            <a:spLocks noGrp="1" noRot="1" noChangeAspect="1"/>
+          </p:cNvSpPr>
+          <p:nvPr>
+            <p:ph type="sldImg"/>
+          </p:nvPr>
+        </p:nvSpPr>
+        <p:spPr/>
+      </p:sp>
+      <p:sp>
+        <p:nvSpPr>
+          <p:cNvPr id="3" name="备注占位符 2"/>
+          <p:cNvSpPr>
+            <a:spLocks noGrp="1"/>
+          </p:cNvSpPr>
+          <p:nvPr>
+            <p:ph type="body" idx="1"/>
+          </p:nvPr>
+        </p:nvSpPr>
+        <p:spPr/>
+        <p:txBody>
+          <a:bodyPr/>
+          <a:lstStyle/>
+          <a:p>
+            <a:r>
+              <a:rPr lang="zh-CN" altLang="en-US" dirty="0"/>
+              <a:t>作为父级</a:t>
+            </a:r>
+            <a:r>
+              <a:rPr lang="en-US" altLang="zh-CN" dirty="0"/>
+              <a:t>Actor</a:t>
+            </a:r>
+            <a:r>
+              <a:rPr lang="zh-CN" altLang="en-US" dirty="0"/>
+              <a:t>责处理子级的失败（所谓的监督），形成责任链，一直到最高层。 当一个</a:t>
+            </a:r>
+            <a:r>
+              <a:rPr lang="en-US" altLang="zh-CN" dirty="0"/>
+              <a:t>actor</a:t>
+            </a:r>
+            <a:r>
+              <a:rPr lang="zh-CN" altLang="en-US" dirty="0"/>
+              <a:t>崩溃时，它的父级可以重启或停止它，或者将故障升级为</a:t>
+            </a:r>
+            <a:r>
+              <a:rPr lang="en-US" altLang="zh-CN" dirty="0"/>
+              <a:t>actor</a:t>
+            </a:r>
+            <a:r>
+              <a:rPr lang="zh-CN" altLang="en-US" dirty="0"/>
+              <a:t>的层次结构。 这为一个并发的分布式系统中的故障管理提供了一套干净的语义，并允许编写自我修复的高容错系统。</a:t>
+            </a:r>
+          </a:p>
+        </p:txBody>
+      </p:sp>
+      <p:sp>
+        <p:nvSpPr>
+          <p:cNvPr id="4" name="灯片编号占位符 3"/>
+          <p:cNvSpPr>
+            <a:spLocks noGrp="1"/>
+          </p:cNvSpPr>
+          <p:nvPr>
+            <p:ph type="sldNum" sz="quarter" idx="10"/>
+          </p:nvPr>
+        </p:nvSpPr>
+        <p:spPr/>
+        <p:txBody>
+          <a:bodyPr/>
+          <a:lstStyle/>
+          <a:p>
+            <a:fld id="{3C780944-94FB-46F6-8937-ABF2C17E41BC}" type="slidenum">
+              <a:rPr lang="zh-CN" altLang="en-US" smtClean="0"/>
+              <a:t>7</a:t>
+            </a:fld>
+            <a:endParaRPr lang="zh-CN" altLang="en-US"/>
+          </a:p>
+        </p:txBody>
+      </p:sp>
+    </p:spTree>
+    <p:extLst>
+      <p:ext uri="{BB962C8B-B14F-4D97-AF65-F5344CB8AC3E}">
+        <p14:creationId xmlns:p14="http://schemas.microsoft.com/office/powerpoint/2010/main" val="3173327797"/>
+      </p:ext>
+    </p:extLst>
+  </p:cSld>
+  <p:clrMapOvr>
+    <a:masterClrMapping/>
+  </p:clrMapOvr>
+</p:notes>
+</file>
+
+<file path=ppt/notesSlides/notesSlide7.xml><?xml version="1.0" encoding="utf-8"?>
+<p:notes xmlns:a="http://schemas.openxmlformats.org/drawingml/2006/main" xmlns:r="http://schemas.openxmlformats.org/officeDocument/2006/relationships" xmlns:p="http://schemas.openxmlformats.org/presentationml/2006/main">
+  <p:cSld>
+    <p:spTree>
+      <p:nvGrpSpPr>
+        <p:cNvPr id="1" name=""/>
+        <p:cNvGrpSpPr/>
+        <p:nvPr/>
+      </p:nvGrpSpPr>
+      <p:grpSpPr>
+        <a:xfrm>
+          <a:off x="0" y="0"/>
+          <a:ext cx="0" cy="0"/>
+          <a:chOff x="0" y="0"/>
+          <a:chExt cx="0" cy="0"/>
+        </a:xfrm>
+      </p:grpSpPr>
+      <p:sp>
+        <p:nvSpPr>
+          <p:cNvPr id="2" name="幻灯片图像占位符 1"/>
+          <p:cNvSpPr>
+            <a:spLocks noGrp="1" noRot="1" noChangeAspect="1"/>
+          </p:cNvSpPr>
+          <p:nvPr>
+            <p:ph type="sldImg"/>
+          </p:nvPr>
+        </p:nvSpPr>
+        <p:spPr/>
+      </p:sp>
+      <p:sp>
+        <p:nvSpPr>
+          <p:cNvPr id="3" name="备注占位符 2"/>
+          <p:cNvSpPr>
+            <a:spLocks noGrp="1"/>
+          </p:cNvSpPr>
+          <p:nvPr>
+            <p:ph type="body" idx="1"/>
+          </p:nvPr>
+        </p:nvSpPr>
+        <p:spPr/>
+        <p:txBody>
+          <a:bodyPr/>
+          <a:lstStyle/>
+          <a:p>
+            <a:r>
+              <a:rPr lang="zh-CN" altLang="en-US" dirty="0"/>
+              <a:t>作为父级</a:t>
+            </a:r>
+            <a:r>
+              <a:rPr lang="en-US" altLang="zh-CN" dirty="0"/>
+              <a:t>Actor</a:t>
+            </a:r>
+            <a:r>
+              <a:rPr lang="zh-CN" altLang="en-US" dirty="0"/>
+              <a:t>责处理子级的失败（所谓的监督），形成责任链，一直到最高层。 当一个</a:t>
+            </a:r>
+            <a:r>
+              <a:rPr lang="en-US" altLang="zh-CN" dirty="0"/>
+              <a:t>actor</a:t>
+            </a:r>
+            <a:r>
+              <a:rPr lang="zh-CN" altLang="en-US" dirty="0"/>
+              <a:t>崩溃时，它的父级可以重启或停止它，或者将故障升级为</a:t>
+            </a:r>
+            <a:r>
+              <a:rPr lang="en-US" altLang="zh-CN" dirty="0"/>
+              <a:t>actor</a:t>
+            </a:r>
+            <a:r>
+              <a:rPr lang="zh-CN" altLang="en-US" dirty="0"/>
+              <a:t>的层次结构。 这为一个并发的分布式系统中的故障管理提供了一套干净的语义，并允许编写自我修复的高容错系统。</a:t>
+            </a:r>
+          </a:p>
+        </p:txBody>
+      </p:sp>
+      <p:sp>
+        <p:nvSpPr>
+          <p:cNvPr id="4" name="灯片编号占位符 3"/>
+          <p:cNvSpPr>
+            <a:spLocks noGrp="1"/>
+          </p:cNvSpPr>
+          <p:nvPr>
+            <p:ph type="sldNum" sz="quarter" idx="10"/>
+          </p:nvPr>
+        </p:nvSpPr>
+        <p:spPr/>
+        <p:txBody>
+          <a:bodyPr/>
+          <a:lstStyle/>
+          <a:p>
+            <a:fld id="{3C780944-94FB-46F6-8937-ABF2C17E41BC}" type="slidenum">
+              <a:rPr lang="zh-CN" altLang="en-US" smtClean="0"/>
+              <a:t>8</a:t>
+            </a:fld>
+            <a:endParaRPr lang="zh-CN" altLang="en-US"/>
+          </a:p>
+        </p:txBody>
+      </p:sp>
+    </p:spTree>
+    <p:extLst>
+      <p:ext uri="{BB962C8B-B14F-4D97-AF65-F5344CB8AC3E}">
+        <p14:creationId xmlns:p14="http://schemas.microsoft.com/office/powerpoint/2010/main" val="1393485099"/>
+      </p:ext>
+    </p:extLst>
+  </p:cSld>
+  <p:clrMapOvr>
+    <a:masterClrMapping/>
+  </p:clrMapOvr>
+</p:notes>
+</file>
+
+<file path=ppt/notesSlides/notesSlide8.xml><?xml version="1.0" encoding="utf-8"?>
+<p:notes xmlns:a="http://schemas.openxmlformats.org/drawingml/2006/main" xmlns:r="http://schemas.openxmlformats.org/officeDocument/2006/relationships" xmlns:p="http://schemas.openxmlformats.org/presentationml/2006/main">
+  <p:cSld>
+    <p:spTree>
+      <p:nvGrpSpPr>
+        <p:cNvPr id="1" name=""/>
+        <p:cNvGrpSpPr/>
+        <p:nvPr/>
+      </p:nvGrpSpPr>
+      <p:grpSpPr>
+        <a:xfrm>
+          <a:off x="0" y="0"/>
+          <a:ext cx="0" cy="0"/>
+          <a:chOff x="0" y="0"/>
+          <a:chExt cx="0" cy="0"/>
+        </a:xfrm>
+      </p:grpSpPr>
+      <p:sp>
+        <p:nvSpPr>
+          <p:cNvPr id="2" name="幻灯片图像占位符 1"/>
+          <p:cNvSpPr>
+            <a:spLocks noGrp="1" noRot="1" noChangeAspect="1"/>
+          </p:cNvSpPr>
+          <p:nvPr>
+            <p:ph type="sldImg"/>
+          </p:nvPr>
+        </p:nvSpPr>
+        <p:spPr/>
+      </p:sp>
+      <p:sp>
+        <p:nvSpPr>
+          <p:cNvPr id="3" name="备注占位符 2"/>
+          <p:cNvSpPr>
+            <a:spLocks noGrp="1"/>
+          </p:cNvSpPr>
+          <p:nvPr>
+            <p:ph type="body" idx="1"/>
+          </p:nvPr>
+        </p:nvSpPr>
+        <p:spPr/>
+        <p:txBody>
+          <a:bodyPr/>
+          <a:lstStyle/>
+          <a:p>
+            <a:r>
+              <a:rPr lang="zh-CN" altLang="en-US" dirty="0"/>
+              <a:t>作为父级</a:t>
+            </a:r>
+            <a:r>
+              <a:rPr lang="en-US" altLang="zh-CN" dirty="0"/>
+              <a:t>Actor</a:t>
+            </a:r>
+            <a:r>
+              <a:rPr lang="zh-CN" altLang="en-US" dirty="0"/>
+              <a:t>责处理子级的失败（所谓的监督），形成责任链，一直到最高层。 当一个</a:t>
+            </a:r>
+            <a:r>
+              <a:rPr lang="en-US" altLang="zh-CN" dirty="0"/>
+              <a:t>actor</a:t>
+            </a:r>
+            <a:r>
+              <a:rPr lang="zh-CN" altLang="en-US" dirty="0"/>
+              <a:t>崩溃时，它的父级可以重启或停止它，或者将故障升级为</a:t>
+            </a:r>
+            <a:r>
+              <a:rPr lang="en-US" altLang="zh-CN" dirty="0"/>
+              <a:t>actor</a:t>
+            </a:r>
+            <a:r>
+              <a:rPr lang="zh-CN" altLang="en-US" dirty="0"/>
+              <a:t>的层次结构。 这为一个并发的分布式系统中的故障管理提供了一套干净的语义，并允许编写自我修复的高容错系统。</a:t>
+            </a:r>
+          </a:p>
+        </p:txBody>
+      </p:sp>
+      <p:sp>
+        <p:nvSpPr>
+          <p:cNvPr id="4" name="灯片编号占位符 3"/>
+          <p:cNvSpPr>
+            <a:spLocks noGrp="1"/>
+          </p:cNvSpPr>
+          <p:nvPr>
+            <p:ph type="sldNum" sz="quarter" idx="10"/>
+          </p:nvPr>
+        </p:nvSpPr>
+        <p:spPr/>
+        <p:txBody>
+          <a:bodyPr/>
+          <a:lstStyle/>
+          <a:p>
+            <a:fld id="{3C780944-94FB-46F6-8937-ABF2C17E41BC}" type="slidenum">
+              <a:rPr lang="zh-CN" altLang="en-US" smtClean="0"/>
+              <a:t>9</a:t>
+            </a:fld>
+            <a:endParaRPr lang="zh-CN" altLang="en-US"/>
+          </a:p>
+        </p:txBody>
+      </p:sp>
+    </p:spTree>
+    <p:extLst>
+      <p:ext uri="{BB962C8B-B14F-4D97-AF65-F5344CB8AC3E}">
+        <p14:creationId xmlns:p14="http://schemas.microsoft.com/office/powerpoint/2010/main" val="164117003"/>
+      </p:ext>
+    </p:extLst>
+  </p:cSld>
+  <p:clrMapOvr>
+    <a:masterClrMapping/>
+  </p:clrMapOvr>
+</p:notes>
+</file>
+
+<file path=ppt/notesSlides/notesSlide9.xml><?xml version="1.0" encoding="utf-8"?>
+<p:notes xmlns:a="http://schemas.openxmlformats.org/drawingml/2006/main" xmlns:r="http://schemas.openxmlformats.org/officeDocument/2006/relationships" xmlns:p="http://schemas.openxmlformats.org/presentationml/2006/main">
+  <p:cSld>
+    <p:spTree>
+      <p:nvGrpSpPr>
+        <p:cNvPr id="1" name=""/>
+        <p:cNvGrpSpPr/>
+        <p:nvPr/>
+      </p:nvGrpSpPr>
+      <p:grpSpPr>
+        <a:xfrm>
+          <a:off x="0" y="0"/>
+          <a:ext cx="0" cy="0"/>
+          <a:chOff x="0" y="0"/>
+          <a:chExt cx="0" cy="0"/>
+        </a:xfrm>
+      </p:grpSpPr>
+      <p:sp>
+        <p:nvSpPr>
+          <p:cNvPr id="2" name="幻灯片图像占位符 1"/>
+          <p:cNvSpPr>
+            <a:spLocks noGrp="1" noRot="1" noChangeAspect="1"/>
+          </p:cNvSpPr>
+          <p:nvPr>
+            <p:ph type="sldImg"/>
+          </p:nvPr>
+        </p:nvSpPr>
+        <p:spPr/>
+      </p:sp>
+      <p:sp>
+        <p:nvSpPr>
+          <p:cNvPr id="3" name="备注占位符 2"/>
+          <p:cNvSpPr>
+            <a:spLocks noGrp="1"/>
+          </p:cNvSpPr>
+          <p:nvPr>
+            <p:ph type="body" idx="1"/>
+          </p:nvPr>
+        </p:nvSpPr>
+        <p:spPr/>
+        <p:txBody>
+          <a:bodyPr/>
+          <a:lstStyle/>
+          <a:p>
+            <a:r>
+              <a:rPr lang="zh-CN" altLang="en-US" dirty="0"/>
+              <a:t>作为父级</a:t>
+            </a:r>
+            <a:r>
+              <a:rPr lang="en-US" altLang="zh-CN" dirty="0"/>
+              <a:t>Actor</a:t>
+            </a:r>
+            <a:r>
+              <a:rPr lang="zh-CN" altLang="en-US" dirty="0"/>
+              <a:t>责处理子级的失败（所谓的监督），形成责任链，一直到最高层。 当一个</a:t>
+            </a:r>
+            <a:r>
+              <a:rPr lang="en-US" altLang="zh-CN" dirty="0"/>
+              <a:t>actor</a:t>
+            </a:r>
+            <a:r>
+              <a:rPr lang="zh-CN" altLang="en-US" dirty="0"/>
+              <a:t>崩溃时，它的父级可以重启或停止它，或者将故障升级为</a:t>
+            </a:r>
+            <a:r>
+              <a:rPr lang="en-US" altLang="zh-CN" dirty="0"/>
+              <a:t>actor</a:t>
+            </a:r>
+            <a:r>
+              <a:rPr lang="zh-CN" altLang="en-US" dirty="0"/>
+              <a:t>的层次结构。 这为一个并发的分布式系统中的故障管理提供了一套干净的语义，并允许编写自我修复的高容错系统。</a:t>
+            </a:r>
+          </a:p>
+        </p:txBody>
+      </p:sp>
+      <p:sp>
+        <p:nvSpPr>
+          <p:cNvPr id="4" name="灯片编号占位符 3"/>
+          <p:cNvSpPr>
+            <a:spLocks noGrp="1"/>
+          </p:cNvSpPr>
+          <p:nvPr>
+            <p:ph type="sldNum" sz="quarter" idx="10"/>
+          </p:nvPr>
+        </p:nvSpPr>
+        <p:spPr/>
+        <p:txBody>
+          <a:bodyPr/>
+          <a:lstStyle/>
+          <a:p>
+            <a:fld id="{3C780944-94FB-46F6-8937-ABF2C17E41BC}" type="slidenum">
+              <a:rPr lang="zh-CN" altLang="en-US" smtClean="0"/>
+              <a:t>10</a:t>
+            </a:fld>
+            <a:endParaRPr lang="zh-CN" altLang="en-US"/>
+          </a:p>
+        </p:txBody>
+      </p:sp>
+    </p:spTree>
+    <p:extLst>
+      <p:ext uri="{BB962C8B-B14F-4D97-AF65-F5344CB8AC3E}">
+        <p14:creationId xmlns:p14="http://schemas.microsoft.com/office/powerpoint/2010/main" val="2565612022"/>
+      </p:ext>
+    </p:extLst>
+  </p:cSld>
+  <p:clrMapOvr>
+    <a:masterClrMapping/>
+  </p:clrMapOvr>
+</p:notes>
+</file>
+
 <file path=ppt/slideLayouts/slideLayout1.xml><?xml version="1.0" encoding="utf-8"?>
 <p:sldLayout xmlns:a="http://schemas.openxmlformats.org/drawingml/2006/main" xmlns:r="http://schemas.openxmlformats.org/officeDocument/2006/relationships" xmlns:p="http://schemas.openxmlformats.org/presentationml/2006/main" type="title" preserve="1">
   <p:cSld name="标题幻灯片">
@@ -1126,7 +1574,7 @@
           <a:p>
             <a:fld id="{F8D91990-1C2A-42AB-BFBF-4E7051969EFA}" type="datetimeFigureOut">
               <a:rPr lang="zh-CN" altLang="en-US" smtClean="0"/>
-              <a:t>2018/8/15</a:t>
+              <a:t>2018/8/17</a:t>
             </a:fld>
             <a:endParaRPr lang="zh-CN" altLang="en-US"/>
           </a:p>
@@ -1324,7 +1772,7 @@
           <a:p>
             <a:fld id="{F8D91990-1C2A-42AB-BFBF-4E7051969EFA}" type="datetimeFigureOut">
               <a:rPr lang="zh-CN" altLang="en-US" smtClean="0"/>
-              <a:t>2018/8/15</a:t>
+              <a:t>2018/8/17</a:t>
             </a:fld>
             <a:endParaRPr lang="zh-CN" altLang="en-US"/>
           </a:p>
@@ -1532,7 +1980,7 @@
           <a:p>
             <a:fld id="{F8D91990-1C2A-42AB-BFBF-4E7051969EFA}" type="datetimeFigureOut">
               <a:rPr lang="zh-CN" altLang="en-US" smtClean="0"/>
-              <a:t>2018/8/15</a:t>
+              <a:t>2018/8/17</a:t>
             </a:fld>
             <a:endParaRPr lang="zh-CN" altLang="en-US"/>
           </a:p>
@@ -1730,7 +2178,7 @@
           <a:p>
             <a:fld id="{F8D91990-1C2A-42AB-BFBF-4E7051969EFA}" type="datetimeFigureOut">
               <a:rPr lang="zh-CN" altLang="en-US" smtClean="0"/>
-              <a:t>2018/8/15</a:t>
+              <a:t>2018/8/17</a:t>
             </a:fld>
             <a:endParaRPr lang="zh-CN" altLang="en-US"/>
           </a:p>
@@ -2005,7 +2453,7 @@
           <a:p>
             <a:fld id="{F8D91990-1C2A-42AB-BFBF-4E7051969EFA}" type="datetimeFigureOut">
               <a:rPr lang="zh-CN" altLang="en-US" smtClean="0"/>
-              <a:t>2018/8/15</a:t>
+              <a:t>2018/8/17</a:t>
             </a:fld>
             <a:endParaRPr lang="zh-CN" altLang="en-US"/>
           </a:p>
@@ -2270,7 +2718,7 @@
           <a:p>
             <a:fld id="{F8D91990-1C2A-42AB-BFBF-4E7051969EFA}" type="datetimeFigureOut">
               <a:rPr lang="zh-CN" altLang="en-US" smtClean="0"/>
-              <a:t>2018/8/15</a:t>
+              <a:t>2018/8/17</a:t>
             </a:fld>
             <a:endParaRPr lang="zh-CN" altLang="en-US"/>
           </a:p>
@@ -2682,7 +3130,7 @@
           <a:p>
             <a:fld id="{F8D91990-1C2A-42AB-BFBF-4E7051969EFA}" type="datetimeFigureOut">
               <a:rPr lang="zh-CN" altLang="en-US" smtClean="0"/>
-              <a:t>2018/8/15</a:t>
+              <a:t>2018/8/17</a:t>
             </a:fld>
             <a:endParaRPr lang="zh-CN" altLang="en-US"/>
           </a:p>
@@ -2823,7 +3271,7 @@
           <a:p>
             <a:fld id="{F8D91990-1C2A-42AB-BFBF-4E7051969EFA}" type="datetimeFigureOut">
               <a:rPr lang="zh-CN" altLang="en-US" smtClean="0"/>
-              <a:t>2018/8/15</a:t>
+              <a:t>2018/8/17</a:t>
             </a:fld>
             <a:endParaRPr lang="zh-CN" altLang="en-US"/>
           </a:p>
@@ -2936,7 +3384,7 @@
           <a:p>
             <a:fld id="{F8D91990-1C2A-42AB-BFBF-4E7051969EFA}" type="datetimeFigureOut">
               <a:rPr lang="zh-CN" altLang="en-US" smtClean="0"/>
-              <a:t>2018/8/15</a:t>
+              <a:t>2018/8/17</a:t>
             </a:fld>
             <a:endParaRPr lang="zh-CN" altLang="en-US"/>
           </a:p>
@@ -3247,7 +3695,7 @@
           <a:p>
             <a:fld id="{F8D91990-1C2A-42AB-BFBF-4E7051969EFA}" type="datetimeFigureOut">
               <a:rPr lang="zh-CN" altLang="en-US" smtClean="0"/>
-              <a:t>2018/8/15</a:t>
+              <a:t>2018/8/17</a:t>
             </a:fld>
             <a:endParaRPr lang="zh-CN" altLang="en-US"/>
           </a:p>
@@ -3535,7 +3983,7 @@
           <a:p>
             <a:fld id="{F8D91990-1C2A-42AB-BFBF-4E7051969EFA}" type="datetimeFigureOut">
               <a:rPr lang="zh-CN" altLang="en-US" smtClean="0"/>
-              <a:t>2018/8/15</a:t>
+              <a:t>2018/8/17</a:t>
             </a:fld>
             <a:endParaRPr lang="zh-CN" altLang="en-US"/>
           </a:p>
@@ -3776,7 +4224,7 @@
           <a:p>
             <a:fld id="{F8D91990-1C2A-42AB-BFBF-4E7051969EFA}" type="datetimeFigureOut">
               <a:rPr lang="zh-CN" altLang="en-US" smtClean="0"/>
-              <a:t>2018/8/15</a:t>
+              <a:t>2018/8/17</a:t>
             </a:fld>
             <a:endParaRPr lang="zh-CN" altLang="en-US"/>
           </a:p>
@@ -4260,6 +4708,125 @@
 </p:sld>
 </file>
 
+<file path=ppt/slides/slide10.xml><?xml version="1.0" encoding="utf-8"?>
+<p:sld xmlns:a="http://schemas.openxmlformats.org/drawingml/2006/main" xmlns:r="http://schemas.openxmlformats.org/officeDocument/2006/relationships" xmlns:p="http://schemas.openxmlformats.org/presentationml/2006/main">
+  <p:cSld>
+    <p:spTree>
+      <p:nvGrpSpPr>
+        <p:cNvPr id="1" name=""/>
+        <p:cNvGrpSpPr/>
+        <p:nvPr/>
+      </p:nvGrpSpPr>
+      <p:grpSpPr>
+        <a:xfrm>
+          <a:off x="0" y="0"/>
+          <a:ext cx="0" cy="0"/>
+          <a:chOff x="0" y="0"/>
+          <a:chExt cx="0" cy="0"/>
+        </a:xfrm>
+      </p:grpSpPr>
+      <p:sp>
+        <p:nvSpPr>
+          <p:cNvPr id="2" name="标题 1">
+            <a:extLst>
+              <a:ext uri="{FF2B5EF4-FFF2-40B4-BE49-F238E27FC236}">
+                <a16:creationId xmlns:a16="http://schemas.microsoft.com/office/drawing/2014/main" id="{F7C23084-23BF-4F3E-97FD-EEB470F2270A}"/>
+              </a:ext>
+            </a:extLst>
+          </p:cNvPr>
+          <p:cNvSpPr>
+            <a:spLocks noGrp="1"/>
+          </p:cNvSpPr>
+          <p:nvPr>
+            <p:ph type="title"/>
+          </p:nvPr>
+        </p:nvSpPr>
+        <p:spPr/>
+        <p:txBody>
+          <a:bodyPr/>
+          <a:lstStyle/>
+          <a:p>
+            <a:r>
+              <a:rPr lang="en-US" altLang="zh-CN" dirty="0"/>
+              <a:t>Props</a:t>
+            </a:r>
+            <a:endParaRPr lang="zh-CN" altLang="en-US" dirty="0"/>
+          </a:p>
+        </p:txBody>
+      </p:sp>
+      <p:sp>
+        <p:nvSpPr>
+          <p:cNvPr id="3" name="内容占位符 2">
+            <a:extLst>
+              <a:ext uri="{FF2B5EF4-FFF2-40B4-BE49-F238E27FC236}">
+                <a16:creationId xmlns:a16="http://schemas.microsoft.com/office/drawing/2014/main" id="{8CA72CA0-FACC-44F9-A496-CFCBA739C5D0}"/>
+              </a:ext>
+            </a:extLst>
+          </p:cNvPr>
+          <p:cNvSpPr>
+            <a:spLocks noGrp="1"/>
+          </p:cNvSpPr>
+          <p:nvPr>
+            <p:ph idx="1"/>
+          </p:nvPr>
+        </p:nvSpPr>
+        <p:spPr>
+          <a:xfrm>
+            <a:off x="838200" y="2514600"/>
+            <a:ext cx="10515600" cy="3052762"/>
+          </a:xfrm>
+        </p:spPr>
+        <p:txBody>
+          <a:bodyPr>
+            <a:normAutofit/>
+          </a:bodyPr>
+          <a:lstStyle/>
+          <a:p>
+            <a:pPr marL="0" indent="0" algn="ctr">
+              <a:buNone/>
+            </a:pPr>
+            <a:r>
+              <a:rPr lang="zh-CN" altLang="en-US" dirty="0"/>
+              <a:t>自定义</a:t>
+            </a:r>
+            <a:r>
+              <a:rPr lang="en-US" altLang="zh-CN" dirty="0"/>
+              <a:t>Props Demos</a:t>
+            </a:r>
+          </a:p>
+          <a:p>
+            <a:pPr marL="0" indent="0">
+              <a:buNone/>
+            </a:pPr>
+            <a:endParaRPr lang="en-US" altLang="zh-CN" sz="1800" dirty="0">
+              <a:latin typeface="微软雅黑" panose="020B0503020204020204" pitchFamily="34" charset="-122"/>
+              <a:ea typeface="微软雅黑" panose="020B0503020204020204" pitchFamily="34" charset="-122"/>
+            </a:endParaRPr>
+          </a:p>
+          <a:p>
+            <a:pPr marL="0" indent="0">
+              <a:buNone/>
+            </a:pPr>
+            <a:endParaRPr lang="zh-CN" altLang="en-US" sz="1800" dirty="0">
+              <a:latin typeface="微软雅黑" panose="020B0503020204020204" pitchFamily="34" charset="-122"/>
+              <a:ea typeface="微软雅黑" panose="020B0503020204020204" pitchFamily="34" charset="-122"/>
+            </a:endParaRPr>
+          </a:p>
+        </p:txBody>
+      </p:sp>
+    </p:spTree>
+    <p:extLst>
+      <p:ext uri="{BB962C8B-B14F-4D97-AF65-F5344CB8AC3E}">
+        <p14:creationId xmlns:p14="http://schemas.microsoft.com/office/powerpoint/2010/main" val="3947926739"/>
+      </p:ext>
+    </p:extLst>
+  </p:cSld>
+  <p:clrMapOvr>
+    <a:masterClrMapping/>
+  </p:clrMapOvr>
+</p:sld>
+</file>
+
 <file path=ppt/slides/slide2.xml><?xml version="1.0" encoding="utf-8"?>
 <p:sld xmlns:a="http://schemas.openxmlformats.org/drawingml/2006/main" xmlns:r="http://schemas.openxmlformats.org/officeDocument/2006/relationships" xmlns:p="http://schemas.openxmlformats.org/presentationml/2006/main">
   <p:cSld>
@@ -5107,6 +5674,760 @@
     <p:extLst>
       <p:ext uri="{BB962C8B-B14F-4D97-AF65-F5344CB8AC3E}">
         <p14:creationId xmlns:p14="http://schemas.microsoft.com/office/powerpoint/2010/main" val="1614590588"/>
+      </p:ext>
+    </p:extLst>
+  </p:cSld>
+  <p:clrMapOvr>
+    <a:masterClrMapping/>
+  </p:clrMapOvr>
+</p:sld>
+</file>
+
+<file path=ppt/slides/slide7.xml><?xml version="1.0" encoding="utf-8"?>
+<p:sld xmlns:a="http://schemas.openxmlformats.org/drawingml/2006/main" xmlns:r="http://schemas.openxmlformats.org/officeDocument/2006/relationships" xmlns:p="http://schemas.openxmlformats.org/presentationml/2006/main">
+  <p:cSld>
+    <p:spTree>
+      <p:nvGrpSpPr>
+        <p:cNvPr id="1" name=""/>
+        <p:cNvGrpSpPr/>
+        <p:nvPr/>
+      </p:nvGrpSpPr>
+      <p:grpSpPr>
+        <a:xfrm>
+          <a:off x="0" y="0"/>
+          <a:ext cx="0" cy="0"/>
+          <a:chOff x="0" y="0"/>
+          <a:chExt cx="0" cy="0"/>
+        </a:xfrm>
+      </p:grpSpPr>
+      <p:sp>
+        <p:nvSpPr>
+          <p:cNvPr id="2" name="标题 1">
+            <a:extLst>
+              <a:ext uri="{FF2B5EF4-FFF2-40B4-BE49-F238E27FC236}">
+                <a16:creationId xmlns:a16="http://schemas.microsoft.com/office/drawing/2014/main" id="{F7C23084-23BF-4F3E-97FD-EEB470F2270A}"/>
+              </a:ext>
+            </a:extLst>
+          </p:cNvPr>
+          <p:cNvSpPr>
+            <a:spLocks noGrp="1"/>
+          </p:cNvSpPr>
+          <p:nvPr>
+            <p:ph type="title"/>
+          </p:nvPr>
+        </p:nvSpPr>
+        <p:spPr/>
+        <p:txBody>
+          <a:bodyPr/>
+          <a:lstStyle/>
+          <a:p>
+            <a:r>
+              <a:rPr lang="en-US" altLang="zh-CN" dirty="0"/>
+              <a:t>Hello World</a:t>
+            </a:r>
+            <a:endParaRPr lang="zh-CN" altLang="en-US" dirty="0"/>
+          </a:p>
+        </p:txBody>
+      </p:sp>
+      <p:sp>
+        <p:nvSpPr>
+          <p:cNvPr id="3" name="内容占位符 2">
+            <a:extLst>
+              <a:ext uri="{FF2B5EF4-FFF2-40B4-BE49-F238E27FC236}">
+                <a16:creationId xmlns:a16="http://schemas.microsoft.com/office/drawing/2014/main" id="{8CA72CA0-FACC-44F9-A496-CFCBA739C5D0}"/>
+              </a:ext>
+            </a:extLst>
+          </p:cNvPr>
+          <p:cNvSpPr>
+            <a:spLocks noGrp="1"/>
+          </p:cNvSpPr>
+          <p:nvPr>
+            <p:ph idx="1"/>
+          </p:nvPr>
+        </p:nvSpPr>
+        <p:spPr>
+          <a:xfrm>
+            <a:off x="838200" y="2460811"/>
+            <a:ext cx="10515600" cy="3716151"/>
+          </a:xfrm>
+        </p:spPr>
+        <p:txBody>
+          <a:bodyPr>
+            <a:normAutofit/>
+          </a:bodyPr>
+          <a:lstStyle/>
+          <a:p>
+            <a:pPr marL="0" indent="0" algn="ctr">
+              <a:buNone/>
+            </a:pPr>
+            <a:r>
+              <a:rPr lang="en-US" altLang="zh-CN" dirty="0"/>
+              <a:t>Demo</a:t>
+            </a:r>
+            <a:endParaRPr lang="zh-CN" altLang="en-US" sz="1800" dirty="0">
+              <a:latin typeface="微软雅黑" panose="020B0503020204020204" pitchFamily="34" charset="-122"/>
+              <a:ea typeface="微软雅黑" panose="020B0503020204020204" pitchFamily="34" charset="-122"/>
+            </a:endParaRPr>
+          </a:p>
+        </p:txBody>
+      </p:sp>
+    </p:spTree>
+    <p:extLst>
+      <p:ext uri="{BB962C8B-B14F-4D97-AF65-F5344CB8AC3E}">
+        <p14:creationId xmlns:p14="http://schemas.microsoft.com/office/powerpoint/2010/main" val="966318742"/>
+      </p:ext>
+    </p:extLst>
+  </p:cSld>
+  <p:clrMapOvr>
+    <a:masterClrMapping/>
+  </p:clrMapOvr>
+</p:sld>
+</file>
+
+<file path=ppt/slides/slide8.xml><?xml version="1.0" encoding="utf-8"?>
+<p:sld xmlns:a="http://schemas.openxmlformats.org/drawingml/2006/main" xmlns:r="http://schemas.openxmlformats.org/officeDocument/2006/relationships" xmlns:p="http://schemas.openxmlformats.org/presentationml/2006/main">
+  <p:cSld>
+    <p:spTree>
+      <p:nvGrpSpPr>
+        <p:cNvPr id="1" name=""/>
+        <p:cNvGrpSpPr/>
+        <p:nvPr/>
+      </p:nvGrpSpPr>
+      <p:grpSpPr>
+        <a:xfrm>
+          <a:off x="0" y="0"/>
+          <a:ext cx="0" cy="0"/>
+          <a:chOff x="0" y="0"/>
+          <a:chExt cx="0" cy="0"/>
+        </a:xfrm>
+      </p:grpSpPr>
+      <p:sp>
+        <p:nvSpPr>
+          <p:cNvPr id="2" name="标题 1">
+            <a:extLst>
+              <a:ext uri="{FF2B5EF4-FFF2-40B4-BE49-F238E27FC236}">
+                <a16:creationId xmlns:a16="http://schemas.microsoft.com/office/drawing/2014/main" id="{F7C23084-23BF-4F3E-97FD-EEB470F2270A}"/>
+              </a:ext>
+            </a:extLst>
+          </p:cNvPr>
+          <p:cNvSpPr>
+            <a:spLocks noGrp="1"/>
+          </p:cNvSpPr>
+          <p:nvPr>
+            <p:ph type="title"/>
+          </p:nvPr>
+        </p:nvSpPr>
+        <p:spPr/>
+        <p:txBody>
+          <a:bodyPr/>
+          <a:lstStyle/>
+          <a:p>
+            <a:r>
+              <a:rPr lang="en-US" altLang="zh-CN" dirty="0"/>
+              <a:t>Props</a:t>
+            </a:r>
+            <a:endParaRPr lang="zh-CN" altLang="en-US" dirty="0"/>
+          </a:p>
+        </p:txBody>
+      </p:sp>
+      <p:sp>
+        <p:nvSpPr>
+          <p:cNvPr id="3" name="内容占位符 2">
+            <a:extLst>
+              <a:ext uri="{FF2B5EF4-FFF2-40B4-BE49-F238E27FC236}">
+                <a16:creationId xmlns:a16="http://schemas.microsoft.com/office/drawing/2014/main" id="{8CA72CA0-FACC-44F9-A496-CFCBA739C5D0}"/>
+              </a:ext>
+            </a:extLst>
+          </p:cNvPr>
+          <p:cNvSpPr>
+            <a:spLocks noGrp="1"/>
+          </p:cNvSpPr>
+          <p:nvPr>
+            <p:ph idx="1"/>
+          </p:nvPr>
+        </p:nvSpPr>
+        <p:spPr>
+          <a:xfrm>
+            <a:off x="838200" y="1851211"/>
+            <a:ext cx="10515600" cy="3716151"/>
+          </a:xfrm>
+        </p:spPr>
+        <p:txBody>
+          <a:bodyPr>
+            <a:normAutofit fontScale="70000" lnSpcReduction="20000"/>
+          </a:bodyPr>
+          <a:lstStyle/>
+          <a:p>
+            <a:pPr marL="0" indent="0">
+              <a:buNone/>
+            </a:pPr>
+            <a:r>
+              <a:rPr lang="en-US" altLang="zh-CN" dirty="0"/>
+              <a:t>Props</a:t>
+            </a:r>
+            <a:r>
+              <a:rPr lang="zh-CN" altLang="en-US" dirty="0"/>
+              <a:t>用于配置和构造</a:t>
+            </a:r>
+            <a:r>
+              <a:rPr lang="en-US" altLang="zh-CN" dirty="0"/>
+              <a:t>Actor</a:t>
+            </a:r>
+            <a:r>
+              <a:rPr lang="zh-CN" altLang="en-US" dirty="0"/>
+              <a:t>及其</a:t>
+            </a:r>
+            <a:r>
+              <a:rPr lang="en-US" altLang="zh-CN" dirty="0"/>
+              <a:t>Context</a:t>
+            </a:r>
+            <a:r>
+              <a:rPr lang="zh-CN" altLang="en-US" dirty="0"/>
+              <a:t>。</a:t>
+            </a:r>
+            <a:endParaRPr lang="en-US" altLang="zh-CN" dirty="0"/>
+          </a:p>
+          <a:p>
+            <a:pPr marL="0" indent="0">
+              <a:buNone/>
+            </a:pPr>
+            <a:r>
+              <a:rPr lang="zh-CN" altLang="en-US" dirty="0"/>
+              <a:t>生成</a:t>
+            </a:r>
+            <a:r>
+              <a:rPr lang="en-US" altLang="zh-CN" dirty="0"/>
+              <a:t>Props</a:t>
+            </a:r>
+            <a:r>
+              <a:rPr lang="zh-CN" altLang="en-US" dirty="0"/>
+              <a:t>的方法有两种：</a:t>
+            </a:r>
+            <a:endParaRPr lang="en-US" altLang="zh-CN" dirty="0"/>
+          </a:p>
+          <a:p>
+            <a:pPr marL="514350" indent="-514350">
+              <a:buFont typeface="+mj-lt"/>
+              <a:buAutoNum type="arabicPeriod"/>
+            </a:pPr>
+            <a:r>
+              <a:rPr lang="en-US" altLang="zh-CN" dirty="0" err="1"/>
+              <a:t>Actor.FromProducer</a:t>
+            </a:r>
+            <a:r>
+              <a:rPr lang="en-US" altLang="zh-CN" dirty="0"/>
+              <a:t>(()=&gt;new </a:t>
+            </a:r>
+            <a:r>
+              <a:rPr lang="en-US" altLang="zh-CN" dirty="0" err="1"/>
+              <a:t>MyActor</a:t>
+            </a:r>
+            <a:r>
+              <a:rPr lang="en-US" altLang="zh-CN" dirty="0"/>
+              <a:t>());</a:t>
+            </a:r>
+          </a:p>
+          <a:p>
+            <a:pPr marL="514350" indent="-514350">
+              <a:buFont typeface="+mj-lt"/>
+              <a:buAutoNum type="arabicPeriod"/>
+            </a:pPr>
+            <a:r>
+              <a:rPr lang="en-US" altLang="zh-CN" dirty="0" err="1"/>
+              <a:t>Actor.FromFunc</a:t>
+            </a:r>
+            <a:r>
+              <a:rPr lang="en-US" altLang="zh-CN" dirty="0"/>
+              <a:t>(context=&gt;</a:t>
+            </a:r>
+          </a:p>
+          <a:p>
+            <a:pPr marL="0" indent="0">
+              <a:buNone/>
+            </a:pPr>
+            <a:r>
+              <a:rPr lang="en-US" altLang="zh-CN" dirty="0"/>
+              <a:t>	{</a:t>
+            </a:r>
+          </a:p>
+          <a:p>
+            <a:pPr marL="0" indent="0">
+              <a:buNone/>
+            </a:pPr>
+            <a:r>
+              <a:rPr lang="en-US" altLang="zh-CN" dirty="0"/>
+              <a:t>		if(</a:t>
+            </a:r>
+            <a:r>
+              <a:rPr lang="en-US" altLang="zh-CN" dirty="0" err="1"/>
+              <a:t>context.Message</a:t>
+            </a:r>
+            <a:r>
+              <a:rPr lang="en-US" altLang="zh-CN" dirty="0"/>
+              <a:t> is </a:t>
+            </a:r>
+            <a:r>
+              <a:rPr lang="en-US" altLang="zh-CN" dirty="0" err="1"/>
+              <a:t>MyEntity</a:t>
+            </a:r>
+            <a:r>
+              <a:rPr lang="en-US" altLang="zh-CN" dirty="0"/>
+              <a:t> </a:t>
+            </a:r>
+            <a:r>
+              <a:rPr lang="en-US" altLang="zh-CN" dirty="0" err="1"/>
+              <a:t>myEntity</a:t>
+            </a:r>
+            <a:r>
+              <a:rPr lang="en-US" altLang="zh-CN" dirty="0"/>
+              <a:t>)</a:t>
+            </a:r>
+          </a:p>
+          <a:p>
+            <a:pPr marL="0" indent="0">
+              <a:buNone/>
+            </a:pPr>
+            <a:r>
+              <a:rPr lang="en-US" altLang="zh-CN" dirty="0"/>
+              <a:t>		{</a:t>
+            </a:r>
+          </a:p>
+          <a:p>
+            <a:pPr marL="0" indent="0">
+              <a:buNone/>
+            </a:pPr>
+            <a:r>
+              <a:rPr lang="en-US" altLang="zh-CN" dirty="0"/>
+              <a:t>			</a:t>
+            </a:r>
+            <a:r>
+              <a:rPr lang="en-US" altLang="zh-CN" dirty="0" err="1"/>
+              <a:t>Console.WriteLine</a:t>
+            </a:r>
+            <a:r>
+              <a:rPr lang="en-US" altLang="zh-CN" dirty="0"/>
+              <a:t>(</a:t>
+            </a:r>
+            <a:r>
+              <a:rPr lang="en-US" altLang="zh-CN" dirty="0" err="1"/>
+              <a:t>context.Message</a:t>
+            </a:r>
+            <a:r>
+              <a:rPr lang="en-US" altLang="zh-CN" dirty="0"/>
+              <a:t>);</a:t>
+            </a:r>
+          </a:p>
+          <a:p>
+            <a:pPr marL="0" indent="0">
+              <a:buNone/>
+            </a:pPr>
+            <a:r>
+              <a:rPr lang="en-US" altLang="zh-CN" dirty="0"/>
+              <a:t>			return </a:t>
+            </a:r>
+            <a:r>
+              <a:rPr lang="en-US" altLang="zh-CN" dirty="0" err="1"/>
+              <a:t>Actor.Done</a:t>
+            </a:r>
+            <a:r>
+              <a:rPr lang="en-US" altLang="zh-CN" dirty="0"/>
+              <a:t>;</a:t>
+            </a:r>
+          </a:p>
+          <a:p>
+            <a:pPr marL="0" indent="0">
+              <a:buNone/>
+            </a:pPr>
+            <a:r>
+              <a:rPr lang="en-US" altLang="zh-CN" dirty="0"/>
+              <a:t>		}</a:t>
+            </a:r>
+          </a:p>
+          <a:p>
+            <a:pPr marL="0" indent="0">
+              <a:buNone/>
+            </a:pPr>
+            <a:r>
+              <a:rPr lang="en-US" altLang="zh-CN" dirty="0"/>
+              <a:t>	}</a:t>
+            </a:r>
+          </a:p>
+          <a:p>
+            <a:pPr marL="0" indent="0">
+              <a:buNone/>
+            </a:pPr>
+            <a:endParaRPr lang="en-US" altLang="zh-CN" dirty="0"/>
+          </a:p>
+          <a:p>
+            <a:pPr marL="0" indent="0">
+              <a:buNone/>
+            </a:pPr>
+            <a:endParaRPr lang="en-US" altLang="zh-CN" sz="1800" dirty="0">
+              <a:latin typeface="微软雅黑" panose="020B0503020204020204" pitchFamily="34" charset="-122"/>
+              <a:ea typeface="微软雅黑" panose="020B0503020204020204" pitchFamily="34" charset="-122"/>
+            </a:endParaRPr>
+          </a:p>
+          <a:p>
+            <a:pPr marL="0" indent="0">
+              <a:buNone/>
+            </a:pPr>
+            <a:endParaRPr lang="zh-CN" altLang="en-US" sz="1800" dirty="0">
+              <a:latin typeface="微软雅黑" panose="020B0503020204020204" pitchFamily="34" charset="-122"/>
+              <a:ea typeface="微软雅黑" panose="020B0503020204020204" pitchFamily="34" charset="-122"/>
+            </a:endParaRPr>
+          </a:p>
+        </p:txBody>
+      </p:sp>
+    </p:spTree>
+    <p:extLst>
+      <p:ext uri="{BB962C8B-B14F-4D97-AF65-F5344CB8AC3E}">
+        <p14:creationId xmlns:p14="http://schemas.microsoft.com/office/powerpoint/2010/main" val="4054776287"/>
+      </p:ext>
+    </p:extLst>
+  </p:cSld>
+  <p:clrMapOvr>
+    <a:masterClrMapping/>
+  </p:clrMapOvr>
+</p:sld>
+</file>
+
+<file path=ppt/slides/slide9.xml><?xml version="1.0" encoding="utf-8"?>
+<p:sld xmlns:a="http://schemas.openxmlformats.org/drawingml/2006/main" xmlns:r="http://schemas.openxmlformats.org/officeDocument/2006/relationships" xmlns:p="http://schemas.openxmlformats.org/presentationml/2006/main">
+  <p:cSld>
+    <p:spTree>
+      <p:nvGrpSpPr>
+        <p:cNvPr id="1" name=""/>
+        <p:cNvGrpSpPr/>
+        <p:nvPr/>
+      </p:nvGrpSpPr>
+      <p:grpSpPr>
+        <a:xfrm>
+          <a:off x="0" y="0"/>
+          <a:ext cx="0" cy="0"/>
+          <a:chOff x="0" y="0"/>
+          <a:chExt cx="0" cy="0"/>
+        </a:xfrm>
+      </p:grpSpPr>
+      <p:sp>
+        <p:nvSpPr>
+          <p:cNvPr id="2" name="标题 1">
+            <a:extLst>
+              <a:ext uri="{FF2B5EF4-FFF2-40B4-BE49-F238E27FC236}">
+                <a16:creationId xmlns:a16="http://schemas.microsoft.com/office/drawing/2014/main" id="{F7C23084-23BF-4F3E-97FD-EEB470F2270A}"/>
+              </a:ext>
+            </a:extLst>
+          </p:cNvPr>
+          <p:cNvSpPr>
+            <a:spLocks noGrp="1"/>
+          </p:cNvSpPr>
+          <p:nvPr>
+            <p:ph type="title"/>
+          </p:nvPr>
+        </p:nvSpPr>
+        <p:spPr/>
+        <p:txBody>
+          <a:bodyPr/>
+          <a:lstStyle/>
+          <a:p>
+            <a:r>
+              <a:rPr lang="en-US" altLang="zh-CN" dirty="0"/>
+              <a:t>Spawning</a:t>
+            </a:r>
+            <a:endParaRPr lang="zh-CN" altLang="en-US" dirty="0"/>
+          </a:p>
+        </p:txBody>
+      </p:sp>
+      <p:sp>
+        <p:nvSpPr>
+          <p:cNvPr id="3" name="内容占位符 2">
+            <a:extLst>
+              <a:ext uri="{FF2B5EF4-FFF2-40B4-BE49-F238E27FC236}">
+                <a16:creationId xmlns:a16="http://schemas.microsoft.com/office/drawing/2014/main" id="{8CA72CA0-FACC-44F9-A496-CFCBA739C5D0}"/>
+              </a:ext>
+            </a:extLst>
+          </p:cNvPr>
+          <p:cNvSpPr>
+            <a:spLocks noGrp="1"/>
+          </p:cNvSpPr>
+          <p:nvPr>
+            <p:ph idx="1"/>
+          </p:nvPr>
+        </p:nvSpPr>
+        <p:spPr>
+          <a:xfrm>
+            <a:off x="838200" y="1690688"/>
+            <a:ext cx="10515600" cy="3876674"/>
+          </a:xfrm>
+        </p:spPr>
+        <p:txBody>
+          <a:bodyPr>
+            <a:normAutofit fontScale="62500" lnSpcReduction="20000"/>
+          </a:bodyPr>
+          <a:lstStyle/>
+          <a:p>
+            <a:pPr marL="0" indent="0">
+              <a:buNone/>
+            </a:pPr>
+            <a:r>
+              <a:rPr lang="zh-CN" altLang="en-US" dirty="0"/>
+              <a:t> </a:t>
+            </a:r>
+            <a:r>
+              <a:rPr lang="en-US" altLang="zh-CN" dirty="0"/>
+              <a:t>//</a:t>
+            </a:r>
+            <a:r>
+              <a:rPr lang="zh-CN" altLang="en-US" dirty="0"/>
+              <a:t>产生一个自定义名称的</a:t>
+            </a:r>
+            <a:r>
+              <a:rPr lang="en-US" altLang="zh-CN" dirty="0" err="1"/>
+              <a:t>PID</a:t>
+            </a:r>
+            <a:endParaRPr lang="zh-CN" altLang="en-US" dirty="0"/>
+          </a:p>
+          <a:p>
+            <a:pPr marL="0" indent="0">
+              <a:buNone/>
+            </a:pPr>
+            <a:r>
+              <a:rPr lang="en-US" altLang="zh-CN" dirty="0"/>
+              <a:t>var </a:t>
+            </a:r>
+            <a:r>
+              <a:rPr lang="en-US" altLang="zh-CN" dirty="0" err="1"/>
+              <a:t>pid1</a:t>
+            </a:r>
+            <a:r>
+              <a:rPr lang="en-US" altLang="zh-CN" dirty="0"/>
+              <a:t> = </a:t>
+            </a:r>
+            <a:r>
+              <a:rPr lang="en-US" altLang="zh-CN" dirty="0" err="1"/>
+              <a:t>Actor.Spawn</a:t>
+            </a:r>
+            <a:r>
+              <a:rPr lang="en-US" altLang="zh-CN" dirty="0"/>
+              <a:t>(props);</a:t>
+            </a:r>
+          </a:p>
+          <a:p>
+            <a:pPr marL="0" indent="0">
+              <a:buNone/>
+            </a:pPr>
+            <a:r>
+              <a:rPr lang="en-US" altLang="zh-CN" dirty="0" err="1"/>
+              <a:t>pid1.Tell</a:t>
+            </a:r>
+            <a:r>
+              <a:rPr lang="en-US" altLang="zh-CN" dirty="0"/>
+              <a:t>(new </a:t>
+            </a:r>
+            <a:r>
+              <a:rPr lang="en-US" altLang="zh-CN" dirty="0" err="1"/>
+              <a:t>MyEntity</a:t>
+            </a:r>
+            <a:r>
+              <a:rPr lang="en-US" altLang="zh-CN" dirty="0"/>
+              <a:t> { ID = 1 });</a:t>
+            </a:r>
+          </a:p>
+          <a:p>
+            <a:pPr marL="0" indent="0">
+              <a:buNone/>
+            </a:pPr>
+            <a:endParaRPr lang="zh-CN" altLang="en-US" dirty="0"/>
+          </a:p>
+          <a:p>
+            <a:pPr marL="0" indent="0">
+              <a:buNone/>
+            </a:pPr>
+            <a:r>
+              <a:rPr lang="en-US" altLang="zh-CN" dirty="0"/>
+              <a:t>//</a:t>
+            </a:r>
+            <a:r>
+              <a:rPr lang="zh-CN" altLang="en-US" dirty="0"/>
+              <a:t>产生一个有</a:t>
+            </a:r>
+            <a:r>
+              <a:rPr lang="en-US" altLang="zh-CN" dirty="0"/>
+              <a:t>gsw</a:t>
+            </a:r>
+            <a:r>
+              <a:rPr lang="zh-CN" altLang="en-US" dirty="0"/>
+              <a:t>前缀，跟自动生成的名称的</a:t>
+            </a:r>
+            <a:r>
+              <a:rPr lang="en-US" altLang="zh-CN" dirty="0" err="1"/>
+              <a:t>PID</a:t>
+            </a:r>
+            <a:endParaRPr lang="zh-CN" altLang="en-US" dirty="0"/>
+          </a:p>
+          <a:p>
+            <a:pPr marL="0" indent="0">
+              <a:buNone/>
+            </a:pPr>
+            <a:r>
+              <a:rPr lang="en-US" altLang="zh-CN" dirty="0"/>
+              <a:t>var </a:t>
+            </a:r>
+            <a:r>
+              <a:rPr lang="en-US" altLang="zh-CN" dirty="0" err="1"/>
+              <a:t>pid2</a:t>
+            </a:r>
+            <a:r>
+              <a:rPr lang="en-US" altLang="zh-CN" dirty="0"/>
+              <a:t> = </a:t>
+            </a:r>
+            <a:r>
+              <a:rPr lang="en-US" altLang="zh-CN" dirty="0" err="1"/>
+              <a:t>Actor.SpawnPrefix</a:t>
+            </a:r>
+            <a:r>
+              <a:rPr lang="en-US" altLang="zh-CN" dirty="0"/>
+              <a:t>(props, "gsw");</a:t>
+            </a:r>
+          </a:p>
+          <a:p>
+            <a:pPr marL="0" indent="0">
+              <a:buNone/>
+            </a:pPr>
+            <a:r>
+              <a:rPr lang="en-US" altLang="zh-CN" dirty="0" err="1"/>
+              <a:t>pid2.Tell</a:t>
+            </a:r>
+            <a:r>
+              <a:rPr lang="en-US" altLang="zh-CN" dirty="0"/>
+              <a:t>(new </a:t>
+            </a:r>
+            <a:r>
+              <a:rPr lang="en-US" altLang="zh-CN" dirty="0" err="1"/>
+              <a:t>MyEntity</a:t>
+            </a:r>
+            <a:r>
+              <a:rPr lang="en-US" altLang="zh-CN" dirty="0"/>
+              <a:t> { ID = 2 });</a:t>
+            </a:r>
+          </a:p>
+          <a:p>
+            <a:pPr marL="0" indent="0">
+              <a:buNone/>
+            </a:pPr>
+            <a:endParaRPr lang="zh-CN" altLang="en-US" dirty="0"/>
+          </a:p>
+          <a:p>
+            <a:pPr marL="0" indent="0">
+              <a:buNone/>
+            </a:pPr>
+            <a:r>
+              <a:rPr lang="en-US" altLang="zh-CN" dirty="0"/>
+              <a:t>//</a:t>
+            </a:r>
+            <a:r>
+              <a:rPr lang="zh-CN" altLang="en-US" dirty="0"/>
+              <a:t>产生一个名称为</a:t>
+            </a:r>
+            <a:r>
+              <a:rPr lang="en-US" altLang="zh-CN" dirty="0" err="1"/>
+              <a:t>gswpid</a:t>
+            </a:r>
+            <a:r>
+              <a:rPr lang="zh-CN" altLang="en-US" dirty="0"/>
+              <a:t>的</a:t>
+            </a:r>
+            <a:r>
+              <a:rPr lang="en-US" altLang="zh-CN" dirty="0" err="1"/>
+              <a:t>PID</a:t>
+            </a:r>
+            <a:endParaRPr lang="zh-CN" altLang="en-US" dirty="0"/>
+          </a:p>
+          <a:p>
+            <a:pPr marL="0" indent="0">
+              <a:buNone/>
+            </a:pPr>
+            <a:r>
+              <a:rPr lang="en-US" altLang="zh-CN" dirty="0"/>
+              <a:t>var </a:t>
+            </a:r>
+            <a:r>
+              <a:rPr lang="en-US" altLang="zh-CN" dirty="0" err="1"/>
+              <a:t>pid3</a:t>
+            </a:r>
+            <a:r>
+              <a:rPr lang="en-US" altLang="zh-CN" dirty="0"/>
+              <a:t> = </a:t>
+            </a:r>
+            <a:r>
+              <a:rPr lang="en-US" altLang="zh-CN" dirty="0" err="1"/>
+              <a:t>Actor.SpawnPrefix</a:t>
+            </a:r>
+            <a:r>
+              <a:rPr lang="en-US" altLang="zh-CN" dirty="0"/>
+              <a:t>(props, "</a:t>
+            </a:r>
+            <a:r>
+              <a:rPr lang="en-US" altLang="zh-CN" dirty="0" err="1"/>
+              <a:t>gswpid</a:t>
+            </a:r>
+            <a:r>
+              <a:rPr lang="en-US" altLang="zh-CN" dirty="0"/>
+              <a:t>");</a:t>
+            </a:r>
+          </a:p>
+          <a:p>
+            <a:pPr marL="0" indent="0">
+              <a:buNone/>
+            </a:pPr>
+            <a:r>
+              <a:rPr lang="en-US" altLang="zh-CN" dirty="0" err="1"/>
+              <a:t>pid3.Tell</a:t>
+            </a:r>
+            <a:r>
+              <a:rPr lang="en-US" altLang="zh-CN" dirty="0"/>
+              <a:t>(new </a:t>
+            </a:r>
+            <a:r>
+              <a:rPr lang="en-US" altLang="zh-CN" dirty="0" err="1"/>
+              <a:t>MyEntity</a:t>
+            </a:r>
+            <a:r>
+              <a:rPr lang="en-US" altLang="zh-CN" dirty="0"/>
+              <a:t> { ID = 3 });</a:t>
+            </a:r>
+          </a:p>
+          <a:p>
+            <a:pPr marL="0" indent="0">
+              <a:buNone/>
+            </a:pPr>
+            <a:r>
+              <a:rPr lang="en-US" altLang="zh-CN" dirty="0" err="1"/>
+              <a:t>Console.ReadLine</a:t>
+            </a:r>
+            <a:r>
+              <a:rPr lang="en-US" altLang="zh-CN" dirty="0"/>
+              <a:t>();</a:t>
+            </a:r>
+            <a:endParaRPr lang="en-US" altLang="zh-CN" sz="1800" dirty="0">
+              <a:latin typeface="微软雅黑" panose="020B0503020204020204" pitchFamily="34" charset="-122"/>
+              <a:ea typeface="微软雅黑" panose="020B0503020204020204" pitchFamily="34" charset="-122"/>
+            </a:endParaRPr>
+          </a:p>
+          <a:p>
+            <a:pPr marL="0" indent="0">
+              <a:buNone/>
+            </a:pPr>
+            <a:endParaRPr lang="zh-CN" altLang="en-US" sz="1800" dirty="0">
+              <a:latin typeface="微软雅黑" panose="020B0503020204020204" pitchFamily="34" charset="-122"/>
+              <a:ea typeface="微软雅黑" panose="020B0503020204020204" pitchFamily="34" charset="-122"/>
+            </a:endParaRPr>
+          </a:p>
+        </p:txBody>
+      </p:sp>
+    </p:spTree>
+    <p:extLst>
+      <p:ext uri="{BB962C8B-B14F-4D97-AF65-F5344CB8AC3E}">
+        <p14:creationId xmlns:p14="http://schemas.microsoft.com/office/powerpoint/2010/main" val="2274045715"/>
       </p:ext>
     </p:extLst>
   </p:cSld>

--- a/ProtoActorSample/Proto.Actor.pptx
+++ b/ProtoActorSample/Proto.Actor.pptx
@@ -5,7 +5,7 @@
     <p:sldMasterId id="2147483648" r:id="rId1"/>
   </p:sldMasterIdLst>
   <p:notesMasterIdLst>
-    <p:notesMasterId r:id="rId12"/>
+    <p:notesMasterId r:id="rId16"/>
   </p:notesMasterIdLst>
   <p:sldIdLst>
     <p:sldId id="256" r:id="rId2"/>
@@ -16,8 +16,12 @@
     <p:sldId id="260" r:id="rId7"/>
     <p:sldId id="262" r:id="rId8"/>
     <p:sldId id="263" r:id="rId9"/>
-    <p:sldId id="264" r:id="rId10"/>
-    <p:sldId id="265" r:id="rId11"/>
+    <p:sldId id="265" r:id="rId10"/>
+    <p:sldId id="264" r:id="rId11"/>
+    <p:sldId id="266" r:id="rId12"/>
+    <p:sldId id="267" r:id="rId13"/>
+    <p:sldId id="268" r:id="rId14"/>
+    <p:sldId id="269" r:id="rId15"/>
   </p:sldIdLst>
   <p:sldSz cx="12192000" cy="6858000"/>
   <p:notesSz cx="6858000" cy="9144000"/>
@@ -206,7 +210,7 @@
           <a:p>
             <a:fld id="{C73D7CCE-FBD8-465C-8CB3-43087BE9C0BC}" type="datetimeFigureOut">
               <a:rPr lang="zh-CN" altLang="en-US" smtClean="0"/>
-              <a:t>2018/8/17</a:t>
+              <a:t>2018/8/19</a:t>
             </a:fld>
             <a:endParaRPr lang="zh-CN" altLang="en-US"/>
           </a:p>
@@ -588,6 +592,450 @@
 </p:notes>
 </file>
 
+<file path=ppt/notesSlides/notesSlide10.xml><?xml version="1.0" encoding="utf-8"?>
+<p:notes xmlns:a="http://schemas.openxmlformats.org/drawingml/2006/main" xmlns:r="http://schemas.openxmlformats.org/officeDocument/2006/relationships" xmlns:p="http://schemas.openxmlformats.org/presentationml/2006/main">
+  <p:cSld>
+    <p:spTree>
+      <p:nvGrpSpPr>
+        <p:cNvPr id="1" name=""/>
+        <p:cNvGrpSpPr/>
+        <p:nvPr/>
+      </p:nvGrpSpPr>
+      <p:grpSpPr>
+        <a:xfrm>
+          <a:off x="0" y="0"/>
+          <a:ext cx="0" cy="0"/>
+          <a:chOff x="0" y="0"/>
+          <a:chExt cx="0" cy="0"/>
+        </a:xfrm>
+      </p:grpSpPr>
+      <p:sp>
+        <p:nvSpPr>
+          <p:cNvPr id="2" name="幻灯片图像占位符 1"/>
+          <p:cNvSpPr>
+            <a:spLocks noGrp="1" noRot="1" noChangeAspect="1"/>
+          </p:cNvSpPr>
+          <p:nvPr>
+            <p:ph type="sldImg"/>
+          </p:nvPr>
+        </p:nvSpPr>
+        <p:spPr/>
+      </p:sp>
+      <p:sp>
+        <p:nvSpPr>
+          <p:cNvPr id="3" name="备注占位符 2"/>
+          <p:cNvSpPr>
+            <a:spLocks noGrp="1"/>
+          </p:cNvSpPr>
+          <p:nvPr>
+            <p:ph type="body" idx="1"/>
+          </p:nvPr>
+        </p:nvSpPr>
+        <p:spPr/>
+        <p:txBody>
+          <a:bodyPr/>
+          <a:lstStyle/>
+          <a:p>
+            <a:r>
+              <a:rPr lang="zh-CN" altLang="en-US" dirty="0"/>
+              <a:t>作为父级</a:t>
+            </a:r>
+            <a:r>
+              <a:rPr lang="en-US" altLang="zh-CN" dirty="0"/>
+              <a:t>Actor</a:t>
+            </a:r>
+            <a:r>
+              <a:rPr lang="zh-CN" altLang="en-US" dirty="0"/>
+              <a:t>责处理子级的失败（所谓的监督），形成责任链，一直到最高层。 当一个</a:t>
+            </a:r>
+            <a:r>
+              <a:rPr lang="en-US" altLang="zh-CN" dirty="0"/>
+              <a:t>actor</a:t>
+            </a:r>
+            <a:r>
+              <a:rPr lang="zh-CN" altLang="en-US" dirty="0"/>
+              <a:t>崩溃时，它的父级可以重启或停止它，或者将故障升级为</a:t>
+            </a:r>
+            <a:r>
+              <a:rPr lang="en-US" altLang="zh-CN" dirty="0"/>
+              <a:t>actor</a:t>
+            </a:r>
+            <a:r>
+              <a:rPr lang="zh-CN" altLang="en-US" dirty="0"/>
+              <a:t>的层次结构。 这为一个并发的分布式系统中的故障管理提供了一套干净的语义，并允许编写自我修复的高容错系统。</a:t>
+            </a:r>
+          </a:p>
+        </p:txBody>
+      </p:sp>
+      <p:sp>
+        <p:nvSpPr>
+          <p:cNvPr id="4" name="灯片编号占位符 3"/>
+          <p:cNvSpPr>
+            <a:spLocks noGrp="1"/>
+          </p:cNvSpPr>
+          <p:nvPr>
+            <p:ph type="sldNum" sz="quarter" idx="10"/>
+          </p:nvPr>
+        </p:nvSpPr>
+        <p:spPr/>
+        <p:txBody>
+          <a:bodyPr/>
+          <a:lstStyle/>
+          <a:p>
+            <a:fld id="{3C780944-94FB-46F6-8937-ABF2C17E41BC}" type="slidenum">
+              <a:rPr lang="zh-CN" altLang="en-US" smtClean="0"/>
+              <a:t>11</a:t>
+            </a:fld>
+            <a:endParaRPr lang="zh-CN" altLang="en-US"/>
+          </a:p>
+        </p:txBody>
+      </p:sp>
+    </p:spTree>
+    <p:extLst>
+      <p:ext uri="{BB962C8B-B14F-4D97-AF65-F5344CB8AC3E}">
+        <p14:creationId xmlns:p14="http://schemas.microsoft.com/office/powerpoint/2010/main" val="1223939537"/>
+      </p:ext>
+    </p:extLst>
+  </p:cSld>
+  <p:clrMapOvr>
+    <a:masterClrMapping/>
+  </p:clrMapOvr>
+</p:notes>
+</file>
+
+<file path=ppt/notesSlides/notesSlide11.xml><?xml version="1.0" encoding="utf-8"?>
+<p:notes xmlns:a="http://schemas.openxmlformats.org/drawingml/2006/main" xmlns:r="http://schemas.openxmlformats.org/officeDocument/2006/relationships" xmlns:p="http://schemas.openxmlformats.org/presentationml/2006/main">
+  <p:cSld>
+    <p:spTree>
+      <p:nvGrpSpPr>
+        <p:cNvPr id="1" name=""/>
+        <p:cNvGrpSpPr/>
+        <p:nvPr/>
+      </p:nvGrpSpPr>
+      <p:grpSpPr>
+        <a:xfrm>
+          <a:off x="0" y="0"/>
+          <a:ext cx="0" cy="0"/>
+          <a:chOff x="0" y="0"/>
+          <a:chExt cx="0" cy="0"/>
+        </a:xfrm>
+      </p:grpSpPr>
+      <p:sp>
+        <p:nvSpPr>
+          <p:cNvPr id="2" name="幻灯片图像占位符 1"/>
+          <p:cNvSpPr>
+            <a:spLocks noGrp="1" noRot="1" noChangeAspect="1"/>
+          </p:cNvSpPr>
+          <p:nvPr>
+            <p:ph type="sldImg"/>
+          </p:nvPr>
+        </p:nvSpPr>
+        <p:spPr/>
+      </p:sp>
+      <p:sp>
+        <p:nvSpPr>
+          <p:cNvPr id="3" name="备注占位符 2"/>
+          <p:cNvSpPr>
+            <a:spLocks noGrp="1"/>
+          </p:cNvSpPr>
+          <p:nvPr>
+            <p:ph type="body" idx="1"/>
+          </p:nvPr>
+        </p:nvSpPr>
+        <p:spPr/>
+        <p:txBody>
+          <a:bodyPr/>
+          <a:lstStyle/>
+          <a:p>
+            <a:r>
+              <a:rPr lang="zh-CN" altLang="en-US" dirty="0"/>
+              <a:t>作为父级</a:t>
+            </a:r>
+            <a:r>
+              <a:rPr lang="en-US" altLang="zh-CN" dirty="0"/>
+              <a:t>Actor</a:t>
+            </a:r>
+            <a:r>
+              <a:rPr lang="zh-CN" altLang="en-US" dirty="0"/>
+              <a:t>责处理子级的失败（所谓的监督），形成责任链，一直到最高层。 当一个</a:t>
+            </a:r>
+            <a:r>
+              <a:rPr lang="en-US" altLang="zh-CN" dirty="0"/>
+              <a:t>actor</a:t>
+            </a:r>
+            <a:r>
+              <a:rPr lang="zh-CN" altLang="en-US" dirty="0"/>
+              <a:t>崩溃时，它的父级可以重启或停止它，或者将故障升级为</a:t>
+            </a:r>
+            <a:r>
+              <a:rPr lang="en-US" altLang="zh-CN" dirty="0"/>
+              <a:t>actor</a:t>
+            </a:r>
+            <a:r>
+              <a:rPr lang="zh-CN" altLang="en-US" dirty="0"/>
+              <a:t>的层次结构。 这为一个并发的分布式系统中的故障管理提供了一套干净的语义，并允许编写自我修复的高容错系统。</a:t>
+            </a:r>
+          </a:p>
+        </p:txBody>
+      </p:sp>
+      <p:sp>
+        <p:nvSpPr>
+          <p:cNvPr id="4" name="灯片编号占位符 3"/>
+          <p:cNvSpPr>
+            <a:spLocks noGrp="1"/>
+          </p:cNvSpPr>
+          <p:nvPr>
+            <p:ph type="sldNum" sz="quarter" idx="10"/>
+          </p:nvPr>
+        </p:nvSpPr>
+        <p:spPr/>
+        <p:txBody>
+          <a:bodyPr/>
+          <a:lstStyle/>
+          <a:p>
+            <a:fld id="{3C780944-94FB-46F6-8937-ABF2C17E41BC}" type="slidenum">
+              <a:rPr lang="zh-CN" altLang="en-US" smtClean="0"/>
+              <a:t>12</a:t>
+            </a:fld>
+            <a:endParaRPr lang="zh-CN" altLang="en-US"/>
+          </a:p>
+        </p:txBody>
+      </p:sp>
+    </p:spTree>
+    <p:extLst>
+      <p:ext uri="{BB962C8B-B14F-4D97-AF65-F5344CB8AC3E}">
+        <p14:creationId xmlns:p14="http://schemas.microsoft.com/office/powerpoint/2010/main" val="3916280620"/>
+      </p:ext>
+    </p:extLst>
+  </p:cSld>
+  <p:clrMapOvr>
+    <a:masterClrMapping/>
+  </p:clrMapOvr>
+</p:notes>
+</file>
+
+<file path=ppt/notesSlides/notesSlide12.xml><?xml version="1.0" encoding="utf-8"?>
+<p:notes xmlns:a="http://schemas.openxmlformats.org/drawingml/2006/main" xmlns:r="http://schemas.openxmlformats.org/officeDocument/2006/relationships" xmlns:p="http://schemas.openxmlformats.org/presentationml/2006/main">
+  <p:cSld>
+    <p:spTree>
+      <p:nvGrpSpPr>
+        <p:cNvPr id="1" name=""/>
+        <p:cNvGrpSpPr/>
+        <p:nvPr/>
+      </p:nvGrpSpPr>
+      <p:grpSpPr>
+        <a:xfrm>
+          <a:off x="0" y="0"/>
+          <a:ext cx="0" cy="0"/>
+          <a:chOff x="0" y="0"/>
+          <a:chExt cx="0" cy="0"/>
+        </a:xfrm>
+      </p:grpSpPr>
+      <p:sp>
+        <p:nvSpPr>
+          <p:cNvPr id="2" name="幻灯片图像占位符 1"/>
+          <p:cNvSpPr>
+            <a:spLocks noGrp="1" noRot="1" noChangeAspect="1"/>
+          </p:cNvSpPr>
+          <p:nvPr>
+            <p:ph type="sldImg"/>
+          </p:nvPr>
+        </p:nvSpPr>
+        <p:spPr/>
+      </p:sp>
+      <p:sp>
+        <p:nvSpPr>
+          <p:cNvPr id="3" name="备注占位符 2"/>
+          <p:cNvSpPr>
+            <a:spLocks noGrp="1"/>
+          </p:cNvSpPr>
+          <p:nvPr>
+            <p:ph type="body" idx="1"/>
+          </p:nvPr>
+        </p:nvSpPr>
+        <p:spPr/>
+        <p:txBody>
+          <a:bodyPr/>
+          <a:lstStyle/>
+          <a:p>
+            <a:r>
+              <a:rPr lang="zh-CN" altLang="en-US" dirty="0"/>
+              <a:t>作为父级</a:t>
+            </a:r>
+            <a:r>
+              <a:rPr lang="en-US" altLang="zh-CN" dirty="0"/>
+              <a:t>Actor</a:t>
+            </a:r>
+            <a:r>
+              <a:rPr lang="zh-CN" altLang="en-US" dirty="0"/>
+              <a:t>责处理子级的失败（所谓的监督），形成责任链，一直到最高层。 当一个</a:t>
+            </a:r>
+            <a:r>
+              <a:rPr lang="en-US" altLang="zh-CN" dirty="0"/>
+              <a:t>actor</a:t>
+            </a:r>
+            <a:r>
+              <a:rPr lang="zh-CN" altLang="en-US" dirty="0"/>
+              <a:t>崩溃时，它的父级可以重启或停止它，或者将故障升级为</a:t>
+            </a:r>
+            <a:r>
+              <a:rPr lang="en-US" altLang="zh-CN" dirty="0"/>
+              <a:t>actor</a:t>
+            </a:r>
+            <a:r>
+              <a:rPr lang="zh-CN" altLang="en-US" dirty="0"/>
+              <a:t>的层次结构。 这为一个并发的分布式系统中的故障管理提供了一套干净的语义，并允许编写自我修复的高容错系统。</a:t>
+            </a:r>
+          </a:p>
+        </p:txBody>
+      </p:sp>
+      <p:sp>
+        <p:nvSpPr>
+          <p:cNvPr id="4" name="灯片编号占位符 3"/>
+          <p:cNvSpPr>
+            <a:spLocks noGrp="1"/>
+          </p:cNvSpPr>
+          <p:nvPr>
+            <p:ph type="sldNum" sz="quarter" idx="10"/>
+          </p:nvPr>
+        </p:nvSpPr>
+        <p:spPr/>
+        <p:txBody>
+          <a:bodyPr/>
+          <a:lstStyle/>
+          <a:p>
+            <a:fld id="{3C780944-94FB-46F6-8937-ABF2C17E41BC}" type="slidenum">
+              <a:rPr lang="zh-CN" altLang="en-US" smtClean="0"/>
+              <a:t>13</a:t>
+            </a:fld>
+            <a:endParaRPr lang="zh-CN" altLang="en-US"/>
+          </a:p>
+        </p:txBody>
+      </p:sp>
+    </p:spTree>
+    <p:extLst>
+      <p:ext uri="{BB962C8B-B14F-4D97-AF65-F5344CB8AC3E}">
+        <p14:creationId xmlns:p14="http://schemas.microsoft.com/office/powerpoint/2010/main" val="3368359827"/>
+      </p:ext>
+    </p:extLst>
+  </p:cSld>
+  <p:clrMapOvr>
+    <a:masterClrMapping/>
+  </p:clrMapOvr>
+</p:notes>
+</file>
+
+<file path=ppt/notesSlides/notesSlide13.xml><?xml version="1.0" encoding="utf-8"?>
+<p:notes xmlns:a="http://schemas.openxmlformats.org/drawingml/2006/main" xmlns:r="http://schemas.openxmlformats.org/officeDocument/2006/relationships" xmlns:p="http://schemas.openxmlformats.org/presentationml/2006/main">
+  <p:cSld>
+    <p:spTree>
+      <p:nvGrpSpPr>
+        <p:cNvPr id="1" name=""/>
+        <p:cNvGrpSpPr/>
+        <p:nvPr/>
+      </p:nvGrpSpPr>
+      <p:grpSpPr>
+        <a:xfrm>
+          <a:off x="0" y="0"/>
+          <a:ext cx="0" cy="0"/>
+          <a:chOff x="0" y="0"/>
+          <a:chExt cx="0" cy="0"/>
+        </a:xfrm>
+      </p:grpSpPr>
+      <p:sp>
+        <p:nvSpPr>
+          <p:cNvPr id="2" name="幻灯片图像占位符 1"/>
+          <p:cNvSpPr>
+            <a:spLocks noGrp="1" noRot="1" noChangeAspect="1"/>
+          </p:cNvSpPr>
+          <p:nvPr>
+            <p:ph type="sldImg"/>
+          </p:nvPr>
+        </p:nvSpPr>
+        <p:spPr/>
+      </p:sp>
+      <p:sp>
+        <p:nvSpPr>
+          <p:cNvPr id="3" name="备注占位符 2"/>
+          <p:cNvSpPr>
+            <a:spLocks noGrp="1"/>
+          </p:cNvSpPr>
+          <p:nvPr>
+            <p:ph type="body" idx="1"/>
+          </p:nvPr>
+        </p:nvSpPr>
+        <p:spPr/>
+        <p:txBody>
+          <a:bodyPr/>
+          <a:lstStyle/>
+          <a:p>
+            <a:r>
+              <a:rPr lang="zh-CN" altLang="en-US" dirty="0"/>
+              <a:t>作为父级</a:t>
+            </a:r>
+            <a:r>
+              <a:rPr lang="en-US" altLang="zh-CN" dirty="0"/>
+              <a:t>Actor</a:t>
+            </a:r>
+            <a:r>
+              <a:rPr lang="zh-CN" altLang="en-US" dirty="0"/>
+              <a:t>责处理子级的失败（所谓的监督），形成责任链，一直到最高层。 当一个</a:t>
+            </a:r>
+            <a:r>
+              <a:rPr lang="en-US" altLang="zh-CN" dirty="0"/>
+              <a:t>actor</a:t>
+            </a:r>
+            <a:r>
+              <a:rPr lang="zh-CN" altLang="en-US" dirty="0"/>
+              <a:t>崩溃时，它的父级可以重启或停止它，或者将故障升级为</a:t>
+            </a:r>
+            <a:r>
+              <a:rPr lang="en-US" altLang="zh-CN" dirty="0"/>
+              <a:t>actor</a:t>
+            </a:r>
+            <a:r>
+              <a:rPr lang="zh-CN" altLang="en-US" dirty="0"/>
+              <a:t>的层次结构。 这为一个并发的分布式系统中的故障管理提供了一套干净的语义，并允许编写自我修复的高容错系统。</a:t>
+            </a:r>
+          </a:p>
+        </p:txBody>
+      </p:sp>
+      <p:sp>
+        <p:nvSpPr>
+          <p:cNvPr id="4" name="灯片编号占位符 3"/>
+          <p:cNvSpPr>
+            <a:spLocks noGrp="1"/>
+          </p:cNvSpPr>
+          <p:nvPr>
+            <p:ph type="sldNum" sz="quarter" idx="10"/>
+          </p:nvPr>
+        </p:nvSpPr>
+        <p:spPr/>
+        <p:txBody>
+          <a:bodyPr/>
+          <a:lstStyle/>
+          <a:p>
+            <a:fld id="{3C780944-94FB-46F6-8937-ABF2C17E41BC}" type="slidenum">
+              <a:rPr lang="zh-CN" altLang="en-US" smtClean="0"/>
+              <a:t>14</a:t>
+            </a:fld>
+            <a:endParaRPr lang="zh-CN" altLang="en-US"/>
+          </a:p>
+        </p:txBody>
+      </p:sp>
+    </p:spTree>
+    <p:extLst>
+      <p:ext uri="{BB962C8B-B14F-4D97-AF65-F5344CB8AC3E}">
+        <p14:creationId xmlns:p14="http://schemas.microsoft.com/office/powerpoint/2010/main" val="418991693"/>
+      </p:ext>
+    </p:extLst>
+  </p:cSld>
+  <p:clrMapOvr>
+    <a:masterClrMapping/>
+  </p:clrMapOvr>
+</p:notes>
+</file>
+
 <file path=ppt/notesSlides/notesSlide2.xml><?xml version="1.0" encoding="utf-8"?>
 <p:notes xmlns:a="http://schemas.openxmlformats.org/drawingml/2006/main" xmlns:r="http://schemas.openxmlformats.org/officeDocument/2006/relationships" xmlns:p="http://schemas.openxmlformats.org/presentationml/2006/main">
   <p:cSld>
@@ -1306,7 +1754,7 @@
     </p:spTree>
     <p:extLst>
       <p:ext uri="{BB962C8B-B14F-4D97-AF65-F5344CB8AC3E}">
-        <p14:creationId xmlns:p14="http://schemas.microsoft.com/office/powerpoint/2010/main" val="164117003"/>
+        <p14:creationId xmlns:p14="http://schemas.microsoft.com/office/powerpoint/2010/main" val="2565612022"/>
       </p:ext>
     </p:extLst>
   </p:cSld>
@@ -1417,7 +1865,7 @@
     </p:spTree>
     <p:extLst>
       <p:ext uri="{BB962C8B-B14F-4D97-AF65-F5344CB8AC3E}">
-        <p14:creationId xmlns:p14="http://schemas.microsoft.com/office/powerpoint/2010/main" val="2565612022"/>
+        <p14:creationId xmlns:p14="http://schemas.microsoft.com/office/powerpoint/2010/main" val="164117003"/>
       </p:ext>
     </p:extLst>
   </p:cSld>
@@ -1574,7 +2022,7 @@
           <a:p>
             <a:fld id="{F8D91990-1C2A-42AB-BFBF-4E7051969EFA}" type="datetimeFigureOut">
               <a:rPr lang="zh-CN" altLang="en-US" smtClean="0"/>
-              <a:t>2018/8/17</a:t>
+              <a:t>2018/8/19</a:t>
             </a:fld>
             <a:endParaRPr lang="zh-CN" altLang="en-US"/>
           </a:p>
@@ -1772,7 +2220,7 @@
           <a:p>
             <a:fld id="{F8D91990-1C2A-42AB-BFBF-4E7051969EFA}" type="datetimeFigureOut">
               <a:rPr lang="zh-CN" altLang="en-US" smtClean="0"/>
-              <a:t>2018/8/17</a:t>
+              <a:t>2018/8/19</a:t>
             </a:fld>
             <a:endParaRPr lang="zh-CN" altLang="en-US"/>
           </a:p>
@@ -1980,7 +2428,7 @@
           <a:p>
             <a:fld id="{F8D91990-1C2A-42AB-BFBF-4E7051969EFA}" type="datetimeFigureOut">
               <a:rPr lang="zh-CN" altLang="en-US" smtClean="0"/>
-              <a:t>2018/8/17</a:t>
+              <a:t>2018/8/19</a:t>
             </a:fld>
             <a:endParaRPr lang="zh-CN" altLang="en-US"/>
           </a:p>
@@ -2178,7 +2626,7 @@
           <a:p>
             <a:fld id="{F8D91990-1C2A-42AB-BFBF-4E7051969EFA}" type="datetimeFigureOut">
               <a:rPr lang="zh-CN" altLang="en-US" smtClean="0"/>
-              <a:t>2018/8/17</a:t>
+              <a:t>2018/8/19</a:t>
             </a:fld>
             <a:endParaRPr lang="zh-CN" altLang="en-US"/>
           </a:p>
@@ -2453,7 +2901,7 @@
           <a:p>
             <a:fld id="{F8D91990-1C2A-42AB-BFBF-4E7051969EFA}" type="datetimeFigureOut">
               <a:rPr lang="zh-CN" altLang="en-US" smtClean="0"/>
-              <a:t>2018/8/17</a:t>
+              <a:t>2018/8/19</a:t>
             </a:fld>
             <a:endParaRPr lang="zh-CN" altLang="en-US"/>
           </a:p>
@@ -2718,7 +3166,7 @@
           <a:p>
             <a:fld id="{F8D91990-1C2A-42AB-BFBF-4E7051969EFA}" type="datetimeFigureOut">
               <a:rPr lang="zh-CN" altLang="en-US" smtClean="0"/>
-              <a:t>2018/8/17</a:t>
+              <a:t>2018/8/19</a:t>
             </a:fld>
             <a:endParaRPr lang="zh-CN" altLang="en-US"/>
           </a:p>
@@ -3130,7 +3578,7 @@
           <a:p>
             <a:fld id="{F8D91990-1C2A-42AB-BFBF-4E7051969EFA}" type="datetimeFigureOut">
               <a:rPr lang="zh-CN" altLang="en-US" smtClean="0"/>
-              <a:t>2018/8/17</a:t>
+              <a:t>2018/8/19</a:t>
             </a:fld>
             <a:endParaRPr lang="zh-CN" altLang="en-US"/>
           </a:p>
@@ -3271,7 +3719,7 @@
           <a:p>
             <a:fld id="{F8D91990-1C2A-42AB-BFBF-4E7051969EFA}" type="datetimeFigureOut">
               <a:rPr lang="zh-CN" altLang="en-US" smtClean="0"/>
-              <a:t>2018/8/17</a:t>
+              <a:t>2018/8/19</a:t>
             </a:fld>
             <a:endParaRPr lang="zh-CN" altLang="en-US"/>
           </a:p>
@@ -3384,7 +3832,7 @@
           <a:p>
             <a:fld id="{F8D91990-1C2A-42AB-BFBF-4E7051969EFA}" type="datetimeFigureOut">
               <a:rPr lang="zh-CN" altLang="en-US" smtClean="0"/>
-              <a:t>2018/8/17</a:t>
+              <a:t>2018/8/19</a:t>
             </a:fld>
             <a:endParaRPr lang="zh-CN" altLang="en-US"/>
           </a:p>
@@ -3695,7 +4143,7 @@
           <a:p>
             <a:fld id="{F8D91990-1C2A-42AB-BFBF-4E7051969EFA}" type="datetimeFigureOut">
               <a:rPr lang="zh-CN" altLang="en-US" smtClean="0"/>
-              <a:t>2018/8/17</a:t>
+              <a:t>2018/8/19</a:t>
             </a:fld>
             <a:endParaRPr lang="zh-CN" altLang="en-US"/>
           </a:p>
@@ -3983,7 +4431,7 @@
           <a:p>
             <a:fld id="{F8D91990-1C2A-42AB-BFBF-4E7051969EFA}" type="datetimeFigureOut">
               <a:rPr lang="zh-CN" altLang="en-US" smtClean="0"/>
-              <a:t>2018/8/17</a:t>
+              <a:t>2018/8/19</a:t>
             </a:fld>
             <a:endParaRPr lang="zh-CN" altLang="en-US"/>
           </a:p>
@@ -4224,7 +4672,7 @@
           <a:p>
             <a:fld id="{F8D91990-1C2A-42AB-BFBF-4E7051969EFA}" type="datetimeFigureOut">
               <a:rPr lang="zh-CN" altLang="en-US" smtClean="0"/>
-              <a:t>2018/8/17</a:t>
+              <a:t>2018/8/19</a:t>
             </a:fld>
             <a:endParaRPr lang="zh-CN" altLang="en-US"/>
           </a:p>
@@ -4748,7 +5196,7 @@
           <a:p>
             <a:r>
               <a:rPr lang="en-US" altLang="zh-CN" dirty="0"/>
-              <a:t>Props</a:t>
+              <a:t>Spawning</a:t>
             </a:r>
             <a:endParaRPr lang="zh-CN" altLang="en-US" dirty="0"/>
           </a:p>
@@ -4772,32 +5220,259 @@
         </p:nvSpPr>
         <p:spPr>
           <a:xfrm>
-            <a:off x="838200" y="2514600"/>
-            <a:ext cx="10515600" cy="3052762"/>
+            <a:off x="838200" y="1690688"/>
+            <a:ext cx="10515600" cy="3876674"/>
           </a:xfrm>
         </p:spPr>
         <p:txBody>
           <a:bodyPr>
-            <a:normAutofit/>
+            <a:normAutofit fontScale="62500" lnSpcReduction="20000"/>
           </a:bodyPr>
           <a:lstStyle/>
           <a:p>
-            <a:pPr marL="0" indent="0" algn="ctr">
+            <a:pPr marL="0" indent="0">
               <a:buNone/>
             </a:pPr>
             <a:r>
               <a:rPr lang="zh-CN" altLang="en-US" dirty="0"/>
-              <a:t>自定义</a:t>
-            </a:r>
-            <a:r>
-              <a:rPr lang="en-US" altLang="zh-CN" dirty="0"/>
-              <a:t>Props Demos</a:t>
-            </a:r>
+              <a:t> </a:t>
+            </a:r>
+            <a:r>
+              <a:rPr lang="en-US" altLang="zh-CN" dirty="0"/>
+              <a:t>//</a:t>
+            </a:r>
+            <a:r>
+              <a:rPr lang="zh-CN" altLang="en-US" dirty="0"/>
+              <a:t>产生一个自定义名称的</a:t>
+            </a:r>
+            <a:r>
+              <a:rPr lang="en-US" altLang="zh-CN" dirty="0" err="1"/>
+              <a:t>PID</a:t>
+            </a:r>
+            <a:endParaRPr lang="zh-CN" altLang="en-US" dirty="0"/>
           </a:p>
           <a:p>
             <a:pPr marL="0" indent="0">
               <a:buNone/>
             </a:pPr>
+            <a:r>
+              <a:rPr lang="en-US" altLang="zh-CN" dirty="0"/>
+              <a:t>var </a:t>
+            </a:r>
+            <a:r>
+              <a:rPr lang="en-US" altLang="zh-CN" dirty="0" err="1"/>
+              <a:t>pid1</a:t>
+            </a:r>
+            <a:r>
+              <a:rPr lang="en-US" altLang="zh-CN" dirty="0"/>
+              <a:t> = </a:t>
+            </a:r>
+            <a:r>
+              <a:rPr lang="en-US" altLang="zh-CN" dirty="0" err="1"/>
+              <a:t>Actor.Spawn</a:t>
+            </a:r>
+            <a:r>
+              <a:rPr lang="en-US" altLang="zh-CN" dirty="0"/>
+              <a:t>(props);</a:t>
+            </a:r>
+          </a:p>
+          <a:p>
+            <a:pPr marL="0" indent="0">
+              <a:buNone/>
+            </a:pPr>
+            <a:r>
+              <a:rPr lang="en-US" altLang="zh-CN" dirty="0" err="1"/>
+              <a:t>pid1.Tell</a:t>
+            </a:r>
+            <a:r>
+              <a:rPr lang="en-US" altLang="zh-CN" dirty="0"/>
+              <a:t>(new </a:t>
+            </a:r>
+            <a:r>
+              <a:rPr lang="en-US" altLang="zh-CN" dirty="0" err="1"/>
+              <a:t>MyEntity</a:t>
+            </a:r>
+            <a:r>
+              <a:rPr lang="en-US" altLang="zh-CN" dirty="0"/>
+              <a:t> { ID = 1 });</a:t>
+            </a:r>
+          </a:p>
+          <a:p>
+            <a:pPr marL="0" indent="0">
+              <a:buNone/>
+            </a:pPr>
+            <a:endParaRPr lang="zh-CN" altLang="en-US" dirty="0"/>
+          </a:p>
+          <a:p>
+            <a:pPr marL="0" indent="0">
+              <a:buNone/>
+            </a:pPr>
+            <a:r>
+              <a:rPr lang="en-US" altLang="zh-CN" dirty="0"/>
+              <a:t>//</a:t>
+            </a:r>
+            <a:r>
+              <a:rPr lang="zh-CN" altLang="en-US" dirty="0"/>
+              <a:t>产生一个有</a:t>
+            </a:r>
+            <a:r>
+              <a:rPr lang="en-US" altLang="zh-CN" dirty="0"/>
+              <a:t>gsw</a:t>
+            </a:r>
+            <a:r>
+              <a:rPr lang="zh-CN" altLang="en-US" dirty="0"/>
+              <a:t>前缀，跟自动生成的名称的</a:t>
+            </a:r>
+            <a:r>
+              <a:rPr lang="en-US" altLang="zh-CN" dirty="0" err="1"/>
+              <a:t>PID</a:t>
+            </a:r>
+            <a:endParaRPr lang="zh-CN" altLang="en-US" dirty="0"/>
+          </a:p>
+          <a:p>
+            <a:pPr marL="0" indent="0">
+              <a:buNone/>
+            </a:pPr>
+            <a:r>
+              <a:rPr lang="en-US" altLang="zh-CN" dirty="0"/>
+              <a:t>var </a:t>
+            </a:r>
+            <a:r>
+              <a:rPr lang="en-US" altLang="zh-CN" dirty="0" err="1"/>
+              <a:t>pid2</a:t>
+            </a:r>
+            <a:r>
+              <a:rPr lang="en-US" altLang="zh-CN" dirty="0"/>
+              <a:t> = </a:t>
+            </a:r>
+            <a:r>
+              <a:rPr lang="en-US" altLang="zh-CN" dirty="0" err="1"/>
+              <a:t>Actor.SpawnPrefix</a:t>
+            </a:r>
+            <a:r>
+              <a:rPr lang="en-US" altLang="zh-CN" dirty="0"/>
+              <a:t>(props, "gsw");</a:t>
+            </a:r>
+          </a:p>
+          <a:p>
+            <a:pPr marL="0" indent="0">
+              <a:buNone/>
+            </a:pPr>
+            <a:r>
+              <a:rPr lang="en-US" altLang="zh-CN" dirty="0" err="1"/>
+              <a:t>pid2.Tell</a:t>
+            </a:r>
+            <a:r>
+              <a:rPr lang="en-US" altLang="zh-CN" dirty="0"/>
+              <a:t>(new </a:t>
+            </a:r>
+            <a:r>
+              <a:rPr lang="en-US" altLang="zh-CN" dirty="0" err="1"/>
+              <a:t>MyEntity</a:t>
+            </a:r>
+            <a:r>
+              <a:rPr lang="en-US" altLang="zh-CN" dirty="0"/>
+              <a:t> { ID = 2 });</a:t>
+            </a:r>
+          </a:p>
+          <a:p>
+            <a:pPr marL="0" indent="0">
+              <a:buNone/>
+            </a:pPr>
+            <a:endParaRPr lang="zh-CN" altLang="en-US" dirty="0"/>
+          </a:p>
+          <a:p>
+            <a:pPr marL="0" indent="0">
+              <a:buNone/>
+            </a:pPr>
+            <a:r>
+              <a:rPr lang="en-US" altLang="zh-CN" dirty="0"/>
+              <a:t>//</a:t>
+            </a:r>
+            <a:r>
+              <a:rPr lang="zh-CN" altLang="en-US" dirty="0"/>
+              <a:t>产生一个名称为</a:t>
+            </a:r>
+            <a:r>
+              <a:rPr lang="en-US" altLang="zh-CN" dirty="0" err="1"/>
+              <a:t>gswpid</a:t>
+            </a:r>
+            <a:r>
+              <a:rPr lang="zh-CN" altLang="en-US" dirty="0"/>
+              <a:t>的</a:t>
+            </a:r>
+            <a:r>
+              <a:rPr lang="en-US" altLang="zh-CN" dirty="0" err="1"/>
+              <a:t>PID</a:t>
+            </a:r>
+            <a:endParaRPr lang="zh-CN" altLang="en-US" dirty="0"/>
+          </a:p>
+          <a:p>
+            <a:pPr marL="0" indent="0">
+              <a:buNone/>
+            </a:pPr>
+            <a:r>
+              <a:rPr lang="en-US" altLang="zh-CN" dirty="0"/>
+              <a:t>var </a:t>
+            </a:r>
+            <a:r>
+              <a:rPr lang="en-US" altLang="zh-CN" dirty="0" err="1"/>
+              <a:t>pid3</a:t>
+            </a:r>
+            <a:r>
+              <a:rPr lang="en-US" altLang="zh-CN" dirty="0"/>
+              <a:t> = </a:t>
+            </a:r>
+            <a:r>
+              <a:rPr lang="en-US" altLang="zh-CN" dirty="0" err="1"/>
+              <a:t>Actor.SpawnPrefix</a:t>
+            </a:r>
+            <a:r>
+              <a:rPr lang="en-US" altLang="zh-CN" dirty="0"/>
+              <a:t>(props, "</a:t>
+            </a:r>
+            <a:r>
+              <a:rPr lang="en-US" altLang="zh-CN" dirty="0" err="1"/>
+              <a:t>gswpid</a:t>
+            </a:r>
+            <a:r>
+              <a:rPr lang="en-US" altLang="zh-CN" dirty="0"/>
+              <a:t>");</a:t>
+            </a:r>
+          </a:p>
+          <a:p>
+            <a:pPr marL="0" indent="0">
+              <a:buNone/>
+            </a:pPr>
+            <a:r>
+              <a:rPr lang="en-US" altLang="zh-CN" dirty="0" err="1"/>
+              <a:t>pid3.Tell</a:t>
+            </a:r>
+            <a:r>
+              <a:rPr lang="en-US" altLang="zh-CN" dirty="0"/>
+              <a:t>(new </a:t>
+            </a:r>
+            <a:r>
+              <a:rPr lang="en-US" altLang="zh-CN" dirty="0" err="1"/>
+              <a:t>MyEntity</a:t>
+            </a:r>
+            <a:r>
+              <a:rPr lang="en-US" altLang="zh-CN" dirty="0"/>
+              <a:t> { ID = 3 });</a:t>
+            </a:r>
+          </a:p>
+          <a:p>
+            <a:pPr marL="0" indent="0">
+              <a:buNone/>
+            </a:pPr>
+            <a:r>
+              <a:rPr lang="en-US" altLang="zh-CN" dirty="0" err="1"/>
+              <a:t>Console.ReadLine</a:t>
+            </a:r>
+            <a:r>
+              <a:rPr lang="en-US" altLang="zh-CN" dirty="0"/>
+              <a:t>();</a:t>
+            </a:r>
             <a:endParaRPr lang="en-US" altLang="zh-CN" sz="1800" dirty="0">
               <a:latin typeface="微软雅黑" panose="020B0503020204020204" pitchFamily="34" charset="-122"/>
               <a:ea typeface="微软雅黑" panose="020B0503020204020204" pitchFamily="34" charset="-122"/>
@@ -4817,7 +5492,740 @@
     </p:spTree>
     <p:extLst>
       <p:ext uri="{BB962C8B-B14F-4D97-AF65-F5344CB8AC3E}">
-        <p14:creationId xmlns:p14="http://schemas.microsoft.com/office/powerpoint/2010/main" val="3947926739"/>
+        <p14:creationId xmlns:p14="http://schemas.microsoft.com/office/powerpoint/2010/main" val="2274045715"/>
+      </p:ext>
+    </p:extLst>
+  </p:cSld>
+  <p:clrMapOvr>
+    <a:masterClrMapping/>
+  </p:clrMapOvr>
+</p:sld>
+</file>
+
+<file path=ppt/slides/slide11.xml><?xml version="1.0" encoding="utf-8"?>
+<p:sld xmlns:a="http://schemas.openxmlformats.org/drawingml/2006/main" xmlns:r="http://schemas.openxmlformats.org/officeDocument/2006/relationships" xmlns:p="http://schemas.openxmlformats.org/presentationml/2006/main">
+  <p:cSld>
+    <p:spTree>
+      <p:nvGrpSpPr>
+        <p:cNvPr id="1" name=""/>
+        <p:cNvGrpSpPr/>
+        <p:nvPr/>
+      </p:nvGrpSpPr>
+      <p:grpSpPr>
+        <a:xfrm>
+          <a:off x="0" y="0"/>
+          <a:ext cx="0" cy="0"/>
+          <a:chOff x="0" y="0"/>
+          <a:chExt cx="0" cy="0"/>
+        </a:xfrm>
+      </p:grpSpPr>
+      <p:sp>
+        <p:nvSpPr>
+          <p:cNvPr id="2" name="标题 1">
+            <a:extLst>
+              <a:ext uri="{FF2B5EF4-FFF2-40B4-BE49-F238E27FC236}">
+                <a16:creationId xmlns:a16="http://schemas.microsoft.com/office/drawing/2014/main" id="{F7C23084-23BF-4F3E-97FD-EEB470F2270A}"/>
+              </a:ext>
+            </a:extLst>
+          </p:cNvPr>
+          <p:cNvSpPr>
+            <a:spLocks noGrp="1"/>
+          </p:cNvSpPr>
+          <p:nvPr>
+            <p:ph type="title"/>
+          </p:nvPr>
+        </p:nvSpPr>
+        <p:spPr/>
+        <p:txBody>
+          <a:bodyPr/>
+          <a:lstStyle/>
+          <a:p>
+            <a:r>
+              <a:rPr lang="en-US" altLang="zh-CN" dirty="0"/>
+              <a:t>PID</a:t>
+            </a:r>
+            <a:endParaRPr lang="zh-CN" altLang="en-US" dirty="0"/>
+          </a:p>
+        </p:txBody>
+      </p:sp>
+      <p:sp>
+        <p:nvSpPr>
+          <p:cNvPr id="3" name="内容占位符 2">
+            <a:extLst>
+              <a:ext uri="{FF2B5EF4-FFF2-40B4-BE49-F238E27FC236}">
+                <a16:creationId xmlns:a16="http://schemas.microsoft.com/office/drawing/2014/main" id="{8CA72CA0-FACC-44F9-A496-CFCBA739C5D0}"/>
+              </a:ext>
+            </a:extLst>
+          </p:cNvPr>
+          <p:cNvSpPr>
+            <a:spLocks noGrp="1"/>
+          </p:cNvSpPr>
+          <p:nvPr>
+            <p:ph idx="1"/>
+          </p:nvPr>
+        </p:nvSpPr>
+        <p:spPr>
+          <a:xfrm>
+            <a:off x="838200" y="1690687"/>
+            <a:ext cx="10515600" cy="4635161"/>
+          </a:xfrm>
+        </p:spPr>
+        <p:txBody>
+          <a:bodyPr>
+            <a:normAutofit fontScale="92500" lnSpcReduction="20000"/>
+          </a:bodyPr>
+          <a:lstStyle/>
+          <a:p>
+            <a:pPr marL="0" indent="0">
+              <a:buNone/>
+            </a:pPr>
+            <a:r>
+              <a:rPr lang="en-US" altLang="zh-CN" dirty="0"/>
+              <a:t>PID</a:t>
+            </a:r>
+            <a:r>
+              <a:rPr lang="zh-CN" altLang="en-US" dirty="0"/>
+              <a:t>就</a:t>
+            </a:r>
+            <a:r>
+              <a:rPr lang="en-US" altLang="zh-CN" dirty="0"/>
+              <a:t>Progress ID</a:t>
+            </a:r>
+            <a:r>
+              <a:rPr lang="zh-CN" altLang="en-US" dirty="0"/>
+              <a:t>，代表</a:t>
+            </a:r>
+            <a:r>
+              <a:rPr lang="en-US" altLang="zh-CN" dirty="0"/>
+              <a:t>Actor</a:t>
+            </a:r>
+          </a:p>
+          <a:p>
+            <a:pPr marL="0" indent="0">
+              <a:buNone/>
+            </a:pPr>
+            <a:endParaRPr lang="en-US" altLang="zh-CN" dirty="0"/>
+          </a:p>
+          <a:p>
+            <a:pPr marL="0" indent="0">
+              <a:buNone/>
+            </a:pPr>
+            <a:r>
+              <a:rPr lang="en-US" altLang="zh-CN" dirty="0"/>
+              <a:t>PID</a:t>
+            </a:r>
+            <a:r>
+              <a:rPr lang="zh-CN" altLang="en-US" dirty="0"/>
+              <a:t>间通信</a:t>
+            </a:r>
+            <a:endParaRPr lang="en-US" altLang="zh-CN" dirty="0"/>
+          </a:p>
+          <a:p>
+            <a:pPr marL="0" indent="0">
+              <a:buNone/>
+            </a:pPr>
+            <a:r>
+              <a:rPr lang="en-US" altLang="zh-CN" dirty="0" err="1"/>
+              <a:t>pid.Tell</a:t>
+            </a:r>
+            <a:r>
+              <a:rPr lang="en-US" altLang="zh-CN" dirty="0"/>
+              <a:t>(object message);</a:t>
+            </a:r>
+          </a:p>
+          <a:p>
+            <a:pPr marL="0" indent="0">
+              <a:buNone/>
+            </a:pPr>
+            <a:r>
+              <a:rPr lang="en-US" altLang="zh-CN" dirty="0"/>
+              <a:t>	</a:t>
+            </a:r>
+            <a:r>
+              <a:rPr lang="en-US" altLang="zh-CN" dirty="0" err="1"/>
+              <a:t>Actor.ReceiveAsync</a:t>
+            </a:r>
+            <a:r>
+              <a:rPr lang="zh-CN" altLang="en-US" dirty="0"/>
+              <a:t>中的</a:t>
+            </a:r>
+            <a:r>
+              <a:rPr lang="en-US" altLang="zh-CN" dirty="0" err="1"/>
+              <a:t>context.Sender</a:t>
+            </a:r>
+            <a:r>
+              <a:rPr lang="zh-CN" altLang="en-US" dirty="0"/>
+              <a:t>为</a:t>
+            </a:r>
+            <a:r>
+              <a:rPr lang="en-US" altLang="zh-CN" dirty="0"/>
+              <a:t>null</a:t>
+            </a:r>
+          </a:p>
+          <a:p>
+            <a:pPr marL="0" indent="0">
+              <a:buNone/>
+            </a:pPr>
+            <a:endParaRPr lang="en-US" altLang="zh-CN" dirty="0"/>
+          </a:p>
+          <a:p>
+            <a:pPr marL="0" indent="0">
+              <a:buNone/>
+            </a:pPr>
+            <a:r>
+              <a:rPr lang="en-US" altLang="zh-CN" dirty="0" err="1"/>
+              <a:t>pid.Request</a:t>
+            </a:r>
+            <a:r>
+              <a:rPr lang="en-US" altLang="zh-CN" dirty="0"/>
+              <a:t>(object </a:t>
+            </a:r>
+            <a:r>
+              <a:rPr lang="en-US" altLang="zh-CN" dirty="0" err="1"/>
+              <a:t>message,PID</a:t>
+            </a:r>
+            <a:r>
+              <a:rPr lang="en-US" altLang="zh-CN" dirty="0"/>
+              <a:t> </a:t>
+            </a:r>
+            <a:r>
+              <a:rPr lang="en-US" altLang="zh-CN" dirty="0" err="1"/>
+              <a:t>pid</a:t>
+            </a:r>
+            <a:r>
+              <a:rPr lang="en-US" altLang="zh-CN" dirty="0"/>
+              <a:t>);</a:t>
+            </a:r>
+          </a:p>
+          <a:p>
+            <a:pPr marL="0" indent="0">
+              <a:buNone/>
+            </a:pPr>
+            <a:r>
+              <a:rPr lang="en-US" altLang="zh-CN" dirty="0"/>
+              <a:t>	</a:t>
+            </a:r>
+            <a:r>
+              <a:rPr lang="en-US" altLang="zh-CN" dirty="0" err="1"/>
+              <a:t>Actor.ReceiveAsync</a:t>
+            </a:r>
+            <a:r>
+              <a:rPr lang="zh-CN" altLang="en-US" dirty="0"/>
+              <a:t>中的</a:t>
+            </a:r>
+            <a:r>
+              <a:rPr lang="en-US" altLang="zh-CN" dirty="0" err="1"/>
+              <a:t>context.Sender</a:t>
+            </a:r>
+            <a:r>
+              <a:rPr lang="zh-CN" altLang="en-US" dirty="0"/>
+              <a:t>等于</a:t>
+            </a:r>
+            <a:r>
+              <a:rPr lang="en-US" altLang="zh-CN" dirty="0" err="1"/>
+              <a:t>context.Self</a:t>
+            </a:r>
+            <a:endParaRPr lang="en-US" altLang="zh-CN" dirty="0"/>
+          </a:p>
+          <a:p>
+            <a:pPr marL="0" indent="0">
+              <a:buNone/>
+            </a:pPr>
+            <a:endParaRPr lang="en-US" altLang="zh-CN" dirty="0"/>
+          </a:p>
+          <a:p>
+            <a:pPr marL="0" indent="0">
+              <a:buNone/>
+            </a:pPr>
+            <a:r>
+              <a:rPr lang="en-US" altLang="zh-CN" dirty="0" err="1"/>
+              <a:t>pid.RequestAsync</a:t>
+            </a:r>
+            <a:r>
+              <a:rPr lang="en-US" altLang="zh-CN" dirty="0"/>
+              <a:t>&lt;Response&gt;(object message)</a:t>
+            </a:r>
+          </a:p>
+          <a:p>
+            <a:pPr marL="0" indent="0">
+              <a:buNone/>
+            </a:pPr>
+            <a:r>
+              <a:rPr lang="en-US" altLang="zh-CN" dirty="0"/>
+              <a:t>	</a:t>
+            </a:r>
+            <a:r>
+              <a:rPr lang="en-US" altLang="zh-CN" dirty="0" err="1"/>
+              <a:t>Actor.ReceiveAsync</a:t>
+            </a:r>
+            <a:r>
+              <a:rPr lang="zh-CN" altLang="en-US" dirty="0"/>
+              <a:t>中的</a:t>
+            </a:r>
+            <a:r>
+              <a:rPr lang="en-US" altLang="zh-CN" dirty="0" err="1"/>
+              <a:t>context.Sender</a:t>
+            </a:r>
+            <a:r>
+              <a:rPr lang="zh-CN" altLang="en-US" dirty="0"/>
+              <a:t>与</a:t>
+            </a:r>
+            <a:r>
+              <a:rPr lang="en-US" altLang="zh-CN" dirty="0" err="1"/>
+              <a:t>context.Self</a:t>
+            </a:r>
+            <a:r>
+              <a:rPr lang="zh-CN" altLang="en-US" dirty="0"/>
+              <a:t>不等</a:t>
+            </a:r>
+            <a:endParaRPr lang="en-US" altLang="zh-CN" dirty="0"/>
+          </a:p>
+          <a:p>
+            <a:pPr marL="0" indent="0">
+              <a:buNone/>
+            </a:pPr>
+            <a:endParaRPr lang="en-US" altLang="zh-CN" dirty="0"/>
+          </a:p>
+          <a:p>
+            <a:pPr marL="0" indent="0">
+              <a:buNone/>
+            </a:pPr>
+            <a:endParaRPr lang="en-US" altLang="zh-CN" dirty="0"/>
+          </a:p>
+          <a:p>
+            <a:pPr marL="0" indent="0">
+              <a:buNone/>
+            </a:pPr>
+            <a:endParaRPr lang="en-US" altLang="zh-CN" dirty="0"/>
+          </a:p>
+        </p:txBody>
+      </p:sp>
+    </p:spTree>
+    <p:extLst>
+      <p:ext uri="{BB962C8B-B14F-4D97-AF65-F5344CB8AC3E}">
+        <p14:creationId xmlns:p14="http://schemas.microsoft.com/office/powerpoint/2010/main" val="2808998272"/>
+      </p:ext>
+    </p:extLst>
+  </p:cSld>
+  <p:clrMapOvr>
+    <a:masterClrMapping/>
+  </p:clrMapOvr>
+</p:sld>
+</file>
+
+<file path=ppt/slides/slide12.xml><?xml version="1.0" encoding="utf-8"?>
+<p:sld xmlns:a="http://schemas.openxmlformats.org/drawingml/2006/main" xmlns:r="http://schemas.openxmlformats.org/officeDocument/2006/relationships" xmlns:p="http://schemas.openxmlformats.org/presentationml/2006/main">
+  <p:cSld>
+    <p:spTree>
+      <p:nvGrpSpPr>
+        <p:cNvPr id="1" name=""/>
+        <p:cNvGrpSpPr/>
+        <p:nvPr/>
+      </p:nvGrpSpPr>
+      <p:grpSpPr>
+        <a:xfrm>
+          <a:off x="0" y="0"/>
+          <a:ext cx="0" cy="0"/>
+          <a:chOff x="0" y="0"/>
+          <a:chExt cx="0" cy="0"/>
+        </a:xfrm>
+      </p:grpSpPr>
+      <p:sp>
+        <p:nvSpPr>
+          <p:cNvPr id="2" name="标题 1">
+            <a:extLst>
+              <a:ext uri="{FF2B5EF4-FFF2-40B4-BE49-F238E27FC236}">
+                <a16:creationId xmlns:a16="http://schemas.microsoft.com/office/drawing/2014/main" id="{F7C23084-23BF-4F3E-97FD-EEB470F2270A}"/>
+              </a:ext>
+            </a:extLst>
+          </p:cNvPr>
+          <p:cNvSpPr>
+            <a:spLocks noGrp="1"/>
+          </p:cNvSpPr>
+          <p:nvPr>
+            <p:ph type="title"/>
+          </p:nvPr>
+        </p:nvSpPr>
+        <p:spPr/>
+        <p:txBody>
+          <a:bodyPr/>
+          <a:lstStyle/>
+          <a:p>
+            <a:r>
+              <a:rPr lang="en-US" altLang="zh-CN" dirty="0"/>
+              <a:t>PID</a:t>
+            </a:r>
+            <a:endParaRPr lang="zh-CN" altLang="en-US" dirty="0"/>
+          </a:p>
+        </p:txBody>
+      </p:sp>
+      <p:sp>
+        <p:nvSpPr>
+          <p:cNvPr id="3" name="内容占位符 2">
+            <a:extLst>
+              <a:ext uri="{FF2B5EF4-FFF2-40B4-BE49-F238E27FC236}">
+                <a16:creationId xmlns:a16="http://schemas.microsoft.com/office/drawing/2014/main" id="{8CA72CA0-FACC-44F9-A496-CFCBA739C5D0}"/>
+              </a:ext>
+            </a:extLst>
+          </p:cNvPr>
+          <p:cNvSpPr>
+            <a:spLocks noGrp="1"/>
+          </p:cNvSpPr>
+          <p:nvPr>
+            <p:ph idx="1"/>
+          </p:nvPr>
+        </p:nvSpPr>
+        <p:spPr>
+          <a:xfrm>
+            <a:off x="838200" y="2460811"/>
+            <a:ext cx="10515600" cy="3716151"/>
+          </a:xfrm>
+        </p:spPr>
+        <p:txBody>
+          <a:bodyPr>
+            <a:normAutofit/>
+          </a:bodyPr>
+          <a:lstStyle/>
+          <a:p>
+            <a:pPr marL="0" indent="0" algn="ctr">
+              <a:buNone/>
+            </a:pPr>
+            <a:r>
+              <a:rPr lang="en-US" altLang="zh-CN" dirty="0"/>
+              <a:t>Demo:P001_PID</a:t>
+            </a:r>
+            <a:endParaRPr lang="zh-CN" altLang="en-US" sz="1800" dirty="0">
+              <a:latin typeface="微软雅黑" panose="020B0503020204020204" pitchFamily="34" charset="-122"/>
+              <a:ea typeface="微软雅黑" panose="020B0503020204020204" pitchFamily="34" charset="-122"/>
+            </a:endParaRPr>
+          </a:p>
+        </p:txBody>
+      </p:sp>
+    </p:spTree>
+    <p:extLst>
+      <p:ext uri="{BB962C8B-B14F-4D97-AF65-F5344CB8AC3E}">
+        <p14:creationId xmlns:p14="http://schemas.microsoft.com/office/powerpoint/2010/main" val="3533991380"/>
+      </p:ext>
+    </p:extLst>
+  </p:cSld>
+  <p:clrMapOvr>
+    <a:masterClrMapping/>
+  </p:clrMapOvr>
+</p:sld>
+</file>
+
+<file path=ppt/slides/slide13.xml><?xml version="1.0" encoding="utf-8"?>
+<p:sld xmlns:a="http://schemas.openxmlformats.org/drawingml/2006/main" xmlns:r="http://schemas.openxmlformats.org/officeDocument/2006/relationships" xmlns:p="http://schemas.openxmlformats.org/presentationml/2006/main">
+  <p:cSld>
+    <p:spTree>
+      <p:nvGrpSpPr>
+        <p:cNvPr id="1" name=""/>
+        <p:cNvGrpSpPr/>
+        <p:nvPr/>
+      </p:nvGrpSpPr>
+      <p:grpSpPr>
+        <a:xfrm>
+          <a:off x="0" y="0"/>
+          <a:ext cx="0" cy="0"/>
+          <a:chOff x="0" y="0"/>
+          <a:chExt cx="0" cy="0"/>
+        </a:xfrm>
+      </p:grpSpPr>
+      <p:sp>
+        <p:nvSpPr>
+          <p:cNvPr id="2" name="标题 1">
+            <a:extLst>
+              <a:ext uri="{FF2B5EF4-FFF2-40B4-BE49-F238E27FC236}">
+                <a16:creationId xmlns:a16="http://schemas.microsoft.com/office/drawing/2014/main" id="{F7C23084-23BF-4F3E-97FD-EEB470F2270A}"/>
+              </a:ext>
+            </a:extLst>
+          </p:cNvPr>
+          <p:cNvSpPr>
+            <a:spLocks noGrp="1"/>
+          </p:cNvSpPr>
+          <p:nvPr>
+            <p:ph type="title"/>
+          </p:nvPr>
+        </p:nvSpPr>
+        <p:spPr/>
+        <p:txBody>
+          <a:bodyPr/>
+          <a:lstStyle/>
+          <a:p>
+            <a:r>
+              <a:rPr lang="en-US" altLang="zh-CN" dirty="0"/>
+              <a:t>Mailboxes</a:t>
+            </a:r>
+            <a:endParaRPr lang="zh-CN" altLang="en-US" dirty="0"/>
+          </a:p>
+        </p:txBody>
+      </p:sp>
+      <p:sp>
+        <p:nvSpPr>
+          <p:cNvPr id="3" name="内容占位符 2">
+            <a:extLst>
+              <a:ext uri="{FF2B5EF4-FFF2-40B4-BE49-F238E27FC236}">
+                <a16:creationId xmlns:a16="http://schemas.microsoft.com/office/drawing/2014/main" id="{8CA72CA0-FACC-44F9-A496-CFCBA739C5D0}"/>
+              </a:ext>
+            </a:extLst>
+          </p:cNvPr>
+          <p:cNvSpPr>
+            <a:spLocks noGrp="1"/>
+          </p:cNvSpPr>
+          <p:nvPr>
+            <p:ph idx="1"/>
+          </p:nvPr>
+        </p:nvSpPr>
+        <p:spPr>
+          <a:xfrm>
+            <a:off x="838200" y="1690687"/>
+            <a:ext cx="10515600" cy="4635161"/>
+          </a:xfrm>
+        </p:spPr>
+        <p:txBody>
+          <a:bodyPr>
+            <a:normAutofit lnSpcReduction="10000"/>
+          </a:bodyPr>
+          <a:lstStyle/>
+          <a:p>
+            <a:pPr marL="0" indent="0">
+              <a:buNone/>
+            </a:pPr>
+            <a:r>
+              <a:rPr lang="zh-CN" altLang="en-US" dirty="0"/>
+              <a:t>邮箱是</a:t>
+            </a:r>
+            <a:r>
+              <a:rPr lang="en-US" altLang="zh-CN" dirty="0"/>
+              <a:t>Actor</a:t>
+            </a:r>
+            <a:r>
+              <a:rPr lang="zh-CN" altLang="en-US" dirty="0"/>
+              <a:t>消息缓冲的容器，当您向</a:t>
+            </a:r>
+            <a:r>
+              <a:rPr lang="en-US" altLang="zh-CN" dirty="0"/>
+              <a:t>Actor</a:t>
+            </a:r>
+            <a:r>
+              <a:rPr lang="zh-CN" altLang="en-US" dirty="0"/>
+              <a:t>发送消息时，消息不会直接发送给</a:t>
+            </a:r>
+            <a:r>
+              <a:rPr lang="en-US" altLang="zh-CN" dirty="0"/>
+              <a:t>Actor</a:t>
+            </a:r>
+            <a:r>
+              <a:rPr lang="zh-CN" altLang="en-US" dirty="0"/>
+              <a:t>，而是转到</a:t>
+            </a:r>
+            <a:r>
+              <a:rPr lang="en-US" altLang="zh-CN" dirty="0"/>
+              <a:t>Actor</a:t>
+            </a:r>
+            <a:r>
+              <a:rPr lang="zh-CN" altLang="en-US" dirty="0"/>
+              <a:t>的邮箱，直到</a:t>
+            </a:r>
+            <a:r>
+              <a:rPr lang="en-US" altLang="zh-CN" dirty="0"/>
+              <a:t>Actor</a:t>
+            </a:r>
+            <a:r>
+              <a:rPr lang="zh-CN" altLang="en-US" dirty="0"/>
+              <a:t>有时间处理它。</a:t>
+            </a:r>
+            <a:endParaRPr lang="en-US" altLang="zh-CN" dirty="0"/>
+          </a:p>
+          <a:p>
+            <a:pPr marL="0" indent="0">
+              <a:buNone/>
+            </a:pPr>
+            <a:endParaRPr lang="en-US" altLang="zh-CN" dirty="0"/>
+          </a:p>
+          <a:p>
+            <a:pPr marL="0" indent="0">
+              <a:buNone/>
+            </a:pPr>
+            <a:r>
+              <a:rPr lang="zh-CN" altLang="en-US" dirty="0"/>
+              <a:t>默认邮箱由两个消息队列组成：系统消息和用户消息。在发生故障的情况下，</a:t>
+            </a:r>
+            <a:r>
+              <a:rPr lang="en-US" altLang="zh-CN" dirty="0"/>
+              <a:t>Actor Context</a:t>
+            </a:r>
+            <a:r>
+              <a:rPr lang="zh-CN" altLang="en-US" dirty="0"/>
+              <a:t>内部使用系统消息来暂停和恢复邮箱处理。内部也使用系统消息来管理</a:t>
+            </a:r>
+            <a:r>
+              <a:rPr lang="en-US" altLang="zh-CN" dirty="0"/>
+              <a:t>Actor</a:t>
+            </a:r>
+            <a:r>
+              <a:rPr lang="zh-CN" altLang="en-US" dirty="0"/>
+              <a:t>，例如启动，停止和重新启动它。用户消息被发送到实际的</a:t>
+            </a:r>
+            <a:r>
+              <a:rPr lang="en-US" altLang="zh-CN" dirty="0"/>
+              <a:t>Actor</a:t>
+            </a:r>
+            <a:r>
+              <a:rPr lang="zh-CN" altLang="en-US" dirty="0"/>
+              <a:t>。</a:t>
+            </a:r>
+            <a:endParaRPr lang="en-US" altLang="zh-CN" dirty="0"/>
+          </a:p>
+          <a:p>
+            <a:pPr marL="0" indent="0">
+              <a:buNone/>
+            </a:pPr>
+            <a:endParaRPr lang="en-US" altLang="zh-CN" b="1" dirty="0"/>
+          </a:p>
+          <a:p>
+            <a:pPr marL="0" indent="0">
+              <a:buNone/>
+            </a:pPr>
+            <a:r>
+              <a:rPr lang="en-US" altLang="zh-CN" b="1" dirty="0" err="1"/>
+              <a:t>UnboundedMailbox</a:t>
+            </a:r>
+            <a:br>
+              <a:rPr lang="zh-CN" altLang="en-US" dirty="0"/>
+            </a:br>
+            <a:r>
+              <a:rPr lang="zh-CN" altLang="en-US" dirty="0"/>
+              <a:t>这是</a:t>
+            </a:r>
+            <a:r>
+              <a:rPr lang="en-US" altLang="zh-CN" dirty="0" err="1"/>
+              <a:t>Proto.Actor</a:t>
+            </a:r>
+            <a:r>
+              <a:rPr lang="zh-CN" altLang="en-US" dirty="0"/>
+              <a:t>使用的默认邮箱。它是一个非阻塞的无限邮箱，对于大多数情况应该足够好。</a:t>
+            </a:r>
+          </a:p>
+          <a:p>
+            <a:pPr marL="0" indent="0">
+              <a:buNone/>
+            </a:pPr>
+            <a:endParaRPr lang="en-US" altLang="zh-CN" dirty="0"/>
+          </a:p>
+        </p:txBody>
+      </p:sp>
+    </p:spTree>
+    <p:extLst>
+      <p:ext uri="{BB962C8B-B14F-4D97-AF65-F5344CB8AC3E}">
+        <p14:creationId xmlns:p14="http://schemas.microsoft.com/office/powerpoint/2010/main" val="2829483124"/>
+      </p:ext>
+    </p:extLst>
+  </p:cSld>
+  <p:clrMapOvr>
+    <a:masterClrMapping/>
+  </p:clrMapOvr>
+</p:sld>
+</file>
+
+<file path=ppt/slides/slide14.xml><?xml version="1.0" encoding="utf-8"?>
+<p:sld xmlns:a="http://schemas.openxmlformats.org/drawingml/2006/main" xmlns:r="http://schemas.openxmlformats.org/officeDocument/2006/relationships" xmlns:p="http://schemas.openxmlformats.org/presentationml/2006/main">
+  <p:cSld>
+    <p:spTree>
+      <p:nvGrpSpPr>
+        <p:cNvPr id="1" name=""/>
+        <p:cNvGrpSpPr/>
+        <p:nvPr/>
+      </p:nvGrpSpPr>
+      <p:grpSpPr>
+        <a:xfrm>
+          <a:off x="0" y="0"/>
+          <a:ext cx="0" cy="0"/>
+          <a:chOff x="0" y="0"/>
+          <a:chExt cx="0" cy="0"/>
+        </a:xfrm>
+      </p:grpSpPr>
+      <p:sp>
+        <p:nvSpPr>
+          <p:cNvPr id="2" name="标题 1">
+            <a:extLst>
+              <a:ext uri="{FF2B5EF4-FFF2-40B4-BE49-F238E27FC236}">
+                <a16:creationId xmlns:a16="http://schemas.microsoft.com/office/drawing/2014/main" id="{F7C23084-23BF-4F3E-97FD-EEB470F2270A}"/>
+              </a:ext>
+            </a:extLst>
+          </p:cNvPr>
+          <p:cNvSpPr>
+            <a:spLocks noGrp="1"/>
+          </p:cNvSpPr>
+          <p:nvPr>
+            <p:ph type="title"/>
+          </p:nvPr>
+        </p:nvSpPr>
+        <p:spPr/>
+        <p:txBody>
+          <a:bodyPr/>
+          <a:lstStyle/>
+          <a:p>
+            <a:r>
+              <a:rPr lang="en-US" altLang="zh-CN" dirty="0"/>
+              <a:t>Mailboxes-</a:t>
+            </a:r>
+            <a:r>
+              <a:rPr lang="en-US" altLang="zh-CN" dirty="0" err="1"/>
+              <a:t>IMailboxStatistics</a:t>
+            </a:r>
+            <a:endParaRPr lang="zh-CN" altLang="en-US" dirty="0"/>
+          </a:p>
+        </p:txBody>
+      </p:sp>
+      <p:sp>
+        <p:nvSpPr>
+          <p:cNvPr id="3" name="内容占位符 2">
+            <a:extLst>
+              <a:ext uri="{FF2B5EF4-FFF2-40B4-BE49-F238E27FC236}">
+                <a16:creationId xmlns:a16="http://schemas.microsoft.com/office/drawing/2014/main" id="{8CA72CA0-FACC-44F9-A496-CFCBA739C5D0}"/>
+              </a:ext>
+            </a:extLst>
+          </p:cNvPr>
+          <p:cNvSpPr>
+            <a:spLocks noGrp="1"/>
+          </p:cNvSpPr>
+          <p:nvPr>
+            <p:ph idx="1"/>
+          </p:nvPr>
+        </p:nvSpPr>
+        <p:spPr>
+          <a:xfrm>
+            <a:off x="838200" y="1690687"/>
+            <a:ext cx="10515600" cy="4635161"/>
+          </a:xfrm>
+        </p:spPr>
+        <p:txBody>
+          <a:bodyPr>
+            <a:normAutofit/>
+          </a:bodyPr>
+          <a:lstStyle/>
+          <a:p>
+            <a:pPr marL="0" indent="0">
+              <a:buNone/>
+            </a:pPr>
+            <a:endParaRPr lang="en-US" altLang="zh-CN" dirty="0"/>
+          </a:p>
+          <a:p>
+            <a:pPr marL="0" indent="0" algn="ctr">
+              <a:buNone/>
+            </a:pPr>
+            <a:r>
+              <a:rPr lang="en-US" altLang="zh-CN" dirty="0"/>
+              <a:t>Demo:P005_Mailboxes</a:t>
+            </a:r>
+          </a:p>
+        </p:txBody>
+      </p:sp>
+    </p:spTree>
+    <p:extLst>
+      <p:ext uri="{BB962C8B-B14F-4D97-AF65-F5344CB8AC3E}">
+        <p14:creationId xmlns:p14="http://schemas.microsoft.com/office/powerpoint/2010/main" val="1193835384"/>
       </p:ext>
     </p:extLst>
   </p:cSld>
@@ -6131,7 +7539,7 @@
           <a:p>
             <a:r>
               <a:rPr lang="en-US" altLang="zh-CN" dirty="0"/>
-              <a:t>Spawning</a:t>
+              <a:t>Props</a:t>
             </a:r>
             <a:endParaRPr lang="zh-CN" altLang="en-US" dirty="0"/>
           </a:p>
@@ -6155,259 +7563,32 @@
         </p:nvSpPr>
         <p:spPr>
           <a:xfrm>
-            <a:off x="838200" y="1690688"/>
-            <a:ext cx="10515600" cy="3876674"/>
+            <a:off x="838200" y="2514600"/>
+            <a:ext cx="10515600" cy="3052762"/>
           </a:xfrm>
         </p:spPr>
         <p:txBody>
           <a:bodyPr>
-            <a:normAutofit fontScale="62500" lnSpcReduction="20000"/>
+            <a:normAutofit/>
           </a:bodyPr>
           <a:lstStyle/>
           <a:p>
+            <a:pPr marL="0" indent="0" algn="ctr">
+              <a:buNone/>
+            </a:pPr>
+            <a:r>
+              <a:rPr lang="zh-CN" altLang="en-US" dirty="0"/>
+              <a:t>自定义</a:t>
+            </a:r>
+            <a:r>
+              <a:rPr lang="en-US" altLang="zh-CN" dirty="0"/>
+              <a:t>Props Demos:P002_CustomProps</a:t>
+            </a:r>
+          </a:p>
+          <a:p>
             <a:pPr marL="0" indent="0">
               <a:buNone/>
             </a:pPr>
-            <a:r>
-              <a:rPr lang="zh-CN" altLang="en-US" dirty="0"/>
-              <a:t> </a:t>
-            </a:r>
-            <a:r>
-              <a:rPr lang="en-US" altLang="zh-CN" dirty="0"/>
-              <a:t>//</a:t>
-            </a:r>
-            <a:r>
-              <a:rPr lang="zh-CN" altLang="en-US" dirty="0"/>
-              <a:t>产生一个自定义名称的</a:t>
-            </a:r>
-            <a:r>
-              <a:rPr lang="en-US" altLang="zh-CN" dirty="0" err="1"/>
-              <a:t>PID</a:t>
-            </a:r>
-            <a:endParaRPr lang="zh-CN" altLang="en-US" dirty="0"/>
-          </a:p>
-          <a:p>
-            <a:pPr marL="0" indent="0">
-              <a:buNone/>
-            </a:pPr>
-            <a:r>
-              <a:rPr lang="en-US" altLang="zh-CN" dirty="0"/>
-              <a:t>var </a:t>
-            </a:r>
-            <a:r>
-              <a:rPr lang="en-US" altLang="zh-CN" dirty="0" err="1"/>
-              <a:t>pid1</a:t>
-            </a:r>
-            <a:r>
-              <a:rPr lang="en-US" altLang="zh-CN" dirty="0"/>
-              <a:t> = </a:t>
-            </a:r>
-            <a:r>
-              <a:rPr lang="en-US" altLang="zh-CN" dirty="0" err="1"/>
-              <a:t>Actor.Spawn</a:t>
-            </a:r>
-            <a:r>
-              <a:rPr lang="en-US" altLang="zh-CN" dirty="0"/>
-              <a:t>(props);</a:t>
-            </a:r>
-          </a:p>
-          <a:p>
-            <a:pPr marL="0" indent="0">
-              <a:buNone/>
-            </a:pPr>
-            <a:r>
-              <a:rPr lang="en-US" altLang="zh-CN" dirty="0" err="1"/>
-              <a:t>pid1.Tell</a:t>
-            </a:r>
-            <a:r>
-              <a:rPr lang="en-US" altLang="zh-CN" dirty="0"/>
-              <a:t>(new </a:t>
-            </a:r>
-            <a:r>
-              <a:rPr lang="en-US" altLang="zh-CN" dirty="0" err="1"/>
-              <a:t>MyEntity</a:t>
-            </a:r>
-            <a:r>
-              <a:rPr lang="en-US" altLang="zh-CN" dirty="0"/>
-              <a:t> { ID = 1 });</a:t>
-            </a:r>
-          </a:p>
-          <a:p>
-            <a:pPr marL="0" indent="0">
-              <a:buNone/>
-            </a:pPr>
-            <a:endParaRPr lang="zh-CN" altLang="en-US" dirty="0"/>
-          </a:p>
-          <a:p>
-            <a:pPr marL="0" indent="0">
-              <a:buNone/>
-            </a:pPr>
-            <a:r>
-              <a:rPr lang="en-US" altLang="zh-CN" dirty="0"/>
-              <a:t>//</a:t>
-            </a:r>
-            <a:r>
-              <a:rPr lang="zh-CN" altLang="en-US" dirty="0"/>
-              <a:t>产生一个有</a:t>
-            </a:r>
-            <a:r>
-              <a:rPr lang="en-US" altLang="zh-CN" dirty="0"/>
-              <a:t>gsw</a:t>
-            </a:r>
-            <a:r>
-              <a:rPr lang="zh-CN" altLang="en-US" dirty="0"/>
-              <a:t>前缀，跟自动生成的名称的</a:t>
-            </a:r>
-            <a:r>
-              <a:rPr lang="en-US" altLang="zh-CN" dirty="0" err="1"/>
-              <a:t>PID</a:t>
-            </a:r>
-            <a:endParaRPr lang="zh-CN" altLang="en-US" dirty="0"/>
-          </a:p>
-          <a:p>
-            <a:pPr marL="0" indent="0">
-              <a:buNone/>
-            </a:pPr>
-            <a:r>
-              <a:rPr lang="en-US" altLang="zh-CN" dirty="0"/>
-              <a:t>var </a:t>
-            </a:r>
-            <a:r>
-              <a:rPr lang="en-US" altLang="zh-CN" dirty="0" err="1"/>
-              <a:t>pid2</a:t>
-            </a:r>
-            <a:r>
-              <a:rPr lang="en-US" altLang="zh-CN" dirty="0"/>
-              <a:t> = </a:t>
-            </a:r>
-            <a:r>
-              <a:rPr lang="en-US" altLang="zh-CN" dirty="0" err="1"/>
-              <a:t>Actor.SpawnPrefix</a:t>
-            </a:r>
-            <a:r>
-              <a:rPr lang="en-US" altLang="zh-CN" dirty="0"/>
-              <a:t>(props, "gsw");</a:t>
-            </a:r>
-          </a:p>
-          <a:p>
-            <a:pPr marL="0" indent="0">
-              <a:buNone/>
-            </a:pPr>
-            <a:r>
-              <a:rPr lang="en-US" altLang="zh-CN" dirty="0" err="1"/>
-              <a:t>pid2.Tell</a:t>
-            </a:r>
-            <a:r>
-              <a:rPr lang="en-US" altLang="zh-CN" dirty="0"/>
-              <a:t>(new </a:t>
-            </a:r>
-            <a:r>
-              <a:rPr lang="en-US" altLang="zh-CN" dirty="0" err="1"/>
-              <a:t>MyEntity</a:t>
-            </a:r>
-            <a:r>
-              <a:rPr lang="en-US" altLang="zh-CN" dirty="0"/>
-              <a:t> { ID = 2 });</a:t>
-            </a:r>
-          </a:p>
-          <a:p>
-            <a:pPr marL="0" indent="0">
-              <a:buNone/>
-            </a:pPr>
-            <a:endParaRPr lang="zh-CN" altLang="en-US" dirty="0"/>
-          </a:p>
-          <a:p>
-            <a:pPr marL="0" indent="0">
-              <a:buNone/>
-            </a:pPr>
-            <a:r>
-              <a:rPr lang="en-US" altLang="zh-CN" dirty="0"/>
-              <a:t>//</a:t>
-            </a:r>
-            <a:r>
-              <a:rPr lang="zh-CN" altLang="en-US" dirty="0"/>
-              <a:t>产生一个名称为</a:t>
-            </a:r>
-            <a:r>
-              <a:rPr lang="en-US" altLang="zh-CN" dirty="0" err="1"/>
-              <a:t>gswpid</a:t>
-            </a:r>
-            <a:r>
-              <a:rPr lang="zh-CN" altLang="en-US" dirty="0"/>
-              <a:t>的</a:t>
-            </a:r>
-            <a:r>
-              <a:rPr lang="en-US" altLang="zh-CN" dirty="0" err="1"/>
-              <a:t>PID</a:t>
-            </a:r>
-            <a:endParaRPr lang="zh-CN" altLang="en-US" dirty="0"/>
-          </a:p>
-          <a:p>
-            <a:pPr marL="0" indent="0">
-              <a:buNone/>
-            </a:pPr>
-            <a:r>
-              <a:rPr lang="en-US" altLang="zh-CN" dirty="0"/>
-              <a:t>var </a:t>
-            </a:r>
-            <a:r>
-              <a:rPr lang="en-US" altLang="zh-CN" dirty="0" err="1"/>
-              <a:t>pid3</a:t>
-            </a:r>
-            <a:r>
-              <a:rPr lang="en-US" altLang="zh-CN" dirty="0"/>
-              <a:t> = </a:t>
-            </a:r>
-            <a:r>
-              <a:rPr lang="en-US" altLang="zh-CN" dirty="0" err="1"/>
-              <a:t>Actor.SpawnPrefix</a:t>
-            </a:r>
-            <a:r>
-              <a:rPr lang="en-US" altLang="zh-CN" dirty="0"/>
-              <a:t>(props, "</a:t>
-            </a:r>
-            <a:r>
-              <a:rPr lang="en-US" altLang="zh-CN" dirty="0" err="1"/>
-              <a:t>gswpid</a:t>
-            </a:r>
-            <a:r>
-              <a:rPr lang="en-US" altLang="zh-CN" dirty="0"/>
-              <a:t>");</a:t>
-            </a:r>
-          </a:p>
-          <a:p>
-            <a:pPr marL="0" indent="0">
-              <a:buNone/>
-            </a:pPr>
-            <a:r>
-              <a:rPr lang="en-US" altLang="zh-CN" dirty="0" err="1"/>
-              <a:t>pid3.Tell</a:t>
-            </a:r>
-            <a:r>
-              <a:rPr lang="en-US" altLang="zh-CN" dirty="0"/>
-              <a:t>(new </a:t>
-            </a:r>
-            <a:r>
-              <a:rPr lang="en-US" altLang="zh-CN" dirty="0" err="1"/>
-              <a:t>MyEntity</a:t>
-            </a:r>
-            <a:r>
-              <a:rPr lang="en-US" altLang="zh-CN" dirty="0"/>
-              <a:t> { ID = 3 });</a:t>
-            </a:r>
-          </a:p>
-          <a:p>
-            <a:pPr marL="0" indent="0">
-              <a:buNone/>
-            </a:pPr>
-            <a:r>
-              <a:rPr lang="en-US" altLang="zh-CN" dirty="0" err="1"/>
-              <a:t>Console.ReadLine</a:t>
-            </a:r>
-            <a:r>
-              <a:rPr lang="en-US" altLang="zh-CN" dirty="0"/>
-              <a:t>();</a:t>
-            </a:r>
             <a:endParaRPr lang="en-US" altLang="zh-CN" sz="1800" dirty="0">
               <a:latin typeface="微软雅黑" panose="020B0503020204020204" pitchFamily="34" charset="-122"/>
               <a:ea typeface="微软雅黑" panose="020B0503020204020204" pitchFamily="34" charset="-122"/>
@@ -6427,7 +7608,7 @@
     </p:spTree>
     <p:extLst>
       <p:ext uri="{BB962C8B-B14F-4D97-AF65-F5344CB8AC3E}">
-        <p14:creationId xmlns:p14="http://schemas.microsoft.com/office/powerpoint/2010/main" val="2274045715"/>
+        <p14:creationId xmlns:p14="http://schemas.microsoft.com/office/powerpoint/2010/main" val="3947926739"/>
       </p:ext>
     </p:extLst>
   </p:cSld>

--- a/ProtoActorSample/Proto.Actor.pptx
+++ b/ProtoActorSample/Proto.Actor.pptx
@@ -5,7 +5,7 @@
     <p:sldMasterId id="2147483648" r:id="rId1"/>
   </p:sldMasterIdLst>
   <p:notesMasterIdLst>
-    <p:notesMasterId r:id="rId16"/>
+    <p:notesMasterId r:id="rId18"/>
   </p:notesMasterIdLst>
   <p:sldIdLst>
     <p:sldId id="256" r:id="rId2"/>
@@ -22,6 +22,8 @@
     <p:sldId id="267" r:id="rId13"/>
     <p:sldId id="268" r:id="rId14"/>
     <p:sldId id="269" r:id="rId15"/>
+    <p:sldId id="270" r:id="rId16"/>
+    <p:sldId id="271" r:id="rId17"/>
   </p:sldIdLst>
   <p:sldSz cx="12192000" cy="6858000"/>
   <p:notesSz cx="6858000" cy="9144000"/>
@@ -210,7 +212,7 @@
           <a:p>
             <a:fld id="{C73D7CCE-FBD8-465C-8CB3-43087BE9C0BC}" type="datetimeFigureOut">
               <a:rPr lang="zh-CN" altLang="en-US" smtClean="0"/>
-              <a:t>2018/8/19</a:t>
+              <a:t>2018/8/20</a:t>
             </a:fld>
             <a:endParaRPr lang="zh-CN" altLang="en-US"/>
           </a:p>
@@ -1036,6 +1038,228 @@
 </p:notes>
 </file>
 
+<file path=ppt/notesSlides/notesSlide14.xml><?xml version="1.0" encoding="utf-8"?>
+<p:notes xmlns:a="http://schemas.openxmlformats.org/drawingml/2006/main" xmlns:r="http://schemas.openxmlformats.org/officeDocument/2006/relationships" xmlns:p="http://schemas.openxmlformats.org/presentationml/2006/main">
+  <p:cSld>
+    <p:spTree>
+      <p:nvGrpSpPr>
+        <p:cNvPr id="1" name=""/>
+        <p:cNvGrpSpPr/>
+        <p:nvPr/>
+      </p:nvGrpSpPr>
+      <p:grpSpPr>
+        <a:xfrm>
+          <a:off x="0" y="0"/>
+          <a:ext cx="0" cy="0"/>
+          <a:chOff x="0" y="0"/>
+          <a:chExt cx="0" cy="0"/>
+        </a:xfrm>
+      </p:grpSpPr>
+      <p:sp>
+        <p:nvSpPr>
+          <p:cNvPr id="2" name="幻灯片图像占位符 1"/>
+          <p:cNvSpPr>
+            <a:spLocks noGrp="1" noRot="1" noChangeAspect="1"/>
+          </p:cNvSpPr>
+          <p:nvPr>
+            <p:ph type="sldImg"/>
+          </p:nvPr>
+        </p:nvSpPr>
+        <p:spPr/>
+      </p:sp>
+      <p:sp>
+        <p:nvSpPr>
+          <p:cNvPr id="3" name="备注占位符 2"/>
+          <p:cNvSpPr>
+            <a:spLocks noGrp="1"/>
+          </p:cNvSpPr>
+          <p:nvPr>
+            <p:ph type="body" idx="1"/>
+          </p:nvPr>
+        </p:nvSpPr>
+        <p:spPr/>
+        <p:txBody>
+          <a:bodyPr/>
+          <a:lstStyle/>
+          <a:p>
+            <a:r>
+              <a:rPr lang="zh-CN" altLang="en-US" dirty="0"/>
+              <a:t>作为父级</a:t>
+            </a:r>
+            <a:r>
+              <a:rPr lang="en-US" altLang="zh-CN" dirty="0"/>
+              <a:t>Actor</a:t>
+            </a:r>
+            <a:r>
+              <a:rPr lang="zh-CN" altLang="en-US" dirty="0"/>
+              <a:t>责处理子级的失败（所谓的监督），形成责任链，一直到最高层。 当一个</a:t>
+            </a:r>
+            <a:r>
+              <a:rPr lang="en-US" altLang="zh-CN" dirty="0"/>
+              <a:t>actor</a:t>
+            </a:r>
+            <a:r>
+              <a:rPr lang="zh-CN" altLang="en-US" dirty="0"/>
+              <a:t>崩溃时，它的父级可以重启或停止它，或者将故障升级为</a:t>
+            </a:r>
+            <a:r>
+              <a:rPr lang="en-US" altLang="zh-CN" dirty="0"/>
+              <a:t>actor</a:t>
+            </a:r>
+            <a:r>
+              <a:rPr lang="zh-CN" altLang="en-US" dirty="0"/>
+              <a:t>的层次结构。 这为一个并发的分布式系统中的故障管理提供了一套干净的语义，并允许编写自我修复的高容错系统。</a:t>
+            </a:r>
+          </a:p>
+        </p:txBody>
+      </p:sp>
+      <p:sp>
+        <p:nvSpPr>
+          <p:cNvPr id="4" name="灯片编号占位符 3"/>
+          <p:cNvSpPr>
+            <a:spLocks noGrp="1"/>
+          </p:cNvSpPr>
+          <p:nvPr>
+            <p:ph type="sldNum" sz="quarter" idx="10"/>
+          </p:nvPr>
+        </p:nvSpPr>
+        <p:spPr/>
+        <p:txBody>
+          <a:bodyPr/>
+          <a:lstStyle/>
+          <a:p>
+            <a:fld id="{3C780944-94FB-46F6-8937-ABF2C17E41BC}" type="slidenum">
+              <a:rPr lang="zh-CN" altLang="en-US" smtClean="0"/>
+              <a:t>15</a:t>
+            </a:fld>
+            <a:endParaRPr lang="zh-CN" altLang="en-US"/>
+          </a:p>
+        </p:txBody>
+      </p:sp>
+    </p:spTree>
+    <p:extLst>
+      <p:ext uri="{BB962C8B-B14F-4D97-AF65-F5344CB8AC3E}">
+        <p14:creationId xmlns:p14="http://schemas.microsoft.com/office/powerpoint/2010/main" val="2477716443"/>
+      </p:ext>
+    </p:extLst>
+  </p:cSld>
+  <p:clrMapOvr>
+    <a:masterClrMapping/>
+  </p:clrMapOvr>
+</p:notes>
+</file>
+
+<file path=ppt/notesSlides/notesSlide15.xml><?xml version="1.0" encoding="utf-8"?>
+<p:notes xmlns:a="http://schemas.openxmlformats.org/drawingml/2006/main" xmlns:r="http://schemas.openxmlformats.org/officeDocument/2006/relationships" xmlns:p="http://schemas.openxmlformats.org/presentationml/2006/main">
+  <p:cSld>
+    <p:spTree>
+      <p:nvGrpSpPr>
+        <p:cNvPr id="1" name=""/>
+        <p:cNvGrpSpPr/>
+        <p:nvPr/>
+      </p:nvGrpSpPr>
+      <p:grpSpPr>
+        <a:xfrm>
+          <a:off x="0" y="0"/>
+          <a:ext cx="0" cy="0"/>
+          <a:chOff x="0" y="0"/>
+          <a:chExt cx="0" cy="0"/>
+        </a:xfrm>
+      </p:grpSpPr>
+      <p:sp>
+        <p:nvSpPr>
+          <p:cNvPr id="2" name="幻灯片图像占位符 1"/>
+          <p:cNvSpPr>
+            <a:spLocks noGrp="1" noRot="1" noChangeAspect="1"/>
+          </p:cNvSpPr>
+          <p:nvPr>
+            <p:ph type="sldImg"/>
+          </p:nvPr>
+        </p:nvSpPr>
+        <p:spPr/>
+      </p:sp>
+      <p:sp>
+        <p:nvSpPr>
+          <p:cNvPr id="3" name="备注占位符 2"/>
+          <p:cNvSpPr>
+            <a:spLocks noGrp="1"/>
+          </p:cNvSpPr>
+          <p:nvPr>
+            <p:ph type="body" idx="1"/>
+          </p:nvPr>
+        </p:nvSpPr>
+        <p:spPr/>
+        <p:txBody>
+          <a:bodyPr/>
+          <a:lstStyle/>
+          <a:p>
+            <a:r>
+              <a:rPr lang="zh-CN" altLang="en-US" dirty="0"/>
+              <a:t>作为父级</a:t>
+            </a:r>
+            <a:r>
+              <a:rPr lang="en-US" altLang="zh-CN" dirty="0"/>
+              <a:t>Actor</a:t>
+            </a:r>
+            <a:r>
+              <a:rPr lang="zh-CN" altLang="en-US" dirty="0"/>
+              <a:t>责处理子级的失败（所谓的监督），形成责任链，一直到最高层。 当一个</a:t>
+            </a:r>
+            <a:r>
+              <a:rPr lang="en-US" altLang="zh-CN" dirty="0"/>
+              <a:t>actor</a:t>
+            </a:r>
+            <a:r>
+              <a:rPr lang="zh-CN" altLang="en-US" dirty="0"/>
+              <a:t>崩溃时，它的父级可以重启或停止它，或者将故障升级为</a:t>
+            </a:r>
+            <a:r>
+              <a:rPr lang="en-US" altLang="zh-CN" dirty="0"/>
+              <a:t>actor</a:t>
+            </a:r>
+            <a:r>
+              <a:rPr lang="zh-CN" altLang="en-US" dirty="0"/>
+              <a:t>的层次结构。 这为一个并发的分布式系统中的故障管理提供了一套干净的语义，并允许编写自我修复的高容错系统。</a:t>
+            </a:r>
+          </a:p>
+        </p:txBody>
+      </p:sp>
+      <p:sp>
+        <p:nvSpPr>
+          <p:cNvPr id="4" name="灯片编号占位符 3"/>
+          <p:cNvSpPr>
+            <a:spLocks noGrp="1"/>
+          </p:cNvSpPr>
+          <p:nvPr>
+            <p:ph type="sldNum" sz="quarter" idx="10"/>
+          </p:nvPr>
+        </p:nvSpPr>
+        <p:spPr/>
+        <p:txBody>
+          <a:bodyPr/>
+          <a:lstStyle/>
+          <a:p>
+            <a:fld id="{3C780944-94FB-46F6-8937-ABF2C17E41BC}" type="slidenum">
+              <a:rPr lang="zh-CN" altLang="en-US" smtClean="0"/>
+              <a:t>16</a:t>
+            </a:fld>
+            <a:endParaRPr lang="zh-CN" altLang="en-US"/>
+          </a:p>
+        </p:txBody>
+      </p:sp>
+    </p:spTree>
+    <p:extLst>
+      <p:ext uri="{BB962C8B-B14F-4D97-AF65-F5344CB8AC3E}">
+        <p14:creationId xmlns:p14="http://schemas.microsoft.com/office/powerpoint/2010/main" val="28481930"/>
+      </p:ext>
+    </p:extLst>
+  </p:cSld>
+  <p:clrMapOvr>
+    <a:masterClrMapping/>
+  </p:clrMapOvr>
+</p:notes>
+</file>
+
 <file path=ppt/notesSlides/notesSlide2.xml><?xml version="1.0" encoding="utf-8"?>
 <p:notes xmlns:a="http://schemas.openxmlformats.org/drawingml/2006/main" xmlns:r="http://schemas.openxmlformats.org/officeDocument/2006/relationships" xmlns:p="http://schemas.openxmlformats.org/presentationml/2006/main">
   <p:cSld>
@@ -2022,7 +2246,7 @@
           <a:p>
             <a:fld id="{F8D91990-1C2A-42AB-BFBF-4E7051969EFA}" type="datetimeFigureOut">
               <a:rPr lang="zh-CN" altLang="en-US" smtClean="0"/>
-              <a:t>2018/8/19</a:t>
+              <a:t>2018/8/20</a:t>
             </a:fld>
             <a:endParaRPr lang="zh-CN" altLang="en-US"/>
           </a:p>
@@ -2220,7 +2444,7 @@
           <a:p>
             <a:fld id="{F8D91990-1C2A-42AB-BFBF-4E7051969EFA}" type="datetimeFigureOut">
               <a:rPr lang="zh-CN" altLang="en-US" smtClean="0"/>
-              <a:t>2018/8/19</a:t>
+              <a:t>2018/8/20</a:t>
             </a:fld>
             <a:endParaRPr lang="zh-CN" altLang="en-US"/>
           </a:p>
@@ -2428,7 +2652,7 @@
           <a:p>
             <a:fld id="{F8D91990-1C2A-42AB-BFBF-4E7051969EFA}" type="datetimeFigureOut">
               <a:rPr lang="zh-CN" altLang="en-US" smtClean="0"/>
-              <a:t>2018/8/19</a:t>
+              <a:t>2018/8/20</a:t>
             </a:fld>
             <a:endParaRPr lang="zh-CN" altLang="en-US"/>
           </a:p>
@@ -2626,7 +2850,7 @@
           <a:p>
             <a:fld id="{F8D91990-1C2A-42AB-BFBF-4E7051969EFA}" type="datetimeFigureOut">
               <a:rPr lang="zh-CN" altLang="en-US" smtClean="0"/>
-              <a:t>2018/8/19</a:t>
+              <a:t>2018/8/20</a:t>
             </a:fld>
             <a:endParaRPr lang="zh-CN" altLang="en-US"/>
           </a:p>
@@ -2901,7 +3125,7 @@
           <a:p>
             <a:fld id="{F8D91990-1C2A-42AB-BFBF-4E7051969EFA}" type="datetimeFigureOut">
               <a:rPr lang="zh-CN" altLang="en-US" smtClean="0"/>
-              <a:t>2018/8/19</a:t>
+              <a:t>2018/8/20</a:t>
             </a:fld>
             <a:endParaRPr lang="zh-CN" altLang="en-US"/>
           </a:p>
@@ -3166,7 +3390,7 @@
           <a:p>
             <a:fld id="{F8D91990-1C2A-42AB-BFBF-4E7051969EFA}" type="datetimeFigureOut">
               <a:rPr lang="zh-CN" altLang="en-US" smtClean="0"/>
-              <a:t>2018/8/19</a:t>
+              <a:t>2018/8/20</a:t>
             </a:fld>
             <a:endParaRPr lang="zh-CN" altLang="en-US"/>
           </a:p>
@@ -3578,7 +3802,7 @@
           <a:p>
             <a:fld id="{F8D91990-1C2A-42AB-BFBF-4E7051969EFA}" type="datetimeFigureOut">
               <a:rPr lang="zh-CN" altLang="en-US" smtClean="0"/>
-              <a:t>2018/8/19</a:t>
+              <a:t>2018/8/20</a:t>
             </a:fld>
             <a:endParaRPr lang="zh-CN" altLang="en-US"/>
           </a:p>
@@ -3719,7 +3943,7 @@
           <a:p>
             <a:fld id="{F8D91990-1C2A-42AB-BFBF-4E7051969EFA}" type="datetimeFigureOut">
               <a:rPr lang="zh-CN" altLang="en-US" smtClean="0"/>
-              <a:t>2018/8/19</a:t>
+              <a:t>2018/8/20</a:t>
             </a:fld>
             <a:endParaRPr lang="zh-CN" altLang="en-US"/>
           </a:p>
@@ -3832,7 +4056,7 @@
           <a:p>
             <a:fld id="{F8D91990-1C2A-42AB-BFBF-4E7051969EFA}" type="datetimeFigureOut">
               <a:rPr lang="zh-CN" altLang="en-US" smtClean="0"/>
-              <a:t>2018/8/19</a:t>
+              <a:t>2018/8/20</a:t>
             </a:fld>
             <a:endParaRPr lang="zh-CN" altLang="en-US"/>
           </a:p>
@@ -4143,7 +4367,7 @@
           <a:p>
             <a:fld id="{F8D91990-1C2A-42AB-BFBF-4E7051969EFA}" type="datetimeFigureOut">
               <a:rPr lang="zh-CN" altLang="en-US" smtClean="0"/>
-              <a:t>2018/8/19</a:t>
+              <a:t>2018/8/20</a:t>
             </a:fld>
             <a:endParaRPr lang="zh-CN" altLang="en-US"/>
           </a:p>
@@ -4431,7 +4655,7 @@
           <a:p>
             <a:fld id="{F8D91990-1C2A-42AB-BFBF-4E7051969EFA}" type="datetimeFigureOut">
               <a:rPr lang="zh-CN" altLang="en-US" smtClean="0"/>
-              <a:t>2018/8/19</a:t>
+              <a:t>2018/8/20</a:t>
             </a:fld>
             <a:endParaRPr lang="zh-CN" altLang="en-US"/>
           </a:p>
@@ -4672,7 +4896,7 @@
           <a:p>
             <a:fld id="{F8D91990-1C2A-42AB-BFBF-4E7051969EFA}" type="datetimeFigureOut">
               <a:rPr lang="zh-CN" altLang="en-US" smtClean="0"/>
-              <a:t>2018/8/19</a:t>
+              <a:t>2018/8/20</a:t>
             </a:fld>
             <a:endParaRPr lang="zh-CN" altLang="en-US"/>
           </a:p>
@@ -6226,6 +6450,344 @@
     <p:extLst>
       <p:ext uri="{BB962C8B-B14F-4D97-AF65-F5344CB8AC3E}">
         <p14:creationId xmlns:p14="http://schemas.microsoft.com/office/powerpoint/2010/main" val="1193835384"/>
+      </p:ext>
+    </p:extLst>
+  </p:cSld>
+  <p:clrMapOvr>
+    <a:masterClrMapping/>
+  </p:clrMapOvr>
+</p:sld>
+</file>
+
+<file path=ppt/slides/slide15.xml><?xml version="1.0" encoding="utf-8"?>
+<p:sld xmlns:a="http://schemas.openxmlformats.org/drawingml/2006/main" xmlns:r="http://schemas.openxmlformats.org/officeDocument/2006/relationships" xmlns:p="http://schemas.openxmlformats.org/presentationml/2006/main">
+  <p:cSld>
+    <p:spTree>
+      <p:nvGrpSpPr>
+        <p:cNvPr id="1" name=""/>
+        <p:cNvGrpSpPr/>
+        <p:nvPr/>
+      </p:nvGrpSpPr>
+      <p:grpSpPr>
+        <a:xfrm>
+          <a:off x="0" y="0"/>
+          <a:ext cx="0" cy="0"/>
+          <a:chOff x="0" y="0"/>
+          <a:chExt cx="0" cy="0"/>
+        </a:xfrm>
+      </p:grpSpPr>
+      <p:sp>
+        <p:nvSpPr>
+          <p:cNvPr id="2" name="标题 1">
+            <a:extLst>
+              <a:ext uri="{FF2B5EF4-FFF2-40B4-BE49-F238E27FC236}">
+                <a16:creationId xmlns:a16="http://schemas.microsoft.com/office/drawing/2014/main" id="{F7C23084-23BF-4F3E-97FD-EEB470F2270A}"/>
+              </a:ext>
+            </a:extLst>
+          </p:cNvPr>
+          <p:cNvSpPr>
+            <a:spLocks noGrp="1"/>
+          </p:cNvSpPr>
+          <p:nvPr>
+            <p:ph type="title"/>
+          </p:nvPr>
+        </p:nvSpPr>
+        <p:spPr/>
+        <p:txBody>
+          <a:bodyPr/>
+          <a:lstStyle/>
+          <a:p>
+            <a:r>
+              <a:rPr lang="en-US" altLang="zh-CN" dirty="0"/>
+              <a:t>Supervision</a:t>
+            </a:r>
+            <a:endParaRPr lang="zh-CN" altLang="en-US" dirty="0"/>
+          </a:p>
+        </p:txBody>
+      </p:sp>
+      <p:sp>
+        <p:nvSpPr>
+          <p:cNvPr id="3" name="内容占位符 2">
+            <a:extLst>
+              <a:ext uri="{FF2B5EF4-FFF2-40B4-BE49-F238E27FC236}">
+                <a16:creationId xmlns:a16="http://schemas.microsoft.com/office/drawing/2014/main" id="{8CA72CA0-FACC-44F9-A496-CFCBA739C5D0}"/>
+              </a:ext>
+            </a:extLst>
+          </p:cNvPr>
+          <p:cNvSpPr>
+            <a:spLocks noGrp="1"/>
+          </p:cNvSpPr>
+          <p:nvPr>
+            <p:ph idx="1"/>
+          </p:nvPr>
+        </p:nvSpPr>
+        <p:spPr>
+          <a:xfrm>
+            <a:off x="838200" y="1690687"/>
+            <a:ext cx="10515600" cy="4635161"/>
+          </a:xfrm>
+        </p:spPr>
+        <p:txBody>
+          <a:bodyPr>
+            <a:normAutofit lnSpcReduction="10000"/>
+          </a:bodyPr>
+          <a:lstStyle/>
+          <a:p>
+            <a:pPr marL="0" indent="0">
+              <a:buNone/>
+            </a:pPr>
+            <a:r>
+              <a:rPr lang="zh-CN" altLang="en-US" dirty="0"/>
+              <a:t>当</a:t>
+            </a:r>
+            <a:r>
+              <a:rPr lang="en-US" altLang="zh-CN" dirty="0"/>
+              <a:t>Actor</a:t>
+            </a:r>
+            <a:r>
+              <a:rPr lang="zh-CN" altLang="en-US" dirty="0"/>
+              <a:t>产生子</a:t>
+            </a:r>
+            <a:r>
+              <a:rPr lang="en-US" altLang="zh-CN" dirty="0"/>
+              <a:t>Actor</a:t>
+            </a:r>
+            <a:r>
+              <a:rPr lang="zh-CN" altLang="en-US" dirty="0"/>
+              <a:t>时，它负责处理其子</a:t>
+            </a:r>
+            <a:r>
+              <a:rPr lang="en-US" altLang="zh-CN" dirty="0"/>
+              <a:t>Actor</a:t>
+            </a:r>
+            <a:r>
+              <a:rPr lang="zh-CN" altLang="en-US" dirty="0"/>
+              <a:t>中发生的错误。当子</a:t>
+            </a:r>
+            <a:r>
+              <a:rPr lang="en-US" altLang="zh-CN" dirty="0"/>
+              <a:t>actor</a:t>
+            </a:r>
+            <a:r>
+              <a:rPr lang="zh-CN" altLang="en-US" dirty="0"/>
+              <a:t>无法处理消息并抛出异常时，失败会升级到父级，然后父级决定对</a:t>
+            </a:r>
+            <a:r>
+              <a:rPr lang="en-US" altLang="zh-CN" dirty="0"/>
+              <a:t>actor</a:t>
+            </a:r>
+            <a:r>
+              <a:rPr lang="zh-CN" altLang="en-US" dirty="0"/>
+              <a:t>执行什么操作。如果父级无法处理错误，则可以选择将其进一步升级到其自己的父级。</a:t>
+            </a:r>
+            <a:endParaRPr lang="en-US" altLang="zh-CN" dirty="0"/>
+          </a:p>
+          <a:p>
+            <a:pPr marL="0" indent="0">
+              <a:buNone/>
+            </a:pPr>
+            <a:endParaRPr lang="en-US" altLang="zh-CN" dirty="0"/>
+          </a:p>
+          <a:p>
+            <a:pPr marL="0" indent="0">
+              <a:buNone/>
+            </a:pPr>
+            <a:r>
+              <a:rPr lang="en-US" altLang="zh-CN" dirty="0" err="1"/>
+              <a:t>SupervisorDirective</a:t>
+            </a:r>
+            <a:r>
+              <a:rPr lang="zh-CN" altLang="en-US" dirty="0"/>
+              <a:t>的参数：</a:t>
+            </a:r>
+            <a:endParaRPr lang="en-US" altLang="zh-CN" dirty="0"/>
+          </a:p>
+          <a:p>
+            <a:pPr lvl="1"/>
+            <a:r>
+              <a:rPr lang="en-US" altLang="zh-CN" dirty="0"/>
+              <a:t>Resume:</a:t>
+            </a:r>
+            <a:r>
+              <a:rPr lang="zh-CN" altLang="en-US" dirty="0"/>
+              <a:t>立即恢复</a:t>
+            </a:r>
+            <a:r>
+              <a:rPr lang="en-US" altLang="zh-CN" dirty="0"/>
+              <a:t>Actor</a:t>
+            </a:r>
+          </a:p>
+          <a:p>
+            <a:pPr lvl="1"/>
+            <a:r>
+              <a:rPr lang="en-US" altLang="zh-CN" dirty="0"/>
+              <a:t>Restart:</a:t>
+            </a:r>
+            <a:r>
+              <a:rPr lang="zh-CN" altLang="en-US" dirty="0"/>
+              <a:t>在恢复之前停止</a:t>
+            </a:r>
+            <a:r>
+              <a:rPr lang="en-US" altLang="zh-CN" dirty="0"/>
+              <a:t>Actor</a:t>
+            </a:r>
+            <a:r>
+              <a:rPr lang="zh-CN" altLang="en-US" dirty="0"/>
+              <a:t>，并重新创建它</a:t>
+            </a:r>
+            <a:endParaRPr lang="en-US" altLang="zh-CN" dirty="0"/>
+          </a:p>
+          <a:p>
+            <a:pPr lvl="1"/>
+            <a:r>
+              <a:rPr lang="en-US" altLang="zh-CN" dirty="0"/>
+              <a:t>Stop:</a:t>
+            </a:r>
+            <a:r>
+              <a:rPr lang="zh-CN" altLang="en-US" dirty="0"/>
+              <a:t>停止</a:t>
+            </a:r>
+            <a:r>
+              <a:rPr lang="en-US" altLang="zh-CN" dirty="0"/>
+              <a:t>Actor</a:t>
+            </a:r>
+            <a:r>
+              <a:rPr lang="zh-CN" altLang="en-US" dirty="0"/>
+              <a:t>，并且不恢复</a:t>
+            </a:r>
+            <a:endParaRPr lang="en-US" altLang="zh-CN" dirty="0"/>
+          </a:p>
+          <a:p>
+            <a:pPr lvl="1"/>
+            <a:r>
+              <a:rPr lang="en-US" altLang="zh-CN" dirty="0"/>
+              <a:t>Escalate:</a:t>
+            </a:r>
+            <a:r>
+              <a:rPr lang="zh-CN" altLang="en-US" dirty="0"/>
+              <a:t>将错误升级为主管的父级</a:t>
+            </a:r>
+            <a:endParaRPr lang="en-US" altLang="zh-CN" dirty="0"/>
+          </a:p>
+          <a:p>
+            <a:pPr marL="0" indent="0">
+              <a:buNone/>
+            </a:pPr>
+            <a:r>
+              <a:rPr lang="en-US" altLang="zh-CN" dirty="0"/>
+              <a:t>	</a:t>
+            </a:r>
+          </a:p>
+        </p:txBody>
+      </p:sp>
+    </p:spTree>
+    <p:extLst>
+      <p:ext uri="{BB962C8B-B14F-4D97-AF65-F5344CB8AC3E}">
+        <p14:creationId xmlns:p14="http://schemas.microsoft.com/office/powerpoint/2010/main" val="1150885086"/>
+      </p:ext>
+    </p:extLst>
+  </p:cSld>
+  <p:clrMapOvr>
+    <a:masterClrMapping/>
+  </p:clrMapOvr>
+</p:sld>
+</file>
+
+<file path=ppt/slides/slide16.xml><?xml version="1.0" encoding="utf-8"?>
+<p:sld xmlns:a="http://schemas.openxmlformats.org/drawingml/2006/main" xmlns:r="http://schemas.openxmlformats.org/officeDocument/2006/relationships" xmlns:p="http://schemas.openxmlformats.org/presentationml/2006/main">
+  <p:cSld>
+    <p:spTree>
+      <p:nvGrpSpPr>
+        <p:cNvPr id="1" name=""/>
+        <p:cNvGrpSpPr/>
+        <p:nvPr/>
+      </p:nvGrpSpPr>
+      <p:grpSpPr>
+        <a:xfrm>
+          <a:off x="0" y="0"/>
+          <a:ext cx="0" cy="0"/>
+          <a:chOff x="0" y="0"/>
+          <a:chExt cx="0" cy="0"/>
+        </a:xfrm>
+      </p:grpSpPr>
+      <p:sp>
+        <p:nvSpPr>
+          <p:cNvPr id="2" name="标题 1">
+            <a:extLst>
+              <a:ext uri="{FF2B5EF4-FFF2-40B4-BE49-F238E27FC236}">
+                <a16:creationId xmlns:a16="http://schemas.microsoft.com/office/drawing/2014/main" id="{F7C23084-23BF-4F3E-97FD-EEB470F2270A}"/>
+              </a:ext>
+            </a:extLst>
+          </p:cNvPr>
+          <p:cNvSpPr>
+            <a:spLocks noGrp="1"/>
+          </p:cNvSpPr>
+          <p:nvPr>
+            <p:ph type="title"/>
+          </p:nvPr>
+        </p:nvSpPr>
+        <p:spPr/>
+        <p:txBody>
+          <a:bodyPr/>
+          <a:lstStyle/>
+          <a:p>
+            <a:r>
+              <a:rPr lang="en-US" altLang="zh-CN" dirty="0"/>
+              <a:t>Supervision</a:t>
+            </a:r>
+            <a:endParaRPr lang="zh-CN" altLang="en-US" dirty="0"/>
+          </a:p>
+        </p:txBody>
+      </p:sp>
+      <p:sp>
+        <p:nvSpPr>
+          <p:cNvPr id="3" name="内容占位符 2">
+            <a:extLst>
+              <a:ext uri="{FF2B5EF4-FFF2-40B4-BE49-F238E27FC236}">
+                <a16:creationId xmlns:a16="http://schemas.microsoft.com/office/drawing/2014/main" id="{8CA72CA0-FACC-44F9-A496-CFCBA739C5D0}"/>
+              </a:ext>
+            </a:extLst>
+          </p:cNvPr>
+          <p:cNvSpPr>
+            <a:spLocks noGrp="1"/>
+          </p:cNvSpPr>
+          <p:nvPr>
+            <p:ph idx="1"/>
+          </p:nvPr>
+        </p:nvSpPr>
+        <p:spPr>
+          <a:xfrm>
+            <a:off x="838200" y="1690687"/>
+            <a:ext cx="10515600" cy="4635161"/>
+          </a:xfrm>
+        </p:spPr>
+        <p:txBody>
+          <a:bodyPr>
+            <a:normAutofit/>
+          </a:bodyPr>
+          <a:lstStyle/>
+          <a:p>
+            <a:pPr marL="0" indent="0">
+              <a:buNone/>
+            </a:pPr>
+            <a:endParaRPr lang="en-US" altLang="zh-CN" dirty="0"/>
+          </a:p>
+          <a:p>
+            <a:pPr marL="0" indent="0" algn="ctr">
+              <a:buNone/>
+            </a:pPr>
+            <a:r>
+              <a:rPr lang="en-US" altLang="zh-CN" dirty="0" err="1"/>
+              <a:t>Demo:P006_Supervision</a:t>
+            </a:r>
+            <a:endParaRPr lang="en-US" altLang="zh-CN" dirty="0"/>
+          </a:p>
+        </p:txBody>
+      </p:sp>
+    </p:spTree>
+    <p:extLst>
+      <p:ext uri="{BB962C8B-B14F-4D97-AF65-F5344CB8AC3E}">
+        <p14:creationId xmlns:p14="http://schemas.microsoft.com/office/powerpoint/2010/main" val="1974284663"/>
       </p:ext>
     </p:extLst>
   </p:cSld>

--- a/ProtoActorSample/Proto.Actor.pptx
+++ b/ProtoActorSample/Proto.Actor.pptx
@@ -5,7 +5,7 @@
     <p:sldMasterId id="2147483648" r:id="rId1"/>
   </p:sldMasterIdLst>
   <p:notesMasterIdLst>
-    <p:notesMasterId r:id="rId18"/>
+    <p:notesMasterId r:id="rId20"/>
   </p:notesMasterIdLst>
   <p:sldIdLst>
     <p:sldId id="256" r:id="rId2"/>
@@ -24,6 +24,8 @@
     <p:sldId id="269" r:id="rId15"/>
     <p:sldId id="270" r:id="rId16"/>
     <p:sldId id="271" r:id="rId17"/>
+    <p:sldId id="272" r:id="rId18"/>
+    <p:sldId id="273" r:id="rId19"/>
   </p:sldIdLst>
   <p:sldSz cx="12192000" cy="6858000"/>
   <p:notesSz cx="6858000" cy="9144000"/>
@@ -212,7 +214,7 @@
           <a:p>
             <a:fld id="{C73D7CCE-FBD8-465C-8CB3-43087BE9C0BC}" type="datetimeFigureOut">
               <a:rPr lang="zh-CN" altLang="en-US" smtClean="0"/>
-              <a:t>2018/8/20</a:t>
+              <a:t>2018/8/21</a:t>
             </a:fld>
             <a:endParaRPr lang="zh-CN" altLang="en-US"/>
           </a:p>
@@ -1260,6 +1262,228 @@
 </p:notes>
 </file>
 
+<file path=ppt/notesSlides/notesSlide16.xml><?xml version="1.0" encoding="utf-8"?>
+<p:notes xmlns:a="http://schemas.openxmlformats.org/drawingml/2006/main" xmlns:r="http://schemas.openxmlformats.org/officeDocument/2006/relationships" xmlns:p="http://schemas.openxmlformats.org/presentationml/2006/main">
+  <p:cSld>
+    <p:spTree>
+      <p:nvGrpSpPr>
+        <p:cNvPr id="1" name=""/>
+        <p:cNvGrpSpPr/>
+        <p:nvPr/>
+      </p:nvGrpSpPr>
+      <p:grpSpPr>
+        <a:xfrm>
+          <a:off x="0" y="0"/>
+          <a:ext cx="0" cy="0"/>
+          <a:chOff x="0" y="0"/>
+          <a:chExt cx="0" cy="0"/>
+        </a:xfrm>
+      </p:grpSpPr>
+      <p:sp>
+        <p:nvSpPr>
+          <p:cNvPr id="2" name="幻灯片图像占位符 1"/>
+          <p:cNvSpPr>
+            <a:spLocks noGrp="1" noRot="1" noChangeAspect="1"/>
+          </p:cNvSpPr>
+          <p:nvPr>
+            <p:ph type="sldImg"/>
+          </p:nvPr>
+        </p:nvSpPr>
+        <p:spPr/>
+      </p:sp>
+      <p:sp>
+        <p:nvSpPr>
+          <p:cNvPr id="3" name="备注占位符 2"/>
+          <p:cNvSpPr>
+            <a:spLocks noGrp="1"/>
+          </p:cNvSpPr>
+          <p:nvPr>
+            <p:ph type="body" idx="1"/>
+          </p:nvPr>
+        </p:nvSpPr>
+        <p:spPr/>
+        <p:txBody>
+          <a:bodyPr/>
+          <a:lstStyle/>
+          <a:p>
+            <a:r>
+              <a:rPr lang="zh-CN" altLang="en-US" dirty="0"/>
+              <a:t>作为父级</a:t>
+            </a:r>
+            <a:r>
+              <a:rPr lang="en-US" altLang="zh-CN" dirty="0"/>
+              <a:t>Actor</a:t>
+            </a:r>
+            <a:r>
+              <a:rPr lang="zh-CN" altLang="en-US" dirty="0"/>
+              <a:t>责处理子级的失败（所谓的监督），形成责任链，一直到最高层。 当一个</a:t>
+            </a:r>
+            <a:r>
+              <a:rPr lang="en-US" altLang="zh-CN" dirty="0"/>
+              <a:t>actor</a:t>
+            </a:r>
+            <a:r>
+              <a:rPr lang="zh-CN" altLang="en-US" dirty="0"/>
+              <a:t>崩溃时，它的父级可以重启或停止它，或者将故障升级为</a:t>
+            </a:r>
+            <a:r>
+              <a:rPr lang="en-US" altLang="zh-CN" dirty="0"/>
+              <a:t>actor</a:t>
+            </a:r>
+            <a:r>
+              <a:rPr lang="zh-CN" altLang="en-US" dirty="0"/>
+              <a:t>的层次结构。 这为一个并发的分布式系统中的故障管理提供了一套干净的语义，并允许编写自我修复的高容错系统。</a:t>
+            </a:r>
+          </a:p>
+        </p:txBody>
+      </p:sp>
+      <p:sp>
+        <p:nvSpPr>
+          <p:cNvPr id="4" name="灯片编号占位符 3"/>
+          <p:cNvSpPr>
+            <a:spLocks noGrp="1"/>
+          </p:cNvSpPr>
+          <p:nvPr>
+            <p:ph type="sldNum" sz="quarter" idx="10"/>
+          </p:nvPr>
+        </p:nvSpPr>
+        <p:spPr/>
+        <p:txBody>
+          <a:bodyPr/>
+          <a:lstStyle/>
+          <a:p>
+            <a:fld id="{3C780944-94FB-46F6-8937-ABF2C17E41BC}" type="slidenum">
+              <a:rPr lang="zh-CN" altLang="en-US" smtClean="0"/>
+              <a:t>17</a:t>
+            </a:fld>
+            <a:endParaRPr lang="zh-CN" altLang="en-US"/>
+          </a:p>
+        </p:txBody>
+      </p:sp>
+    </p:spTree>
+    <p:extLst>
+      <p:ext uri="{BB962C8B-B14F-4D97-AF65-F5344CB8AC3E}">
+        <p14:creationId xmlns:p14="http://schemas.microsoft.com/office/powerpoint/2010/main" val="70855177"/>
+      </p:ext>
+    </p:extLst>
+  </p:cSld>
+  <p:clrMapOvr>
+    <a:masterClrMapping/>
+  </p:clrMapOvr>
+</p:notes>
+</file>
+
+<file path=ppt/notesSlides/notesSlide17.xml><?xml version="1.0" encoding="utf-8"?>
+<p:notes xmlns:a="http://schemas.openxmlformats.org/drawingml/2006/main" xmlns:r="http://schemas.openxmlformats.org/officeDocument/2006/relationships" xmlns:p="http://schemas.openxmlformats.org/presentationml/2006/main">
+  <p:cSld>
+    <p:spTree>
+      <p:nvGrpSpPr>
+        <p:cNvPr id="1" name=""/>
+        <p:cNvGrpSpPr/>
+        <p:nvPr/>
+      </p:nvGrpSpPr>
+      <p:grpSpPr>
+        <a:xfrm>
+          <a:off x="0" y="0"/>
+          <a:ext cx="0" cy="0"/>
+          <a:chOff x="0" y="0"/>
+          <a:chExt cx="0" cy="0"/>
+        </a:xfrm>
+      </p:grpSpPr>
+      <p:sp>
+        <p:nvSpPr>
+          <p:cNvPr id="2" name="幻灯片图像占位符 1"/>
+          <p:cNvSpPr>
+            <a:spLocks noGrp="1" noRot="1" noChangeAspect="1"/>
+          </p:cNvSpPr>
+          <p:nvPr>
+            <p:ph type="sldImg"/>
+          </p:nvPr>
+        </p:nvSpPr>
+        <p:spPr/>
+      </p:sp>
+      <p:sp>
+        <p:nvSpPr>
+          <p:cNvPr id="3" name="备注占位符 2"/>
+          <p:cNvSpPr>
+            <a:spLocks noGrp="1"/>
+          </p:cNvSpPr>
+          <p:nvPr>
+            <p:ph type="body" idx="1"/>
+          </p:nvPr>
+        </p:nvSpPr>
+        <p:spPr/>
+        <p:txBody>
+          <a:bodyPr/>
+          <a:lstStyle/>
+          <a:p>
+            <a:r>
+              <a:rPr lang="zh-CN" altLang="en-US" dirty="0"/>
+              <a:t>作为父级</a:t>
+            </a:r>
+            <a:r>
+              <a:rPr lang="en-US" altLang="zh-CN" dirty="0"/>
+              <a:t>Actor</a:t>
+            </a:r>
+            <a:r>
+              <a:rPr lang="zh-CN" altLang="en-US" dirty="0"/>
+              <a:t>责处理子级的失败（所谓的监督），形成责任链，一直到最高层。 当一个</a:t>
+            </a:r>
+            <a:r>
+              <a:rPr lang="en-US" altLang="zh-CN" dirty="0"/>
+              <a:t>actor</a:t>
+            </a:r>
+            <a:r>
+              <a:rPr lang="zh-CN" altLang="en-US" dirty="0"/>
+              <a:t>崩溃时，它的父级可以重启或停止它，或者将故障升级为</a:t>
+            </a:r>
+            <a:r>
+              <a:rPr lang="en-US" altLang="zh-CN" dirty="0"/>
+              <a:t>actor</a:t>
+            </a:r>
+            <a:r>
+              <a:rPr lang="zh-CN" altLang="en-US" dirty="0"/>
+              <a:t>的层次结构。 这为一个并发的分布式系统中的故障管理提供了一套干净的语义，并允许编写自我修复的高容错系统。</a:t>
+            </a:r>
+          </a:p>
+        </p:txBody>
+      </p:sp>
+      <p:sp>
+        <p:nvSpPr>
+          <p:cNvPr id="4" name="灯片编号占位符 3"/>
+          <p:cNvSpPr>
+            <a:spLocks noGrp="1"/>
+          </p:cNvSpPr>
+          <p:nvPr>
+            <p:ph type="sldNum" sz="quarter" idx="10"/>
+          </p:nvPr>
+        </p:nvSpPr>
+        <p:spPr/>
+        <p:txBody>
+          <a:bodyPr/>
+          <a:lstStyle/>
+          <a:p>
+            <a:fld id="{3C780944-94FB-46F6-8937-ABF2C17E41BC}" type="slidenum">
+              <a:rPr lang="zh-CN" altLang="en-US" smtClean="0"/>
+              <a:t>18</a:t>
+            </a:fld>
+            <a:endParaRPr lang="zh-CN" altLang="en-US"/>
+          </a:p>
+        </p:txBody>
+      </p:sp>
+    </p:spTree>
+    <p:extLst>
+      <p:ext uri="{BB962C8B-B14F-4D97-AF65-F5344CB8AC3E}">
+        <p14:creationId xmlns:p14="http://schemas.microsoft.com/office/powerpoint/2010/main" val="3847092067"/>
+      </p:ext>
+    </p:extLst>
+  </p:cSld>
+  <p:clrMapOvr>
+    <a:masterClrMapping/>
+  </p:clrMapOvr>
+</p:notes>
+</file>
+
 <file path=ppt/notesSlides/notesSlide2.xml><?xml version="1.0" encoding="utf-8"?>
 <p:notes xmlns:a="http://schemas.openxmlformats.org/drawingml/2006/main" xmlns:r="http://schemas.openxmlformats.org/officeDocument/2006/relationships" xmlns:p="http://schemas.openxmlformats.org/presentationml/2006/main">
   <p:cSld>
@@ -2246,7 +2470,7 @@
           <a:p>
             <a:fld id="{F8D91990-1C2A-42AB-BFBF-4E7051969EFA}" type="datetimeFigureOut">
               <a:rPr lang="zh-CN" altLang="en-US" smtClean="0"/>
-              <a:t>2018/8/20</a:t>
+              <a:t>2018/8/21</a:t>
             </a:fld>
             <a:endParaRPr lang="zh-CN" altLang="en-US"/>
           </a:p>
@@ -2444,7 +2668,7 @@
           <a:p>
             <a:fld id="{F8D91990-1C2A-42AB-BFBF-4E7051969EFA}" type="datetimeFigureOut">
               <a:rPr lang="zh-CN" altLang="en-US" smtClean="0"/>
-              <a:t>2018/8/20</a:t>
+              <a:t>2018/8/21</a:t>
             </a:fld>
             <a:endParaRPr lang="zh-CN" altLang="en-US"/>
           </a:p>
@@ -2652,7 +2876,7 @@
           <a:p>
             <a:fld id="{F8D91990-1C2A-42AB-BFBF-4E7051969EFA}" type="datetimeFigureOut">
               <a:rPr lang="zh-CN" altLang="en-US" smtClean="0"/>
-              <a:t>2018/8/20</a:t>
+              <a:t>2018/8/21</a:t>
             </a:fld>
             <a:endParaRPr lang="zh-CN" altLang="en-US"/>
           </a:p>
@@ -2850,7 +3074,7 @@
           <a:p>
             <a:fld id="{F8D91990-1C2A-42AB-BFBF-4E7051969EFA}" type="datetimeFigureOut">
               <a:rPr lang="zh-CN" altLang="en-US" smtClean="0"/>
-              <a:t>2018/8/20</a:t>
+              <a:t>2018/8/21</a:t>
             </a:fld>
             <a:endParaRPr lang="zh-CN" altLang="en-US"/>
           </a:p>
@@ -3125,7 +3349,7 @@
           <a:p>
             <a:fld id="{F8D91990-1C2A-42AB-BFBF-4E7051969EFA}" type="datetimeFigureOut">
               <a:rPr lang="zh-CN" altLang="en-US" smtClean="0"/>
-              <a:t>2018/8/20</a:t>
+              <a:t>2018/8/21</a:t>
             </a:fld>
             <a:endParaRPr lang="zh-CN" altLang="en-US"/>
           </a:p>
@@ -3390,7 +3614,7 @@
           <a:p>
             <a:fld id="{F8D91990-1C2A-42AB-BFBF-4E7051969EFA}" type="datetimeFigureOut">
               <a:rPr lang="zh-CN" altLang="en-US" smtClean="0"/>
-              <a:t>2018/8/20</a:t>
+              <a:t>2018/8/21</a:t>
             </a:fld>
             <a:endParaRPr lang="zh-CN" altLang="en-US"/>
           </a:p>
@@ -3802,7 +4026,7 @@
           <a:p>
             <a:fld id="{F8D91990-1C2A-42AB-BFBF-4E7051969EFA}" type="datetimeFigureOut">
               <a:rPr lang="zh-CN" altLang="en-US" smtClean="0"/>
-              <a:t>2018/8/20</a:t>
+              <a:t>2018/8/21</a:t>
             </a:fld>
             <a:endParaRPr lang="zh-CN" altLang="en-US"/>
           </a:p>
@@ -3943,7 +4167,7 @@
           <a:p>
             <a:fld id="{F8D91990-1C2A-42AB-BFBF-4E7051969EFA}" type="datetimeFigureOut">
               <a:rPr lang="zh-CN" altLang="en-US" smtClean="0"/>
-              <a:t>2018/8/20</a:t>
+              <a:t>2018/8/21</a:t>
             </a:fld>
             <a:endParaRPr lang="zh-CN" altLang="en-US"/>
           </a:p>
@@ -4056,7 +4280,7 @@
           <a:p>
             <a:fld id="{F8D91990-1C2A-42AB-BFBF-4E7051969EFA}" type="datetimeFigureOut">
               <a:rPr lang="zh-CN" altLang="en-US" smtClean="0"/>
-              <a:t>2018/8/20</a:t>
+              <a:t>2018/8/21</a:t>
             </a:fld>
             <a:endParaRPr lang="zh-CN" altLang="en-US"/>
           </a:p>
@@ -4367,7 +4591,7 @@
           <a:p>
             <a:fld id="{F8D91990-1C2A-42AB-BFBF-4E7051969EFA}" type="datetimeFigureOut">
               <a:rPr lang="zh-CN" altLang="en-US" smtClean="0"/>
-              <a:t>2018/8/20</a:t>
+              <a:t>2018/8/21</a:t>
             </a:fld>
             <a:endParaRPr lang="zh-CN" altLang="en-US"/>
           </a:p>
@@ -4655,7 +4879,7 @@
           <a:p>
             <a:fld id="{F8D91990-1C2A-42AB-BFBF-4E7051969EFA}" type="datetimeFigureOut">
               <a:rPr lang="zh-CN" altLang="en-US" smtClean="0"/>
-              <a:t>2018/8/20</a:t>
+              <a:t>2018/8/21</a:t>
             </a:fld>
             <a:endParaRPr lang="zh-CN" altLang="en-US"/>
           </a:p>
@@ -4896,7 +5120,7 @@
           <a:p>
             <a:fld id="{F8D91990-1C2A-42AB-BFBF-4E7051969EFA}" type="datetimeFigureOut">
               <a:rPr lang="zh-CN" altLang="en-US" smtClean="0"/>
-              <a:t>2018/8/20</a:t>
+              <a:t>2018/8/21</a:t>
             </a:fld>
             <a:endParaRPr lang="zh-CN" altLang="en-US"/>
           </a:p>
@@ -6788,6 +7012,482 @@
     <p:extLst>
       <p:ext uri="{BB962C8B-B14F-4D97-AF65-F5344CB8AC3E}">
         <p14:creationId xmlns:p14="http://schemas.microsoft.com/office/powerpoint/2010/main" val="1974284663"/>
+      </p:ext>
+    </p:extLst>
+  </p:cSld>
+  <p:clrMapOvr>
+    <a:masterClrMapping/>
+  </p:clrMapOvr>
+</p:sld>
+</file>
+
+<file path=ppt/slides/slide17.xml><?xml version="1.0" encoding="utf-8"?>
+<p:sld xmlns:a="http://schemas.openxmlformats.org/drawingml/2006/main" xmlns:r="http://schemas.openxmlformats.org/officeDocument/2006/relationships" xmlns:p="http://schemas.openxmlformats.org/presentationml/2006/main">
+  <p:cSld>
+    <p:spTree>
+      <p:nvGrpSpPr>
+        <p:cNvPr id="1" name=""/>
+        <p:cNvGrpSpPr/>
+        <p:nvPr/>
+      </p:nvGrpSpPr>
+      <p:grpSpPr>
+        <a:xfrm>
+          <a:off x="0" y="0"/>
+          <a:ext cx="0" cy="0"/>
+          <a:chOff x="0" y="0"/>
+          <a:chExt cx="0" cy="0"/>
+        </a:xfrm>
+      </p:grpSpPr>
+      <p:sp>
+        <p:nvSpPr>
+          <p:cNvPr id="2" name="标题 1">
+            <a:extLst>
+              <a:ext uri="{FF2B5EF4-FFF2-40B4-BE49-F238E27FC236}">
+                <a16:creationId xmlns:a16="http://schemas.microsoft.com/office/drawing/2014/main" id="{F7C23084-23BF-4F3E-97FD-EEB470F2270A}"/>
+              </a:ext>
+            </a:extLst>
+          </p:cNvPr>
+          <p:cNvSpPr>
+            <a:spLocks noGrp="1"/>
+          </p:cNvSpPr>
+          <p:nvPr>
+            <p:ph type="title"/>
+          </p:nvPr>
+        </p:nvSpPr>
+        <p:spPr/>
+        <p:txBody>
+          <a:bodyPr/>
+          <a:lstStyle/>
+          <a:p>
+            <a:r>
+              <a:rPr lang="en-US" altLang="zh-CN" dirty="0"/>
+              <a:t>Behavior</a:t>
+            </a:r>
+            <a:endParaRPr lang="zh-CN" altLang="en-US" dirty="0"/>
+          </a:p>
+        </p:txBody>
+      </p:sp>
+      <p:sp>
+        <p:nvSpPr>
+          <p:cNvPr id="3" name="内容占位符 2">
+            <a:extLst>
+              <a:ext uri="{FF2B5EF4-FFF2-40B4-BE49-F238E27FC236}">
+                <a16:creationId xmlns:a16="http://schemas.microsoft.com/office/drawing/2014/main" id="{8CA72CA0-FACC-44F9-A496-CFCBA739C5D0}"/>
+              </a:ext>
+            </a:extLst>
+          </p:cNvPr>
+          <p:cNvSpPr>
+            <a:spLocks noGrp="1"/>
+          </p:cNvSpPr>
+          <p:nvPr>
+            <p:ph idx="1"/>
+          </p:nvPr>
+        </p:nvSpPr>
+        <p:spPr>
+          <a:xfrm>
+            <a:off x="838200" y="1690687"/>
+            <a:ext cx="10515600" cy="4635161"/>
+          </a:xfrm>
+        </p:spPr>
+        <p:txBody>
+          <a:bodyPr>
+            <a:normAutofit/>
+          </a:bodyPr>
+          <a:lstStyle/>
+          <a:p>
+            <a:pPr marL="0" indent="0">
+              <a:buNone/>
+            </a:pPr>
+            <a:r>
+              <a:rPr lang="en-US" altLang="zh-CN" dirty="0"/>
+              <a:t>Actor</a:t>
+            </a:r>
+            <a:r>
+              <a:rPr lang="zh-CN" altLang="en-US" dirty="0"/>
+              <a:t>可以随时改变他们的行为，通过</a:t>
+            </a:r>
+            <a:r>
+              <a:rPr lang="en-US" altLang="zh-CN" dirty="0" err="1"/>
+              <a:t>Proto.Actor</a:t>
+            </a:r>
+            <a:r>
+              <a:rPr lang="zh-CN" altLang="en-US" dirty="0"/>
+              <a:t>提供的</a:t>
+            </a:r>
+            <a:r>
+              <a:rPr lang="en-US" altLang="zh-CN" dirty="0"/>
+              <a:t>Behavior</a:t>
+            </a:r>
+            <a:r>
+              <a:rPr lang="zh-CN" altLang="en-US" dirty="0"/>
+              <a:t>类来实现。</a:t>
+            </a:r>
+            <a:endParaRPr lang="en-US" altLang="zh-CN" dirty="0"/>
+          </a:p>
+          <a:p>
+            <a:pPr marL="0" indent="0">
+              <a:lnSpc>
+                <a:spcPts val="800"/>
+              </a:lnSpc>
+              <a:buNone/>
+            </a:pPr>
+            <a:endParaRPr lang="en-US" altLang="zh-CN" sz="1300" b="1" dirty="0"/>
+          </a:p>
+          <a:p>
+            <a:pPr marL="0" indent="0">
+              <a:lnSpc>
+                <a:spcPts val="800"/>
+              </a:lnSpc>
+              <a:buNone/>
+            </a:pPr>
+            <a:r>
+              <a:rPr lang="en-US" altLang="zh-CN" sz="1300" b="1" dirty="0"/>
+              <a:t>public</a:t>
+            </a:r>
+            <a:r>
+              <a:rPr lang="en-US" altLang="zh-CN" sz="1300" dirty="0"/>
+              <a:t> </a:t>
+            </a:r>
+            <a:r>
+              <a:rPr lang="en-US" altLang="zh-CN" sz="1300" b="1" dirty="0"/>
+              <a:t>class</a:t>
+            </a:r>
+            <a:r>
+              <a:rPr lang="en-US" altLang="zh-CN" sz="1300" dirty="0"/>
+              <a:t> </a:t>
+            </a:r>
+            <a:r>
+              <a:rPr lang="en-US" altLang="zh-CN" sz="1300" b="1" dirty="0" err="1"/>
+              <a:t>LightBulb</a:t>
+            </a:r>
+            <a:r>
+              <a:rPr lang="en-US" altLang="zh-CN" sz="1300" dirty="0"/>
+              <a:t> : </a:t>
+            </a:r>
+            <a:r>
+              <a:rPr lang="en-US" altLang="zh-CN" sz="1300" b="1" dirty="0" err="1"/>
+              <a:t>Iactor</a:t>
+            </a:r>
+            <a:endParaRPr lang="en-US" altLang="zh-CN" sz="1300" b="1" dirty="0"/>
+          </a:p>
+          <a:p>
+            <a:pPr marL="0" indent="0">
+              <a:lnSpc>
+                <a:spcPts val="800"/>
+              </a:lnSpc>
+              <a:buNone/>
+            </a:pPr>
+            <a:r>
+              <a:rPr lang="en-US" altLang="zh-CN" sz="1300" dirty="0"/>
+              <a:t>{ </a:t>
+            </a:r>
+          </a:p>
+          <a:p>
+            <a:pPr marL="0" indent="0">
+              <a:lnSpc>
+                <a:spcPts val="800"/>
+              </a:lnSpc>
+              <a:buNone/>
+            </a:pPr>
+            <a:r>
+              <a:rPr lang="en-US" altLang="zh-CN" sz="1300" b="1" dirty="0"/>
+              <a:t>        private</a:t>
+            </a:r>
+            <a:r>
+              <a:rPr lang="en-US" altLang="zh-CN" sz="1300" dirty="0"/>
+              <a:t> </a:t>
+            </a:r>
+            <a:r>
+              <a:rPr lang="en-US" altLang="zh-CN" sz="1300" b="1" dirty="0" err="1"/>
+              <a:t>readonly</a:t>
+            </a:r>
+            <a:r>
+              <a:rPr lang="en-US" altLang="zh-CN" sz="1300" dirty="0"/>
+              <a:t> Behavior _behavior; </a:t>
+            </a:r>
+          </a:p>
+          <a:p>
+            <a:pPr marL="0" indent="0">
+              <a:lnSpc>
+                <a:spcPts val="800"/>
+              </a:lnSpc>
+              <a:buNone/>
+            </a:pPr>
+            <a:r>
+              <a:rPr lang="en-US" altLang="zh-CN" sz="1300" b="1" dirty="0"/>
+              <a:t>        public</a:t>
+            </a:r>
+            <a:r>
+              <a:rPr lang="en-US" altLang="zh-CN" sz="1300" dirty="0"/>
+              <a:t> </a:t>
+            </a:r>
+            <a:r>
+              <a:rPr lang="en-US" altLang="zh-CN" sz="1300" b="1" dirty="0" err="1"/>
+              <a:t>LightBulb</a:t>
+            </a:r>
+            <a:r>
+              <a:rPr lang="en-US" altLang="zh-CN" sz="1300" dirty="0"/>
+              <a:t>() </a:t>
+            </a:r>
+          </a:p>
+          <a:p>
+            <a:pPr marL="0" indent="0">
+              <a:lnSpc>
+                <a:spcPts val="800"/>
+              </a:lnSpc>
+              <a:buNone/>
+            </a:pPr>
+            <a:r>
+              <a:rPr lang="en-US" altLang="zh-CN" sz="1300" dirty="0"/>
+              <a:t>        { </a:t>
+            </a:r>
+          </a:p>
+          <a:p>
+            <a:pPr marL="0" indent="0">
+              <a:lnSpc>
+                <a:spcPts val="800"/>
+              </a:lnSpc>
+              <a:buNone/>
+            </a:pPr>
+            <a:r>
+              <a:rPr lang="en-US" altLang="zh-CN" sz="1300" dirty="0"/>
+              <a:t>                _behavior = </a:t>
+            </a:r>
+            <a:r>
+              <a:rPr lang="en-US" altLang="zh-CN" sz="1300" b="1" dirty="0"/>
+              <a:t>new</a:t>
+            </a:r>
+            <a:r>
+              <a:rPr lang="en-US" altLang="zh-CN" sz="1300" dirty="0"/>
+              <a:t> Behavior(); </a:t>
+            </a:r>
+          </a:p>
+          <a:p>
+            <a:pPr marL="0" indent="0">
+              <a:lnSpc>
+                <a:spcPts val="800"/>
+              </a:lnSpc>
+              <a:buNone/>
+            </a:pPr>
+            <a:r>
+              <a:rPr lang="en-US" altLang="zh-CN" sz="1300" dirty="0"/>
+              <a:t>                 _</a:t>
+            </a:r>
+            <a:r>
+              <a:rPr lang="en-US" altLang="zh-CN" sz="1300" dirty="0" err="1"/>
+              <a:t>behavior.Become</a:t>
+            </a:r>
+            <a:r>
+              <a:rPr lang="en-US" altLang="zh-CN" sz="1300" dirty="0"/>
+              <a:t>(Off) </a:t>
+            </a:r>
+          </a:p>
+          <a:p>
+            <a:pPr marL="0" indent="0">
+              <a:lnSpc>
+                <a:spcPts val="800"/>
+              </a:lnSpc>
+              <a:buNone/>
+            </a:pPr>
+            <a:r>
+              <a:rPr lang="en-US" altLang="zh-CN" sz="1300" dirty="0"/>
+              <a:t>        } </a:t>
+            </a:r>
+          </a:p>
+          <a:p>
+            <a:pPr marL="0" indent="0">
+              <a:lnSpc>
+                <a:spcPts val="800"/>
+              </a:lnSpc>
+              <a:buNone/>
+            </a:pPr>
+            <a:r>
+              <a:rPr lang="en-US" altLang="zh-CN" sz="1300" dirty="0"/>
+              <a:t>}</a:t>
+            </a:r>
+          </a:p>
+          <a:p>
+            <a:pPr marL="0" indent="0">
+              <a:buNone/>
+            </a:pPr>
+            <a:r>
+              <a:rPr lang="en-US" altLang="zh-CN" sz="1900" dirty="0"/>
+              <a:t>Behavior</a:t>
+            </a:r>
+            <a:r>
+              <a:rPr lang="zh-CN" altLang="en-US" sz="1900" dirty="0"/>
+              <a:t>提供了三个方法可以改变方法：</a:t>
+            </a:r>
+            <a:endParaRPr lang="en-US" altLang="zh-CN" sz="1900" dirty="0"/>
+          </a:p>
+          <a:p>
+            <a:pPr marL="457200" lvl="1" indent="0">
+              <a:buNone/>
+            </a:pPr>
+            <a:r>
+              <a:rPr lang="en-US" altLang="zh-CN" sz="1500" dirty="0"/>
+              <a:t>Become:</a:t>
+            </a:r>
+            <a:r>
+              <a:rPr lang="zh-CN" altLang="en-US" sz="1500" dirty="0"/>
+              <a:t>只需参数方法设置为当前方法，替换默认方法</a:t>
+            </a:r>
+            <a:endParaRPr lang="en-US" altLang="zh-CN" sz="1500" dirty="0"/>
+          </a:p>
+          <a:p>
+            <a:pPr marL="457200" lvl="1" indent="0">
+              <a:buNone/>
+            </a:pPr>
+            <a:r>
+              <a:rPr lang="en-US" altLang="zh-CN" sz="1500" dirty="0" err="1"/>
+              <a:t>BecomeStacked</a:t>
+            </a:r>
+            <a:r>
+              <a:rPr lang="en-US" altLang="zh-CN" sz="1500" dirty="0"/>
+              <a:t>:</a:t>
+            </a:r>
+            <a:r>
+              <a:rPr lang="zh-CN" altLang="en-US" sz="1500" dirty="0"/>
+              <a:t>将参数方法推送到行为栈，但保留以前的方法</a:t>
+            </a:r>
+            <a:endParaRPr lang="en-US" altLang="zh-CN" sz="1500" dirty="0"/>
+          </a:p>
+          <a:p>
+            <a:pPr marL="457200" lvl="1" indent="0">
+              <a:buNone/>
+            </a:pPr>
+            <a:r>
+              <a:rPr lang="en-US" altLang="zh-CN" sz="1500" dirty="0" err="1"/>
+              <a:t>UnbecomeStacked</a:t>
+            </a:r>
+            <a:r>
+              <a:rPr lang="en-US" altLang="zh-CN" sz="1500" dirty="0"/>
+              <a:t>:</a:t>
+            </a:r>
+            <a:r>
+              <a:rPr lang="zh-CN" altLang="en-US" sz="1500" dirty="0"/>
+              <a:t>恢复到以前使用的方法</a:t>
+            </a:r>
+            <a:endParaRPr lang="en-US" altLang="zh-CN" sz="1300" dirty="0"/>
+          </a:p>
+        </p:txBody>
+      </p:sp>
+    </p:spTree>
+    <p:extLst>
+      <p:ext uri="{BB962C8B-B14F-4D97-AF65-F5344CB8AC3E}">
+        <p14:creationId xmlns:p14="http://schemas.microsoft.com/office/powerpoint/2010/main" val="3278588073"/>
+      </p:ext>
+    </p:extLst>
+  </p:cSld>
+  <p:clrMapOvr>
+    <a:masterClrMapping/>
+  </p:clrMapOvr>
+</p:sld>
+</file>
+
+<file path=ppt/slides/slide18.xml><?xml version="1.0" encoding="utf-8"?>
+<p:sld xmlns:a="http://schemas.openxmlformats.org/drawingml/2006/main" xmlns:r="http://schemas.openxmlformats.org/officeDocument/2006/relationships" xmlns:p="http://schemas.openxmlformats.org/presentationml/2006/main">
+  <p:cSld>
+    <p:spTree>
+      <p:nvGrpSpPr>
+        <p:cNvPr id="1" name=""/>
+        <p:cNvGrpSpPr/>
+        <p:nvPr/>
+      </p:nvGrpSpPr>
+      <p:grpSpPr>
+        <a:xfrm>
+          <a:off x="0" y="0"/>
+          <a:ext cx="0" cy="0"/>
+          <a:chOff x="0" y="0"/>
+          <a:chExt cx="0" cy="0"/>
+        </a:xfrm>
+      </p:grpSpPr>
+      <p:sp>
+        <p:nvSpPr>
+          <p:cNvPr id="2" name="标题 1">
+            <a:extLst>
+              <a:ext uri="{FF2B5EF4-FFF2-40B4-BE49-F238E27FC236}">
+                <a16:creationId xmlns:a16="http://schemas.microsoft.com/office/drawing/2014/main" id="{F7C23084-23BF-4F3E-97FD-EEB470F2270A}"/>
+              </a:ext>
+            </a:extLst>
+          </p:cNvPr>
+          <p:cNvSpPr>
+            <a:spLocks noGrp="1"/>
+          </p:cNvSpPr>
+          <p:nvPr>
+            <p:ph type="title"/>
+          </p:nvPr>
+        </p:nvSpPr>
+        <p:spPr/>
+        <p:txBody>
+          <a:bodyPr/>
+          <a:lstStyle/>
+          <a:p>
+            <a:r>
+              <a:rPr lang="en-US" altLang="zh-CN" dirty="0"/>
+              <a:t>Behavior</a:t>
+            </a:r>
+            <a:endParaRPr lang="zh-CN" altLang="en-US" dirty="0"/>
+          </a:p>
+        </p:txBody>
+      </p:sp>
+      <p:sp>
+        <p:nvSpPr>
+          <p:cNvPr id="3" name="内容占位符 2">
+            <a:extLst>
+              <a:ext uri="{FF2B5EF4-FFF2-40B4-BE49-F238E27FC236}">
+                <a16:creationId xmlns:a16="http://schemas.microsoft.com/office/drawing/2014/main" id="{8CA72CA0-FACC-44F9-A496-CFCBA739C5D0}"/>
+              </a:ext>
+            </a:extLst>
+          </p:cNvPr>
+          <p:cNvSpPr>
+            <a:spLocks noGrp="1"/>
+          </p:cNvSpPr>
+          <p:nvPr>
+            <p:ph idx="1"/>
+          </p:nvPr>
+        </p:nvSpPr>
+        <p:spPr>
+          <a:xfrm>
+            <a:off x="838200" y="1690687"/>
+            <a:ext cx="10515600" cy="4635161"/>
+          </a:xfrm>
+        </p:spPr>
+        <p:txBody>
+          <a:bodyPr>
+            <a:normAutofit/>
+          </a:bodyPr>
+          <a:lstStyle/>
+          <a:p>
+            <a:pPr marL="0" indent="0">
+              <a:buNone/>
+            </a:pPr>
+            <a:endParaRPr lang="en-US" altLang="zh-CN" dirty="0"/>
+          </a:p>
+          <a:p>
+            <a:pPr marL="0" indent="0" algn="ctr">
+              <a:buNone/>
+            </a:pPr>
+            <a:r>
+              <a:rPr lang="en-US" altLang="zh-CN" dirty="0" err="1"/>
+              <a:t>Demo:</a:t>
+            </a:r>
+            <a:r>
+              <a:rPr lang="en-US" altLang="zh-CN" err="1"/>
+              <a:t>P007</a:t>
+            </a:r>
+            <a:r>
+              <a:rPr lang="en-US" altLang="zh-CN"/>
+              <a:t>_Behavior</a:t>
+            </a:r>
+            <a:endParaRPr lang="en-US" altLang="zh-CN" dirty="0"/>
+          </a:p>
+        </p:txBody>
+      </p:sp>
+    </p:spTree>
+    <p:extLst>
+      <p:ext uri="{BB962C8B-B14F-4D97-AF65-F5344CB8AC3E}">
+        <p14:creationId xmlns:p14="http://schemas.microsoft.com/office/powerpoint/2010/main" val="3638969473"/>
       </p:ext>
     </p:extLst>
   </p:cSld>

--- a/ProtoActorSample/Proto.Actor.pptx
+++ b/ProtoActorSample/Proto.Actor.pptx
@@ -5,7 +5,7 @@
     <p:sldMasterId id="2147483648" r:id="rId1"/>
   </p:sldMasterIdLst>
   <p:notesMasterIdLst>
-    <p:notesMasterId r:id="rId20"/>
+    <p:notesMasterId r:id="rId27"/>
   </p:notesMasterIdLst>
   <p:sldIdLst>
     <p:sldId id="256" r:id="rId2"/>
@@ -26,6 +26,13 @@
     <p:sldId id="271" r:id="rId17"/>
     <p:sldId id="272" r:id="rId18"/>
     <p:sldId id="273" r:id="rId19"/>
+    <p:sldId id="274" r:id="rId20"/>
+    <p:sldId id="276" r:id="rId21"/>
+    <p:sldId id="277" r:id="rId22"/>
+    <p:sldId id="278" r:id="rId23"/>
+    <p:sldId id="279" r:id="rId24"/>
+    <p:sldId id="275" r:id="rId25"/>
+    <p:sldId id="280" r:id="rId26"/>
   </p:sldIdLst>
   <p:sldSz cx="12192000" cy="6858000"/>
   <p:notesSz cx="6858000" cy="9144000"/>
@@ -214,7 +221,7 @@
           <a:p>
             <a:fld id="{C73D7CCE-FBD8-465C-8CB3-43087BE9C0BC}" type="datetimeFigureOut">
               <a:rPr lang="zh-CN" altLang="en-US" smtClean="0"/>
-              <a:t>2018/8/21</a:t>
+              <a:t>2018/8/26</a:t>
             </a:fld>
             <a:endParaRPr lang="zh-CN" altLang="en-US"/>
           </a:p>
@@ -640,34 +647,7 @@
           <a:bodyPr/>
           <a:lstStyle/>
           <a:p>
-            <a:r>
-              <a:rPr lang="zh-CN" altLang="en-US" dirty="0"/>
-              <a:t>作为父级</a:t>
-            </a:r>
-            <a:r>
-              <a:rPr lang="en-US" altLang="zh-CN" dirty="0"/>
-              <a:t>Actor</a:t>
-            </a:r>
-            <a:r>
-              <a:rPr lang="zh-CN" altLang="en-US" dirty="0"/>
-              <a:t>责处理子级的失败（所谓的监督），形成责任链，一直到最高层。 当一个</a:t>
-            </a:r>
-            <a:r>
-              <a:rPr lang="en-US" altLang="zh-CN" dirty="0"/>
-              <a:t>actor</a:t>
-            </a:r>
-            <a:r>
-              <a:rPr lang="zh-CN" altLang="en-US" dirty="0"/>
-              <a:t>崩溃时，它的父级可以重启或停止它，或者将故障升级为</a:t>
-            </a:r>
-            <a:r>
-              <a:rPr lang="en-US" altLang="zh-CN" dirty="0"/>
-              <a:t>actor</a:t>
-            </a:r>
-            <a:r>
-              <a:rPr lang="zh-CN" altLang="en-US" dirty="0"/>
-              <a:t>的层次结构。 这为一个并发的分布式系统中的故障管理提供了一套干净的语义，并允许编写自我修复的高容错系统。</a:t>
-            </a:r>
+            <a:endParaRPr lang="zh-CN" altLang="en-US" dirty="0"/>
           </a:p>
         </p:txBody>
       </p:sp>
@@ -751,34 +731,7 @@
           <a:bodyPr/>
           <a:lstStyle/>
           <a:p>
-            <a:r>
-              <a:rPr lang="zh-CN" altLang="en-US" dirty="0"/>
-              <a:t>作为父级</a:t>
-            </a:r>
-            <a:r>
-              <a:rPr lang="en-US" altLang="zh-CN" dirty="0"/>
-              <a:t>Actor</a:t>
-            </a:r>
-            <a:r>
-              <a:rPr lang="zh-CN" altLang="en-US" dirty="0"/>
-              <a:t>责处理子级的失败（所谓的监督），形成责任链，一直到最高层。 当一个</a:t>
-            </a:r>
-            <a:r>
-              <a:rPr lang="en-US" altLang="zh-CN" dirty="0"/>
-              <a:t>actor</a:t>
-            </a:r>
-            <a:r>
-              <a:rPr lang="zh-CN" altLang="en-US" dirty="0"/>
-              <a:t>崩溃时，它的父级可以重启或停止它，或者将故障升级为</a:t>
-            </a:r>
-            <a:r>
-              <a:rPr lang="en-US" altLang="zh-CN" dirty="0"/>
-              <a:t>actor</a:t>
-            </a:r>
-            <a:r>
-              <a:rPr lang="zh-CN" altLang="en-US" dirty="0"/>
-              <a:t>的层次结构。 这为一个并发的分布式系统中的故障管理提供了一套干净的语义，并允许编写自我修复的高容错系统。</a:t>
-            </a:r>
+            <a:endParaRPr lang="zh-CN" altLang="en-US" dirty="0"/>
           </a:p>
         </p:txBody>
       </p:sp>
@@ -862,34 +815,7 @@
           <a:bodyPr/>
           <a:lstStyle/>
           <a:p>
-            <a:r>
-              <a:rPr lang="zh-CN" altLang="en-US" dirty="0"/>
-              <a:t>作为父级</a:t>
-            </a:r>
-            <a:r>
-              <a:rPr lang="en-US" altLang="zh-CN" dirty="0"/>
-              <a:t>Actor</a:t>
-            </a:r>
-            <a:r>
-              <a:rPr lang="zh-CN" altLang="en-US" dirty="0"/>
-              <a:t>责处理子级的失败（所谓的监督），形成责任链，一直到最高层。 当一个</a:t>
-            </a:r>
-            <a:r>
-              <a:rPr lang="en-US" altLang="zh-CN" dirty="0"/>
-              <a:t>actor</a:t>
-            </a:r>
-            <a:r>
-              <a:rPr lang="zh-CN" altLang="en-US" dirty="0"/>
-              <a:t>崩溃时，它的父级可以重启或停止它，或者将故障升级为</a:t>
-            </a:r>
-            <a:r>
-              <a:rPr lang="en-US" altLang="zh-CN" dirty="0"/>
-              <a:t>actor</a:t>
-            </a:r>
-            <a:r>
-              <a:rPr lang="zh-CN" altLang="en-US" dirty="0"/>
-              <a:t>的层次结构。 这为一个并发的分布式系统中的故障管理提供了一套干净的语义，并允许编写自我修复的高容错系统。</a:t>
-            </a:r>
+            <a:endParaRPr lang="zh-CN" altLang="en-US" dirty="0"/>
           </a:p>
         </p:txBody>
       </p:sp>
@@ -973,34 +899,7 @@
           <a:bodyPr/>
           <a:lstStyle/>
           <a:p>
-            <a:r>
-              <a:rPr lang="zh-CN" altLang="en-US" dirty="0"/>
-              <a:t>作为父级</a:t>
-            </a:r>
-            <a:r>
-              <a:rPr lang="en-US" altLang="zh-CN" dirty="0"/>
-              <a:t>Actor</a:t>
-            </a:r>
-            <a:r>
-              <a:rPr lang="zh-CN" altLang="en-US" dirty="0"/>
-              <a:t>责处理子级的失败（所谓的监督），形成责任链，一直到最高层。 当一个</a:t>
-            </a:r>
-            <a:r>
-              <a:rPr lang="en-US" altLang="zh-CN" dirty="0"/>
-              <a:t>actor</a:t>
-            </a:r>
-            <a:r>
-              <a:rPr lang="zh-CN" altLang="en-US" dirty="0"/>
-              <a:t>崩溃时，它的父级可以重启或停止它，或者将故障升级为</a:t>
-            </a:r>
-            <a:r>
-              <a:rPr lang="en-US" altLang="zh-CN" dirty="0"/>
-              <a:t>actor</a:t>
-            </a:r>
-            <a:r>
-              <a:rPr lang="zh-CN" altLang="en-US" dirty="0"/>
-              <a:t>的层次结构。 这为一个并发的分布式系统中的故障管理提供了一套干净的语义，并允许编写自我修复的高容错系统。</a:t>
-            </a:r>
+            <a:endParaRPr lang="zh-CN" altLang="en-US" dirty="0"/>
           </a:p>
         </p:txBody>
       </p:sp>
@@ -1195,34 +1094,7 @@
           <a:bodyPr/>
           <a:lstStyle/>
           <a:p>
-            <a:r>
-              <a:rPr lang="zh-CN" altLang="en-US" dirty="0"/>
-              <a:t>作为父级</a:t>
-            </a:r>
-            <a:r>
-              <a:rPr lang="en-US" altLang="zh-CN" dirty="0"/>
-              <a:t>Actor</a:t>
-            </a:r>
-            <a:r>
-              <a:rPr lang="zh-CN" altLang="en-US" dirty="0"/>
-              <a:t>责处理子级的失败（所谓的监督），形成责任链，一直到最高层。 当一个</a:t>
-            </a:r>
-            <a:r>
-              <a:rPr lang="en-US" altLang="zh-CN" dirty="0"/>
-              <a:t>actor</a:t>
-            </a:r>
-            <a:r>
-              <a:rPr lang="zh-CN" altLang="en-US" dirty="0"/>
-              <a:t>崩溃时，它的父级可以重启或停止它，或者将故障升级为</a:t>
-            </a:r>
-            <a:r>
-              <a:rPr lang="en-US" altLang="zh-CN" dirty="0"/>
-              <a:t>actor</a:t>
-            </a:r>
-            <a:r>
-              <a:rPr lang="zh-CN" altLang="en-US" dirty="0"/>
-              <a:t>的层次结构。 这为一个并发的分布式系统中的故障管理提供了一套干净的语义，并允许编写自我修复的高容错系统。</a:t>
-            </a:r>
+            <a:endParaRPr lang="zh-CN" altLang="en-US" dirty="0"/>
           </a:p>
         </p:txBody>
       </p:sp>
@@ -1306,34 +1178,7 @@
           <a:bodyPr/>
           <a:lstStyle/>
           <a:p>
-            <a:r>
-              <a:rPr lang="zh-CN" altLang="en-US" dirty="0"/>
-              <a:t>作为父级</a:t>
-            </a:r>
-            <a:r>
-              <a:rPr lang="en-US" altLang="zh-CN" dirty="0"/>
-              <a:t>Actor</a:t>
-            </a:r>
-            <a:r>
-              <a:rPr lang="zh-CN" altLang="en-US" dirty="0"/>
-              <a:t>责处理子级的失败（所谓的监督），形成责任链，一直到最高层。 当一个</a:t>
-            </a:r>
-            <a:r>
-              <a:rPr lang="en-US" altLang="zh-CN" dirty="0"/>
-              <a:t>actor</a:t>
-            </a:r>
-            <a:r>
-              <a:rPr lang="zh-CN" altLang="en-US" dirty="0"/>
-              <a:t>崩溃时，它的父级可以重启或停止它，或者将故障升级为</a:t>
-            </a:r>
-            <a:r>
-              <a:rPr lang="en-US" altLang="zh-CN" dirty="0"/>
-              <a:t>actor</a:t>
-            </a:r>
-            <a:r>
-              <a:rPr lang="zh-CN" altLang="en-US" dirty="0"/>
-              <a:t>的层次结构。 这为一个并发的分布式系统中的故障管理提供了一套干净的语义，并允许编写自我修复的高容错系统。</a:t>
-            </a:r>
+            <a:endParaRPr lang="zh-CN" altLang="en-US" dirty="0"/>
           </a:p>
         </p:txBody>
       </p:sp>
@@ -1417,34 +1262,7 @@
           <a:bodyPr/>
           <a:lstStyle/>
           <a:p>
-            <a:r>
-              <a:rPr lang="zh-CN" altLang="en-US" dirty="0"/>
-              <a:t>作为父级</a:t>
-            </a:r>
-            <a:r>
-              <a:rPr lang="en-US" altLang="zh-CN" dirty="0"/>
-              <a:t>Actor</a:t>
-            </a:r>
-            <a:r>
-              <a:rPr lang="zh-CN" altLang="en-US" dirty="0"/>
-              <a:t>责处理子级的失败（所谓的监督），形成责任链，一直到最高层。 当一个</a:t>
-            </a:r>
-            <a:r>
-              <a:rPr lang="en-US" altLang="zh-CN" dirty="0"/>
-              <a:t>actor</a:t>
-            </a:r>
-            <a:r>
-              <a:rPr lang="zh-CN" altLang="en-US" dirty="0"/>
-              <a:t>崩溃时，它的父级可以重启或停止它，或者将故障升级为</a:t>
-            </a:r>
-            <a:r>
-              <a:rPr lang="en-US" altLang="zh-CN" dirty="0"/>
-              <a:t>actor</a:t>
-            </a:r>
-            <a:r>
-              <a:rPr lang="zh-CN" altLang="en-US" dirty="0"/>
-              <a:t>的层次结构。 这为一个并发的分布式系统中的故障管理提供了一套干净的语义，并允许编写自我修复的高容错系统。</a:t>
-            </a:r>
+            <a:endParaRPr lang="zh-CN" altLang="en-US" dirty="0"/>
           </a:p>
         </p:txBody>
       </p:sp>
@@ -1475,6 +1293,174 @@
     <p:extLst>
       <p:ext uri="{BB962C8B-B14F-4D97-AF65-F5344CB8AC3E}">
         <p14:creationId xmlns:p14="http://schemas.microsoft.com/office/powerpoint/2010/main" val="3847092067"/>
+      </p:ext>
+    </p:extLst>
+  </p:cSld>
+  <p:clrMapOvr>
+    <a:masterClrMapping/>
+  </p:clrMapOvr>
+</p:notes>
+</file>
+
+<file path=ppt/notesSlides/notesSlide18.xml><?xml version="1.0" encoding="utf-8"?>
+<p:notes xmlns:a="http://schemas.openxmlformats.org/drawingml/2006/main" xmlns:r="http://schemas.openxmlformats.org/officeDocument/2006/relationships" xmlns:p="http://schemas.openxmlformats.org/presentationml/2006/main">
+  <p:cSld>
+    <p:spTree>
+      <p:nvGrpSpPr>
+        <p:cNvPr id="1" name=""/>
+        <p:cNvGrpSpPr/>
+        <p:nvPr/>
+      </p:nvGrpSpPr>
+      <p:grpSpPr>
+        <a:xfrm>
+          <a:off x="0" y="0"/>
+          <a:ext cx="0" cy="0"/>
+          <a:chOff x="0" y="0"/>
+          <a:chExt cx="0" cy="0"/>
+        </a:xfrm>
+      </p:grpSpPr>
+      <p:sp>
+        <p:nvSpPr>
+          <p:cNvPr id="2" name="幻灯片图像占位符 1"/>
+          <p:cNvSpPr>
+            <a:spLocks noGrp="1" noRot="1" noChangeAspect="1"/>
+          </p:cNvSpPr>
+          <p:nvPr>
+            <p:ph type="sldImg"/>
+          </p:nvPr>
+        </p:nvSpPr>
+        <p:spPr/>
+      </p:sp>
+      <p:sp>
+        <p:nvSpPr>
+          <p:cNvPr id="3" name="备注占位符 2"/>
+          <p:cNvSpPr>
+            <a:spLocks noGrp="1"/>
+          </p:cNvSpPr>
+          <p:nvPr>
+            <p:ph type="body" idx="1"/>
+          </p:nvPr>
+        </p:nvSpPr>
+        <p:spPr/>
+        <p:txBody>
+          <a:bodyPr/>
+          <a:lstStyle/>
+          <a:p>
+            <a:endParaRPr lang="zh-CN" altLang="en-US" dirty="0"/>
+          </a:p>
+        </p:txBody>
+      </p:sp>
+      <p:sp>
+        <p:nvSpPr>
+          <p:cNvPr id="4" name="灯片编号占位符 3"/>
+          <p:cNvSpPr>
+            <a:spLocks noGrp="1"/>
+          </p:cNvSpPr>
+          <p:nvPr>
+            <p:ph type="sldNum" sz="quarter" idx="10"/>
+          </p:nvPr>
+        </p:nvSpPr>
+        <p:spPr/>
+        <p:txBody>
+          <a:bodyPr/>
+          <a:lstStyle/>
+          <a:p>
+            <a:fld id="{3C780944-94FB-46F6-8937-ABF2C17E41BC}" type="slidenum">
+              <a:rPr lang="zh-CN" altLang="en-US" smtClean="0"/>
+              <a:t>19</a:t>
+            </a:fld>
+            <a:endParaRPr lang="zh-CN" altLang="en-US"/>
+          </a:p>
+        </p:txBody>
+      </p:sp>
+    </p:spTree>
+    <p:extLst>
+      <p:ext uri="{BB962C8B-B14F-4D97-AF65-F5344CB8AC3E}">
+        <p14:creationId xmlns:p14="http://schemas.microsoft.com/office/powerpoint/2010/main" val="30695780"/>
+      </p:ext>
+    </p:extLst>
+  </p:cSld>
+  <p:clrMapOvr>
+    <a:masterClrMapping/>
+  </p:clrMapOvr>
+</p:notes>
+</file>
+
+<file path=ppt/notesSlides/notesSlide19.xml><?xml version="1.0" encoding="utf-8"?>
+<p:notes xmlns:a="http://schemas.openxmlformats.org/drawingml/2006/main" xmlns:r="http://schemas.openxmlformats.org/officeDocument/2006/relationships" xmlns:p="http://schemas.openxmlformats.org/presentationml/2006/main">
+  <p:cSld>
+    <p:spTree>
+      <p:nvGrpSpPr>
+        <p:cNvPr id="1" name=""/>
+        <p:cNvGrpSpPr/>
+        <p:nvPr/>
+      </p:nvGrpSpPr>
+      <p:grpSpPr>
+        <a:xfrm>
+          <a:off x="0" y="0"/>
+          <a:ext cx="0" cy="0"/>
+          <a:chOff x="0" y="0"/>
+          <a:chExt cx="0" cy="0"/>
+        </a:xfrm>
+      </p:grpSpPr>
+      <p:sp>
+        <p:nvSpPr>
+          <p:cNvPr id="2" name="幻灯片图像占位符 1"/>
+          <p:cNvSpPr>
+            <a:spLocks noGrp="1" noRot="1" noChangeAspect="1"/>
+          </p:cNvSpPr>
+          <p:nvPr>
+            <p:ph type="sldImg"/>
+          </p:nvPr>
+        </p:nvSpPr>
+        <p:spPr/>
+      </p:sp>
+      <p:sp>
+        <p:nvSpPr>
+          <p:cNvPr id="3" name="备注占位符 2"/>
+          <p:cNvSpPr>
+            <a:spLocks noGrp="1"/>
+          </p:cNvSpPr>
+          <p:nvPr>
+            <p:ph type="body" idx="1"/>
+          </p:nvPr>
+        </p:nvSpPr>
+        <p:spPr/>
+        <p:txBody>
+          <a:bodyPr/>
+          <a:lstStyle/>
+          <a:p>
+            <a:endParaRPr lang="zh-CN" altLang="en-US" dirty="0"/>
+          </a:p>
+        </p:txBody>
+      </p:sp>
+      <p:sp>
+        <p:nvSpPr>
+          <p:cNvPr id="4" name="灯片编号占位符 3"/>
+          <p:cNvSpPr>
+            <a:spLocks noGrp="1"/>
+          </p:cNvSpPr>
+          <p:nvPr>
+            <p:ph type="sldNum" sz="quarter" idx="10"/>
+          </p:nvPr>
+        </p:nvSpPr>
+        <p:spPr/>
+        <p:txBody>
+          <a:bodyPr/>
+          <a:lstStyle/>
+          <a:p>
+            <a:fld id="{3C780944-94FB-46F6-8937-ABF2C17E41BC}" type="slidenum">
+              <a:rPr lang="zh-CN" altLang="en-US" smtClean="0"/>
+              <a:t>20</a:t>
+            </a:fld>
+            <a:endParaRPr lang="zh-CN" altLang="en-US"/>
+          </a:p>
+        </p:txBody>
+      </p:sp>
+    </p:spTree>
+    <p:extLst>
+      <p:ext uri="{BB962C8B-B14F-4D97-AF65-F5344CB8AC3E}">
+        <p14:creationId xmlns:p14="http://schemas.microsoft.com/office/powerpoint/2010/main" val="2504483156"/>
       </p:ext>
     </p:extLst>
   </p:cSld>
@@ -1562,6 +1548,426 @@
     <p:extLst>
       <p:ext uri="{BB962C8B-B14F-4D97-AF65-F5344CB8AC3E}">
         <p14:creationId xmlns:p14="http://schemas.microsoft.com/office/powerpoint/2010/main" val="685026506"/>
+      </p:ext>
+    </p:extLst>
+  </p:cSld>
+  <p:clrMapOvr>
+    <a:masterClrMapping/>
+  </p:clrMapOvr>
+</p:notes>
+</file>
+
+<file path=ppt/notesSlides/notesSlide20.xml><?xml version="1.0" encoding="utf-8"?>
+<p:notes xmlns:a="http://schemas.openxmlformats.org/drawingml/2006/main" xmlns:r="http://schemas.openxmlformats.org/officeDocument/2006/relationships" xmlns:p="http://schemas.openxmlformats.org/presentationml/2006/main">
+  <p:cSld>
+    <p:spTree>
+      <p:nvGrpSpPr>
+        <p:cNvPr id="1" name=""/>
+        <p:cNvGrpSpPr/>
+        <p:nvPr/>
+      </p:nvGrpSpPr>
+      <p:grpSpPr>
+        <a:xfrm>
+          <a:off x="0" y="0"/>
+          <a:ext cx="0" cy="0"/>
+          <a:chOff x="0" y="0"/>
+          <a:chExt cx="0" cy="0"/>
+        </a:xfrm>
+      </p:grpSpPr>
+      <p:sp>
+        <p:nvSpPr>
+          <p:cNvPr id="2" name="幻灯片图像占位符 1"/>
+          <p:cNvSpPr>
+            <a:spLocks noGrp="1" noRot="1" noChangeAspect="1"/>
+          </p:cNvSpPr>
+          <p:nvPr>
+            <p:ph type="sldImg"/>
+          </p:nvPr>
+        </p:nvSpPr>
+        <p:spPr/>
+      </p:sp>
+      <p:sp>
+        <p:nvSpPr>
+          <p:cNvPr id="3" name="备注占位符 2"/>
+          <p:cNvSpPr>
+            <a:spLocks noGrp="1"/>
+          </p:cNvSpPr>
+          <p:nvPr>
+            <p:ph type="body" idx="1"/>
+          </p:nvPr>
+        </p:nvSpPr>
+        <p:spPr/>
+        <p:txBody>
+          <a:bodyPr/>
+          <a:lstStyle/>
+          <a:p>
+            <a:endParaRPr lang="zh-CN" altLang="en-US" dirty="0"/>
+          </a:p>
+        </p:txBody>
+      </p:sp>
+      <p:sp>
+        <p:nvSpPr>
+          <p:cNvPr id="4" name="灯片编号占位符 3"/>
+          <p:cNvSpPr>
+            <a:spLocks noGrp="1"/>
+          </p:cNvSpPr>
+          <p:nvPr>
+            <p:ph type="sldNum" sz="quarter" idx="10"/>
+          </p:nvPr>
+        </p:nvSpPr>
+        <p:spPr/>
+        <p:txBody>
+          <a:bodyPr/>
+          <a:lstStyle/>
+          <a:p>
+            <a:fld id="{3C780944-94FB-46F6-8937-ABF2C17E41BC}" type="slidenum">
+              <a:rPr lang="zh-CN" altLang="en-US" smtClean="0"/>
+              <a:t>21</a:t>
+            </a:fld>
+            <a:endParaRPr lang="zh-CN" altLang="en-US"/>
+          </a:p>
+        </p:txBody>
+      </p:sp>
+    </p:spTree>
+    <p:extLst>
+      <p:ext uri="{BB962C8B-B14F-4D97-AF65-F5344CB8AC3E}">
+        <p14:creationId xmlns:p14="http://schemas.microsoft.com/office/powerpoint/2010/main" val="336833651"/>
+      </p:ext>
+    </p:extLst>
+  </p:cSld>
+  <p:clrMapOvr>
+    <a:masterClrMapping/>
+  </p:clrMapOvr>
+</p:notes>
+</file>
+
+<file path=ppt/notesSlides/notesSlide21.xml><?xml version="1.0" encoding="utf-8"?>
+<p:notes xmlns:a="http://schemas.openxmlformats.org/drawingml/2006/main" xmlns:r="http://schemas.openxmlformats.org/officeDocument/2006/relationships" xmlns:p="http://schemas.openxmlformats.org/presentationml/2006/main">
+  <p:cSld>
+    <p:spTree>
+      <p:nvGrpSpPr>
+        <p:cNvPr id="1" name=""/>
+        <p:cNvGrpSpPr/>
+        <p:nvPr/>
+      </p:nvGrpSpPr>
+      <p:grpSpPr>
+        <a:xfrm>
+          <a:off x="0" y="0"/>
+          <a:ext cx="0" cy="0"/>
+          <a:chOff x="0" y="0"/>
+          <a:chExt cx="0" cy="0"/>
+        </a:xfrm>
+      </p:grpSpPr>
+      <p:sp>
+        <p:nvSpPr>
+          <p:cNvPr id="2" name="幻灯片图像占位符 1"/>
+          <p:cNvSpPr>
+            <a:spLocks noGrp="1" noRot="1" noChangeAspect="1"/>
+          </p:cNvSpPr>
+          <p:nvPr>
+            <p:ph type="sldImg"/>
+          </p:nvPr>
+        </p:nvSpPr>
+        <p:spPr/>
+      </p:sp>
+      <p:sp>
+        <p:nvSpPr>
+          <p:cNvPr id="3" name="备注占位符 2"/>
+          <p:cNvSpPr>
+            <a:spLocks noGrp="1"/>
+          </p:cNvSpPr>
+          <p:nvPr>
+            <p:ph type="body" idx="1"/>
+          </p:nvPr>
+        </p:nvSpPr>
+        <p:spPr/>
+        <p:txBody>
+          <a:bodyPr/>
+          <a:lstStyle/>
+          <a:p>
+            <a:endParaRPr lang="zh-CN" altLang="en-US" dirty="0"/>
+          </a:p>
+        </p:txBody>
+      </p:sp>
+      <p:sp>
+        <p:nvSpPr>
+          <p:cNvPr id="4" name="灯片编号占位符 3"/>
+          <p:cNvSpPr>
+            <a:spLocks noGrp="1"/>
+          </p:cNvSpPr>
+          <p:nvPr>
+            <p:ph type="sldNum" sz="quarter" idx="10"/>
+          </p:nvPr>
+        </p:nvSpPr>
+        <p:spPr/>
+        <p:txBody>
+          <a:bodyPr/>
+          <a:lstStyle/>
+          <a:p>
+            <a:fld id="{3C780944-94FB-46F6-8937-ABF2C17E41BC}" type="slidenum">
+              <a:rPr lang="zh-CN" altLang="en-US" smtClean="0"/>
+              <a:t>22</a:t>
+            </a:fld>
+            <a:endParaRPr lang="zh-CN" altLang="en-US"/>
+          </a:p>
+        </p:txBody>
+      </p:sp>
+    </p:spTree>
+    <p:extLst>
+      <p:ext uri="{BB962C8B-B14F-4D97-AF65-F5344CB8AC3E}">
+        <p14:creationId xmlns:p14="http://schemas.microsoft.com/office/powerpoint/2010/main" val="2426568817"/>
+      </p:ext>
+    </p:extLst>
+  </p:cSld>
+  <p:clrMapOvr>
+    <a:masterClrMapping/>
+  </p:clrMapOvr>
+</p:notes>
+</file>
+
+<file path=ppt/notesSlides/notesSlide22.xml><?xml version="1.0" encoding="utf-8"?>
+<p:notes xmlns:a="http://schemas.openxmlformats.org/drawingml/2006/main" xmlns:r="http://schemas.openxmlformats.org/officeDocument/2006/relationships" xmlns:p="http://schemas.openxmlformats.org/presentationml/2006/main">
+  <p:cSld>
+    <p:spTree>
+      <p:nvGrpSpPr>
+        <p:cNvPr id="1" name=""/>
+        <p:cNvGrpSpPr/>
+        <p:nvPr/>
+      </p:nvGrpSpPr>
+      <p:grpSpPr>
+        <a:xfrm>
+          <a:off x="0" y="0"/>
+          <a:ext cx="0" cy="0"/>
+          <a:chOff x="0" y="0"/>
+          <a:chExt cx="0" cy="0"/>
+        </a:xfrm>
+      </p:grpSpPr>
+      <p:sp>
+        <p:nvSpPr>
+          <p:cNvPr id="2" name="幻灯片图像占位符 1"/>
+          <p:cNvSpPr>
+            <a:spLocks noGrp="1" noRot="1" noChangeAspect="1"/>
+          </p:cNvSpPr>
+          <p:nvPr>
+            <p:ph type="sldImg"/>
+          </p:nvPr>
+        </p:nvSpPr>
+        <p:spPr/>
+      </p:sp>
+      <p:sp>
+        <p:nvSpPr>
+          <p:cNvPr id="3" name="备注占位符 2"/>
+          <p:cNvSpPr>
+            <a:spLocks noGrp="1"/>
+          </p:cNvSpPr>
+          <p:nvPr>
+            <p:ph type="body" idx="1"/>
+          </p:nvPr>
+        </p:nvSpPr>
+        <p:spPr/>
+        <p:txBody>
+          <a:bodyPr/>
+          <a:lstStyle/>
+          <a:p>
+            <a:endParaRPr lang="zh-CN" altLang="en-US" dirty="0"/>
+          </a:p>
+        </p:txBody>
+      </p:sp>
+      <p:sp>
+        <p:nvSpPr>
+          <p:cNvPr id="4" name="灯片编号占位符 3"/>
+          <p:cNvSpPr>
+            <a:spLocks noGrp="1"/>
+          </p:cNvSpPr>
+          <p:nvPr>
+            <p:ph type="sldNum" sz="quarter" idx="10"/>
+          </p:nvPr>
+        </p:nvSpPr>
+        <p:spPr/>
+        <p:txBody>
+          <a:bodyPr/>
+          <a:lstStyle/>
+          <a:p>
+            <a:fld id="{3C780944-94FB-46F6-8937-ABF2C17E41BC}" type="slidenum">
+              <a:rPr lang="zh-CN" altLang="en-US" smtClean="0"/>
+              <a:t>23</a:t>
+            </a:fld>
+            <a:endParaRPr lang="zh-CN" altLang="en-US"/>
+          </a:p>
+        </p:txBody>
+      </p:sp>
+    </p:spTree>
+    <p:extLst>
+      <p:ext uri="{BB962C8B-B14F-4D97-AF65-F5344CB8AC3E}">
+        <p14:creationId xmlns:p14="http://schemas.microsoft.com/office/powerpoint/2010/main" val="146704561"/>
+      </p:ext>
+    </p:extLst>
+  </p:cSld>
+  <p:clrMapOvr>
+    <a:masterClrMapping/>
+  </p:clrMapOvr>
+</p:notes>
+</file>
+
+<file path=ppt/notesSlides/notesSlide23.xml><?xml version="1.0" encoding="utf-8"?>
+<p:notes xmlns:a="http://schemas.openxmlformats.org/drawingml/2006/main" xmlns:r="http://schemas.openxmlformats.org/officeDocument/2006/relationships" xmlns:p="http://schemas.openxmlformats.org/presentationml/2006/main">
+  <p:cSld>
+    <p:spTree>
+      <p:nvGrpSpPr>
+        <p:cNvPr id="1" name=""/>
+        <p:cNvGrpSpPr/>
+        <p:nvPr/>
+      </p:nvGrpSpPr>
+      <p:grpSpPr>
+        <a:xfrm>
+          <a:off x="0" y="0"/>
+          <a:ext cx="0" cy="0"/>
+          <a:chOff x="0" y="0"/>
+          <a:chExt cx="0" cy="0"/>
+        </a:xfrm>
+      </p:grpSpPr>
+      <p:sp>
+        <p:nvSpPr>
+          <p:cNvPr id="2" name="幻灯片图像占位符 1"/>
+          <p:cNvSpPr>
+            <a:spLocks noGrp="1" noRot="1" noChangeAspect="1"/>
+          </p:cNvSpPr>
+          <p:nvPr>
+            <p:ph type="sldImg"/>
+          </p:nvPr>
+        </p:nvSpPr>
+        <p:spPr/>
+      </p:sp>
+      <p:sp>
+        <p:nvSpPr>
+          <p:cNvPr id="3" name="备注占位符 2"/>
+          <p:cNvSpPr>
+            <a:spLocks noGrp="1"/>
+          </p:cNvSpPr>
+          <p:nvPr>
+            <p:ph type="body" idx="1"/>
+          </p:nvPr>
+        </p:nvSpPr>
+        <p:spPr/>
+        <p:txBody>
+          <a:bodyPr/>
+          <a:lstStyle/>
+          <a:p>
+            <a:endParaRPr lang="zh-CN" altLang="en-US" dirty="0"/>
+          </a:p>
+        </p:txBody>
+      </p:sp>
+      <p:sp>
+        <p:nvSpPr>
+          <p:cNvPr id="4" name="灯片编号占位符 3"/>
+          <p:cNvSpPr>
+            <a:spLocks noGrp="1"/>
+          </p:cNvSpPr>
+          <p:nvPr>
+            <p:ph type="sldNum" sz="quarter" idx="10"/>
+          </p:nvPr>
+        </p:nvSpPr>
+        <p:spPr/>
+        <p:txBody>
+          <a:bodyPr/>
+          <a:lstStyle/>
+          <a:p>
+            <a:fld id="{3C780944-94FB-46F6-8937-ABF2C17E41BC}" type="slidenum">
+              <a:rPr lang="zh-CN" altLang="en-US" smtClean="0"/>
+              <a:t>24</a:t>
+            </a:fld>
+            <a:endParaRPr lang="zh-CN" altLang="en-US"/>
+          </a:p>
+        </p:txBody>
+      </p:sp>
+    </p:spTree>
+    <p:extLst>
+      <p:ext uri="{BB962C8B-B14F-4D97-AF65-F5344CB8AC3E}">
+        <p14:creationId xmlns:p14="http://schemas.microsoft.com/office/powerpoint/2010/main" val="3837143668"/>
+      </p:ext>
+    </p:extLst>
+  </p:cSld>
+  <p:clrMapOvr>
+    <a:masterClrMapping/>
+  </p:clrMapOvr>
+</p:notes>
+</file>
+
+<file path=ppt/notesSlides/notesSlide24.xml><?xml version="1.0" encoding="utf-8"?>
+<p:notes xmlns:a="http://schemas.openxmlformats.org/drawingml/2006/main" xmlns:r="http://schemas.openxmlformats.org/officeDocument/2006/relationships" xmlns:p="http://schemas.openxmlformats.org/presentationml/2006/main">
+  <p:cSld>
+    <p:spTree>
+      <p:nvGrpSpPr>
+        <p:cNvPr id="1" name=""/>
+        <p:cNvGrpSpPr/>
+        <p:nvPr/>
+      </p:nvGrpSpPr>
+      <p:grpSpPr>
+        <a:xfrm>
+          <a:off x="0" y="0"/>
+          <a:ext cx="0" cy="0"/>
+          <a:chOff x="0" y="0"/>
+          <a:chExt cx="0" cy="0"/>
+        </a:xfrm>
+      </p:grpSpPr>
+      <p:sp>
+        <p:nvSpPr>
+          <p:cNvPr id="2" name="幻灯片图像占位符 1"/>
+          <p:cNvSpPr>
+            <a:spLocks noGrp="1" noRot="1" noChangeAspect="1"/>
+          </p:cNvSpPr>
+          <p:nvPr>
+            <p:ph type="sldImg"/>
+          </p:nvPr>
+        </p:nvSpPr>
+        <p:spPr/>
+      </p:sp>
+      <p:sp>
+        <p:nvSpPr>
+          <p:cNvPr id="3" name="备注占位符 2"/>
+          <p:cNvSpPr>
+            <a:spLocks noGrp="1"/>
+          </p:cNvSpPr>
+          <p:nvPr>
+            <p:ph type="body" idx="1"/>
+          </p:nvPr>
+        </p:nvSpPr>
+        <p:spPr/>
+        <p:txBody>
+          <a:bodyPr/>
+          <a:lstStyle/>
+          <a:p>
+            <a:endParaRPr lang="zh-CN" altLang="en-US" dirty="0"/>
+          </a:p>
+        </p:txBody>
+      </p:sp>
+      <p:sp>
+        <p:nvSpPr>
+          <p:cNvPr id="4" name="灯片编号占位符 3"/>
+          <p:cNvSpPr>
+            <a:spLocks noGrp="1"/>
+          </p:cNvSpPr>
+          <p:nvPr>
+            <p:ph type="sldNum" sz="quarter" idx="10"/>
+          </p:nvPr>
+        </p:nvSpPr>
+        <p:spPr/>
+        <p:txBody>
+          <a:bodyPr/>
+          <a:lstStyle/>
+          <a:p>
+            <a:fld id="{3C780944-94FB-46F6-8937-ABF2C17E41BC}" type="slidenum">
+              <a:rPr lang="zh-CN" altLang="en-US" smtClean="0"/>
+              <a:t>25</a:t>
+            </a:fld>
+            <a:endParaRPr lang="zh-CN" altLang="en-US"/>
+          </a:p>
+        </p:txBody>
+      </p:sp>
+    </p:spTree>
+    <p:extLst>
+      <p:ext uri="{BB962C8B-B14F-4D97-AF65-F5344CB8AC3E}">
+        <p14:creationId xmlns:p14="http://schemas.microsoft.com/office/powerpoint/2010/main" val="1592960655"/>
       </p:ext>
     </p:extLst>
   </p:cSld>
@@ -1923,34 +2329,7 @@
           <a:bodyPr/>
           <a:lstStyle/>
           <a:p>
-            <a:r>
-              <a:rPr lang="zh-CN" altLang="en-US" dirty="0"/>
-              <a:t>作为父级</a:t>
-            </a:r>
-            <a:r>
-              <a:rPr lang="en-US" altLang="zh-CN" dirty="0"/>
-              <a:t>Actor</a:t>
-            </a:r>
-            <a:r>
-              <a:rPr lang="zh-CN" altLang="en-US" dirty="0"/>
-              <a:t>责处理子级的失败（所谓的监督），形成责任链，一直到最高层。 当一个</a:t>
-            </a:r>
-            <a:r>
-              <a:rPr lang="en-US" altLang="zh-CN" dirty="0"/>
-              <a:t>actor</a:t>
-            </a:r>
-            <a:r>
-              <a:rPr lang="zh-CN" altLang="en-US" dirty="0"/>
-              <a:t>崩溃时，它的父级可以重启或停止它，或者将故障升级为</a:t>
-            </a:r>
-            <a:r>
-              <a:rPr lang="en-US" altLang="zh-CN" dirty="0"/>
-              <a:t>actor</a:t>
-            </a:r>
-            <a:r>
-              <a:rPr lang="zh-CN" altLang="en-US" dirty="0"/>
-              <a:t>的层次结构。 这为一个并发的分布式系统中的故障管理提供了一套干净的语义，并允许编写自我修复的高容错系统。</a:t>
-            </a:r>
+            <a:endParaRPr lang="zh-CN" altLang="en-US" dirty="0"/>
           </a:p>
         </p:txBody>
       </p:sp>
@@ -2034,34 +2413,7 @@
           <a:bodyPr/>
           <a:lstStyle/>
           <a:p>
-            <a:r>
-              <a:rPr lang="zh-CN" altLang="en-US" dirty="0"/>
-              <a:t>作为父级</a:t>
-            </a:r>
-            <a:r>
-              <a:rPr lang="en-US" altLang="zh-CN" dirty="0"/>
-              <a:t>Actor</a:t>
-            </a:r>
-            <a:r>
-              <a:rPr lang="zh-CN" altLang="en-US" dirty="0"/>
-              <a:t>责处理子级的失败（所谓的监督），形成责任链，一直到最高层。 当一个</a:t>
-            </a:r>
-            <a:r>
-              <a:rPr lang="en-US" altLang="zh-CN" dirty="0"/>
-              <a:t>actor</a:t>
-            </a:r>
-            <a:r>
-              <a:rPr lang="zh-CN" altLang="en-US" dirty="0"/>
-              <a:t>崩溃时，它的父级可以重启或停止它，或者将故障升级为</a:t>
-            </a:r>
-            <a:r>
-              <a:rPr lang="en-US" altLang="zh-CN" dirty="0"/>
-              <a:t>actor</a:t>
-            </a:r>
-            <a:r>
-              <a:rPr lang="zh-CN" altLang="en-US" dirty="0"/>
-              <a:t>的层次结构。 这为一个并发的分布式系统中的故障管理提供了一套干净的语义，并允许编写自我修复的高容错系统。</a:t>
-            </a:r>
+            <a:endParaRPr lang="zh-CN" altLang="en-US" dirty="0"/>
           </a:p>
         </p:txBody>
       </p:sp>
@@ -2145,34 +2497,7 @@
           <a:bodyPr/>
           <a:lstStyle/>
           <a:p>
-            <a:r>
-              <a:rPr lang="zh-CN" altLang="en-US" dirty="0"/>
-              <a:t>作为父级</a:t>
-            </a:r>
-            <a:r>
-              <a:rPr lang="en-US" altLang="zh-CN" dirty="0"/>
-              <a:t>Actor</a:t>
-            </a:r>
-            <a:r>
-              <a:rPr lang="zh-CN" altLang="en-US" dirty="0"/>
-              <a:t>责处理子级的失败（所谓的监督），形成责任链，一直到最高层。 当一个</a:t>
-            </a:r>
-            <a:r>
-              <a:rPr lang="en-US" altLang="zh-CN" dirty="0"/>
-              <a:t>actor</a:t>
-            </a:r>
-            <a:r>
-              <a:rPr lang="zh-CN" altLang="en-US" dirty="0"/>
-              <a:t>崩溃时，它的父级可以重启或停止它，或者将故障升级为</a:t>
-            </a:r>
-            <a:r>
-              <a:rPr lang="en-US" altLang="zh-CN" dirty="0"/>
-              <a:t>actor</a:t>
-            </a:r>
-            <a:r>
-              <a:rPr lang="zh-CN" altLang="en-US" dirty="0"/>
-              <a:t>的层次结构。 这为一个并发的分布式系统中的故障管理提供了一套干净的语义，并允许编写自我修复的高容错系统。</a:t>
-            </a:r>
+            <a:endParaRPr lang="zh-CN" altLang="en-US" dirty="0"/>
           </a:p>
         </p:txBody>
       </p:sp>
@@ -2256,34 +2581,7 @@
           <a:bodyPr/>
           <a:lstStyle/>
           <a:p>
-            <a:r>
-              <a:rPr lang="zh-CN" altLang="en-US" dirty="0"/>
-              <a:t>作为父级</a:t>
-            </a:r>
-            <a:r>
-              <a:rPr lang="en-US" altLang="zh-CN" dirty="0"/>
-              <a:t>Actor</a:t>
-            </a:r>
-            <a:r>
-              <a:rPr lang="zh-CN" altLang="en-US" dirty="0"/>
-              <a:t>责处理子级的失败（所谓的监督），形成责任链，一直到最高层。 当一个</a:t>
-            </a:r>
-            <a:r>
-              <a:rPr lang="en-US" altLang="zh-CN" dirty="0"/>
-              <a:t>actor</a:t>
-            </a:r>
-            <a:r>
-              <a:rPr lang="zh-CN" altLang="en-US" dirty="0"/>
-              <a:t>崩溃时，它的父级可以重启或停止它，或者将故障升级为</a:t>
-            </a:r>
-            <a:r>
-              <a:rPr lang="en-US" altLang="zh-CN" dirty="0"/>
-              <a:t>actor</a:t>
-            </a:r>
-            <a:r>
-              <a:rPr lang="zh-CN" altLang="en-US" dirty="0"/>
-              <a:t>的层次结构。 这为一个并发的分布式系统中的故障管理提供了一套干净的语义，并允许编写自我修复的高容错系统。</a:t>
-            </a:r>
+            <a:endParaRPr lang="zh-CN" altLang="en-US" dirty="0"/>
           </a:p>
         </p:txBody>
       </p:sp>
@@ -2470,7 +2768,7 @@
           <a:p>
             <a:fld id="{F8D91990-1C2A-42AB-BFBF-4E7051969EFA}" type="datetimeFigureOut">
               <a:rPr lang="zh-CN" altLang="en-US" smtClean="0"/>
-              <a:t>2018/8/21</a:t>
+              <a:t>2018/8/26</a:t>
             </a:fld>
             <a:endParaRPr lang="zh-CN" altLang="en-US"/>
           </a:p>
@@ -2668,7 +2966,7 @@
           <a:p>
             <a:fld id="{F8D91990-1C2A-42AB-BFBF-4E7051969EFA}" type="datetimeFigureOut">
               <a:rPr lang="zh-CN" altLang="en-US" smtClean="0"/>
-              <a:t>2018/8/21</a:t>
+              <a:t>2018/8/26</a:t>
             </a:fld>
             <a:endParaRPr lang="zh-CN" altLang="en-US"/>
           </a:p>
@@ -2876,7 +3174,7 @@
           <a:p>
             <a:fld id="{F8D91990-1C2A-42AB-BFBF-4E7051969EFA}" type="datetimeFigureOut">
               <a:rPr lang="zh-CN" altLang="en-US" smtClean="0"/>
-              <a:t>2018/8/21</a:t>
+              <a:t>2018/8/26</a:t>
             </a:fld>
             <a:endParaRPr lang="zh-CN" altLang="en-US"/>
           </a:p>
@@ -3074,7 +3372,7 @@
           <a:p>
             <a:fld id="{F8D91990-1C2A-42AB-BFBF-4E7051969EFA}" type="datetimeFigureOut">
               <a:rPr lang="zh-CN" altLang="en-US" smtClean="0"/>
-              <a:t>2018/8/21</a:t>
+              <a:t>2018/8/26</a:t>
             </a:fld>
             <a:endParaRPr lang="zh-CN" altLang="en-US"/>
           </a:p>
@@ -3349,7 +3647,7 @@
           <a:p>
             <a:fld id="{F8D91990-1C2A-42AB-BFBF-4E7051969EFA}" type="datetimeFigureOut">
               <a:rPr lang="zh-CN" altLang="en-US" smtClean="0"/>
-              <a:t>2018/8/21</a:t>
+              <a:t>2018/8/26</a:t>
             </a:fld>
             <a:endParaRPr lang="zh-CN" altLang="en-US"/>
           </a:p>
@@ -3614,7 +3912,7 @@
           <a:p>
             <a:fld id="{F8D91990-1C2A-42AB-BFBF-4E7051969EFA}" type="datetimeFigureOut">
               <a:rPr lang="zh-CN" altLang="en-US" smtClean="0"/>
-              <a:t>2018/8/21</a:t>
+              <a:t>2018/8/26</a:t>
             </a:fld>
             <a:endParaRPr lang="zh-CN" altLang="en-US"/>
           </a:p>
@@ -4026,7 +4324,7 @@
           <a:p>
             <a:fld id="{F8D91990-1C2A-42AB-BFBF-4E7051969EFA}" type="datetimeFigureOut">
               <a:rPr lang="zh-CN" altLang="en-US" smtClean="0"/>
-              <a:t>2018/8/21</a:t>
+              <a:t>2018/8/26</a:t>
             </a:fld>
             <a:endParaRPr lang="zh-CN" altLang="en-US"/>
           </a:p>
@@ -4167,7 +4465,7 @@
           <a:p>
             <a:fld id="{F8D91990-1C2A-42AB-BFBF-4E7051969EFA}" type="datetimeFigureOut">
               <a:rPr lang="zh-CN" altLang="en-US" smtClean="0"/>
-              <a:t>2018/8/21</a:t>
+              <a:t>2018/8/26</a:t>
             </a:fld>
             <a:endParaRPr lang="zh-CN" altLang="en-US"/>
           </a:p>
@@ -4280,7 +4578,7 @@
           <a:p>
             <a:fld id="{F8D91990-1C2A-42AB-BFBF-4E7051969EFA}" type="datetimeFigureOut">
               <a:rPr lang="zh-CN" altLang="en-US" smtClean="0"/>
-              <a:t>2018/8/21</a:t>
+              <a:t>2018/8/26</a:t>
             </a:fld>
             <a:endParaRPr lang="zh-CN" altLang="en-US"/>
           </a:p>
@@ -4591,7 +4889,7 @@
           <a:p>
             <a:fld id="{F8D91990-1C2A-42AB-BFBF-4E7051969EFA}" type="datetimeFigureOut">
               <a:rPr lang="zh-CN" altLang="en-US" smtClean="0"/>
-              <a:t>2018/8/21</a:t>
+              <a:t>2018/8/26</a:t>
             </a:fld>
             <a:endParaRPr lang="zh-CN" altLang="en-US"/>
           </a:p>
@@ -4879,7 +5177,7 @@
           <a:p>
             <a:fld id="{F8D91990-1C2A-42AB-BFBF-4E7051969EFA}" type="datetimeFigureOut">
               <a:rPr lang="zh-CN" altLang="en-US" smtClean="0"/>
-              <a:t>2018/8/21</a:t>
+              <a:t>2018/8/26</a:t>
             </a:fld>
             <a:endParaRPr lang="zh-CN" altLang="en-US"/>
           </a:p>
@@ -5120,7 +5418,7 @@
           <a:p>
             <a:fld id="{F8D91990-1C2A-42AB-BFBF-4E7051969EFA}" type="datetimeFigureOut">
               <a:rPr lang="zh-CN" altLang="en-US" smtClean="0"/>
-              <a:t>2018/8/21</a:t>
+              <a:t>2018/8/26</a:t>
             </a:fld>
             <a:endParaRPr lang="zh-CN" altLang="en-US"/>
           </a:p>
@@ -7497,6 +7795,138 @@
 </p:sld>
 </file>
 
+<file path=ppt/slides/slide19.xml><?xml version="1.0" encoding="utf-8"?>
+<p:sld xmlns:a="http://schemas.openxmlformats.org/drawingml/2006/main" xmlns:r="http://schemas.openxmlformats.org/officeDocument/2006/relationships" xmlns:p="http://schemas.openxmlformats.org/presentationml/2006/main">
+  <p:cSld>
+    <p:spTree>
+      <p:nvGrpSpPr>
+        <p:cNvPr id="1" name=""/>
+        <p:cNvGrpSpPr/>
+        <p:nvPr/>
+      </p:nvGrpSpPr>
+      <p:grpSpPr>
+        <a:xfrm>
+          <a:off x="0" y="0"/>
+          <a:ext cx="0" cy="0"/>
+          <a:chOff x="0" y="0"/>
+          <a:chExt cx="0" cy="0"/>
+        </a:xfrm>
+      </p:grpSpPr>
+      <p:sp>
+        <p:nvSpPr>
+          <p:cNvPr id="2" name="标题 1">
+            <a:extLst>
+              <a:ext uri="{FF2B5EF4-FFF2-40B4-BE49-F238E27FC236}">
+                <a16:creationId xmlns:a16="http://schemas.microsoft.com/office/drawing/2014/main" id="{F7C23084-23BF-4F3E-97FD-EEB470F2270A}"/>
+              </a:ext>
+            </a:extLst>
+          </p:cNvPr>
+          <p:cNvSpPr>
+            <a:spLocks noGrp="1"/>
+          </p:cNvSpPr>
+          <p:nvPr>
+            <p:ph type="title"/>
+          </p:nvPr>
+        </p:nvSpPr>
+        <p:spPr/>
+        <p:txBody>
+          <a:bodyPr/>
+          <a:lstStyle/>
+          <a:p>
+            <a:r>
+              <a:rPr lang="en-US" altLang="zh-CN" dirty="0"/>
+              <a:t>Persistence</a:t>
+            </a:r>
+            <a:endParaRPr lang="zh-CN" altLang="en-US" dirty="0"/>
+          </a:p>
+        </p:txBody>
+      </p:sp>
+      <p:sp>
+        <p:nvSpPr>
+          <p:cNvPr id="3" name="内容占位符 2">
+            <a:extLst>
+              <a:ext uri="{FF2B5EF4-FFF2-40B4-BE49-F238E27FC236}">
+                <a16:creationId xmlns:a16="http://schemas.microsoft.com/office/drawing/2014/main" id="{8CA72CA0-FACC-44F9-A496-CFCBA739C5D0}"/>
+              </a:ext>
+            </a:extLst>
+          </p:cNvPr>
+          <p:cNvSpPr>
+            <a:spLocks noGrp="1"/>
+          </p:cNvSpPr>
+          <p:nvPr>
+            <p:ph idx="1"/>
+          </p:nvPr>
+        </p:nvSpPr>
+        <p:spPr>
+          <a:xfrm>
+            <a:off x="838200" y="1690687"/>
+            <a:ext cx="10515600" cy="4635161"/>
+          </a:xfrm>
+        </p:spPr>
+        <p:txBody>
+          <a:bodyPr>
+            <a:normAutofit/>
+          </a:bodyPr>
+          <a:lstStyle/>
+          <a:p>
+            <a:pPr marL="0" indent="0">
+              <a:buNone/>
+            </a:pPr>
+            <a:r>
+              <a:rPr lang="en-US" altLang="zh-CN" dirty="0" err="1"/>
+              <a:t>Proto.Actor</a:t>
+            </a:r>
+            <a:r>
+              <a:rPr lang="zh-CN" altLang="en-US" dirty="0"/>
+              <a:t>可以通过三种模多持久化</a:t>
+            </a:r>
+            <a:endParaRPr lang="en-US" altLang="zh-CN" dirty="0"/>
+          </a:p>
+          <a:p>
+            <a:r>
+              <a:rPr lang="zh-CN" altLang="en-US" dirty="0"/>
+              <a:t>事件溯源</a:t>
+            </a:r>
+            <a:r>
+              <a:rPr lang="en-US" altLang="zh-CN" dirty="0"/>
+              <a:t>-Event Sourcing</a:t>
+            </a:r>
+          </a:p>
+          <a:p>
+            <a:r>
+              <a:rPr lang="zh-CN" altLang="en-US" dirty="0"/>
+              <a:t>快照</a:t>
+            </a:r>
+            <a:r>
+              <a:rPr lang="en-US" altLang="zh-CN" dirty="0"/>
+              <a:t>-Snapshotting</a:t>
+            </a:r>
+          </a:p>
+          <a:p>
+            <a:r>
+              <a:rPr lang="zh-CN" altLang="en-US" dirty="0"/>
+              <a:t>快照事件溯源</a:t>
+            </a:r>
+            <a:r>
+              <a:rPr lang="en-US" altLang="zh-CN" dirty="0"/>
+              <a:t>-Event Sourcing with Snapshotting</a:t>
+            </a:r>
+          </a:p>
+        </p:txBody>
+      </p:sp>
+    </p:spTree>
+    <p:extLst>
+      <p:ext uri="{BB962C8B-B14F-4D97-AF65-F5344CB8AC3E}">
+        <p14:creationId xmlns:p14="http://schemas.microsoft.com/office/powerpoint/2010/main" val="939276218"/>
+      </p:ext>
+    </p:extLst>
+  </p:cSld>
+  <p:clrMapOvr>
+    <a:masterClrMapping/>
+  </p:clrMapOvr>
+</p:sld>
+</file>
+
 <file path=ppt/slides/slide2.xml><?xml version="1.0" encoding="utf-8"?>
 <p:sld xmlns:a="http://schemas.openxmlformats.org/drawingml/2006/main" xmlns:r="http://schemas.openxmlformats.org/officeDocument/2006/relationships" xmlns:p="http://schemas.openxmlformats.org/presentationml/2006/main">
   <p:cSld>
@@ -7916,6 +8346,796 @@
     <p:extLst>
       <p:ext uri="{BB962C8B-B14F-4D97-AF65-F5344CB8AC3E}">
         <p14:creationId xmlns:p14="http://schemas.microsoft.com/office/powerpoint/2010/main" val="641300909"/>
+      </p:ext>
+    </p:extLst>
+  </p:cSld>
+  <p:clrMapOvr>
+    <a:masterClrMapping/>
+  </p:clrMapOvr>
+</p:sld>
+</file>
+
+<file path=ppt/slides/slide20.xml><?xml version="1.0" encoding="utf-8"?>
+<p:sld xmlns:a="http://schemas.openxmlformats.org/drawingml/2006/main" xmlns:r="http://schemas.openxmlformats.org/officeDocument/2006/relationships" xmlns:p="http://schemas.openxmlformats.org/presentationml/2006/main">
+  <p:cSld>
+    <p:spTree>
+      <p:nvGrpSpPr>
+        <p:cNvPr id="1" name=""/>
+        <p:cNvGrpSpPr/>
+        <p:nvPr/>
+      </p:nvGrpSpPr>
+      <p:grpSpPr>
+        <a:xfrm>
+          <a:off x="0" y="0"/>
+          <a:ext cx="0" cy="0"/>
+          <a:chOff x="0" y="0"/>
+          <a:chExt cx="0" cy="0"/>
+        </a:xfrm>
+      </p:grpSpPr>
+      <p:sp>
+        <p:nvSpPr>
+          <p:cNvPr id="2" name="标题 1">
+            <a:extLst>
+              <a:ext uri="{FF2B5EF4-FFF2-40B4-BE49-F238E27FC236}">
+                <a16:creationId xmlns:a16="http://schemas.microsoft.com/office/drawing/2014/main" id="{F7C23084-23BF-4F3E-97FD-EEB470F2270A}"/>
+              </a:ext>
+            </a:extLst>
+          </p:cNvPr>
+          <p:cNvSpPr>
+            <a:spLocks noGrp="1"/>
+          </p:cNvSpPr>
+          <p:nvPr>
+            <p:ph type="title"/>
+          </p:nvPr>
+        </p:nvSpPr>
+        <p:spPr/>
+        <p:txBody>
+          <a:bodyPr/>
+          <a:lstStyle/>
+          <a:p>
+            <a:r>
+              <a:rPr lang="en-US" altLang="zh-CN" dirty="0"/>
+              <a:t>Persistence-Event Sourcing</a:t>
+            </a:r>
+            <a:endParaRPr lang="zh-CN" altLang="en-US" dirty="0"/>
+          </a:p>
+        </p:txBody>
+      </p:sp>
+      <p:sp>
+        <p:nvSpPr>
+          <p:cNvPr id="3" name="内容占位符 2">
+            <a:extLst>
+              <a:ext uri="{FF2B5EF4-FFF2-40B4-BE49-F238E27FC236}">
+                <a16:creationId xmlns:a16="http://schemas.microsoft.com/office/drawing/2014/main" id="{8CA72CA0-FACC-44F9-A496-CFCBA739C5D0}"/>
+              </a:ext>
+            </a:extLst>
+          </p:cNvPr>
+          <p:cNvSpPr>
+            <a:spLocks noGrp="1"/>
+          </p:cNvSpPr>
+          <p:nvPr>
+            <p:ph idx="1"/>
+          </p:nvPr>
+        </p:nvSpPr>
+        <p:spPr>
+          <a:xfrm>
+            <a:off x="838200" y="1690687"/>
+            <a:ext cx="10515600" cy="4635161"/>
+          </a:xfrm>
+        </p:spPr>
+        <p:txBody>
+          <a:bodyPr>
+            <a:normAutofit/>
+          </a:bodyPr>
+          <a:lstStyle/>
+          <a:p>
+            <a:pPr marL="0" indent="0">
+              <a:buNone/>
+            </a:pPr>
+            <a:r>
+              <a:rPr lang="zh-CN" altLang="en-US" sz="2000" dirty="0"/>
+              <a:t>在使用</a:t>
+            </a:r>
+            <a:r>
+              <a:rPr lang="en-US" altLang="zh-CN" sz="2000" dirty="0"/>
+              <a:t>Event Sourcing</a:t>
+            </a:r>
+            <a:r>
+              <a:rPr lang="zh-CN" altLang="en-US" sz="2000" dirty="0"/>
+              <a:t>时，每个状态的更改都平衡车构建成在运行或恢复时应用于</a:t>
+            </a:r>
+            <a:r>
+              <a:rPr lang="en-US" altLang="zh-CN" sz="2000" dirty="0"/>
+              <a:t>Actor</a:t>
+            </a:r>
+            <a:r>
+              <a:rPr lang="zh-CN" altLang="en-US" sz="2000" dirty="0"/>
+              <a:t>事件。</a:t>
+            </a:r>
+            <a:endParaRPr lang="en-US" altLang="zh-CN" sz="2000" dirty="0"/>
+          </a:p>
+          <a:p>
+            <a:pPr marL="0" indent="0">
+              <a:buNone/>
+            </a:pPr>
+            <a:r>
+              <a:rPr lang="en-US" altLang="zh-CN" sz="2000" dirty="0"/>
+              <a:t>Persistence</a:t>
+            </a:r>
+            <a:r>
+              <a:rPr lang="zh-CN" altLang="en-US" sz="2000" dirty="0"/>
+              <a:t>使用</a:t>
+            </a:r>
+            <a:r>
+              <a:rPr lang="en-US" altLang="zh-CN" sz="2000" dirty="0"/>
+              <a:t>Action&lt;Event&gt; </a:t>
+            </a:r>
+            <a:r>
+              <a:rPr lang="en-US" altLang="zh-CN" sz="2000" dirty="0" err="1"/>
+              <a:t>ApplyEvent</a:t>
+            </a:r>
+            <a:r>
+              <a:rPr lang="zh-CN" altLang="en-US" sz="2000" dirty="0"/>
+              <a:t>方法作为参数在每次保存事件时调用，或在恢复时从存储层加载。</a:t>
+            </a:r>
+            <a:endParaRPr lang="en-US" altLang="zh-CN" sz="2000" dirty="0"/>
+          </a:p>
+          <a:p>
+            <a:pPr marL="0" indent="0">
+              <a:buNone/>
+            </a:pPr>
+            <a:r>
+              <a:rPr lang="zh-CN" altLang="en-US" sz="2000" dirty="0"/>
+              <a:t>重点是在</a:t>
+            </a:r>
+            <a:r>
+              <a:rPr lang="en-US" altLang="zh-CN" sz="2000" dirty="0" err="1"/>
+              <a:t>ApplyEvent</a:t>
+            </a:r>
+            <a:r>
+              <a:rPr lang="zh-CN" altLang="en-US" sz="2000" dirty="0"/>
+              <a:t>方法中定义所有的状态更改和行为转换</a:t>
+            </a:r>
+            <a:endParaRPr lang="en-US" altLang="zh-CN" sz="2000" dirty="0"/>
+          </a:p>
+        </p:txBody>
+      </p:sp>
+    </p:spTree>
+    <p:extLst>
+      <p:ext uri="{BB962C8B-B14F-4D97-AF65-F5344CB8AC3E}">
+        <p14:creationId xmlns:p14="http://schemas.microsoft.com/office/powerpoint/2010/main" val="1657810574"/>
+      </p:ext>
+    </p:extLst>
+  </p:cSld>
+  <p:clrMapOvr>
+    <a:masterClrMapping/>
+  </p:clrMapOvr>
+</p:sld>
+</file>
+
+<file path=ppt/slides/slide21.xml><?xml version="1.0" encoding="utf-8"?>
+<p:sld xmlns:a="http://schemas.openxmlformats.org/drawingml/2006/main" xmlns:r="http://schemas.openxmlformats.org/officeDocument/2006/relationships" xmlns:p="http://schemas.openxmlformats.org/presentationml/2006/main">
+  <p:cSld>
+    <p:spTree>
+      <p:nvGrpSpPr>
+        <p:cNvPr id="1" name=""/>
+        <p:cNvGrpSpPr/>
+        <p:nvPr/>
+      </p:nvGrpSpPr>
+      <p:grpSpPr>
+        <a:xfrm>
+          <a:off x="0" y="0"/>
+          <a:ext cx="0" cy="0"/>
+          <a:chOff x="0" y="0"/>
+          <a:chExt cx="0" cy="0"/>
+        </a:xfrm>
+      </p:grpSpPr>
+      <p:sp>
+        <p:nvSpPr>
+          <p:cNvPr id="2" name="标题 1">
+            <a:extLst>
+              <a:ext uri="{FF2B5EF4-FFF2-40B4-BE49-F238E27FC236}">
+                <a16:creationId xmlns:a16="http://schemas.microsoft.com/office/drawing/2014/main" id="{F7C23084-23BF-4F3E-97FD-EEB470F2270A}"/>
+              </a:ext>
+            </a:extLst>
+          </p:cNvPr>
+          <p:cNvSpPr>
+            <a:spLocks noGrp="1"/>
+          </p:cNvSpPr>
+          <p:nvPr>
+            <p:ph type="title"/>
+          </p:nvPr>
+        </p:nvSpPr>
+        <p:spPr/>
+        <p:txBody>
+          <a:bodyPr/>
+          <a:lstStyle/>
+          <a:p>
+            <a:r>
+              <a:rPr lang="en-US" altLang="zh-CN" dirty="0"/>
+              <a:t>Persistence-Snapshotting</a:t>
+            </a:r>
+            <a:endParaRPr lang="zh-CN" altLang="en-US" dirty="0"/>
+          </a:p>
+        </p:txBody>
+      </p:sp>
+      <p:sp>
+        <p:nvSpPr>
+          <p:cNvPr id="3" name="内容占位符 2">
+            <a:extLst>
+              <a:ext uri="{FF2B5EF4-FFF2-40B4-BE49-F238E27FC236}">
+                <a16:creationId xmlns:a16="http://schemas.microsoft.com/office/drawing/2014/main" id="{8CA72CA0-FACC-44F9-A496-CFCBA739C5D0}"/>
+              </a:ext>
+            </a:extLst>
+          </p:cNvPr>
+          <p:cNvSpPr>
+            <a:spLocks noGrp="1"/>
+          </p:cNvSpPr>
+          <p:nvPr>
+            <p:ph idx="1"/>
+          </p:nvPr>
+        </p:nvSpPr>
+        <p:spPr>
+          <a:xfrm>
+            <a:off x="838200" y="1690687"/>
+            <a:ext cx="10515600" cy="4635161"/>
+          </a:xfrm>
+        </p:spPr>
+        <p:txBody>
+          <a:bodyPr>
+            <a:normAutofit/>
+          </a:bodyPr>
+          <a:lstStyle/>
+          <a:p>
+            <a:pPr marL="0" indent="0">
+              <a:buNone/>
+            </a:pPr>
+            <a:r>
+              <a:rPr lang="zh-CN" altLang="en-US" dirty="0"/>
+              <a:t>当配置为仅使用快照时，这相当于仅保存</a:t>
+            </a:r>
+            <a:r>
+              <a:rPr lang="en-US" altLang="zh-CN" dirty="0"/>
+              <a:t>actor </a:t>
+            </a:r>
+            <a:r>
+              <a:rPr lang="zh-CN" altLang="en-US" dirty="0"/>
+              <a:t>的</a:t>
+            </a:r>
+            <a:r>
+              <a:rPr lang="zh-CN" altLang="en-US" i="1" dirty="0"/>
+              <a:t>当前</a:t>
+            </a:r>
+            <a:r>
+              <a:rPr lang="zh-CN" altLang="en-US" dirty="0"/>
+              <a:t>状态，即不保留更改的审核日志。</a:t>
+            </a:r>
+            <a:endParaRPr lang="en-US" altLang="zh-CN" sz="1300" dirty="0"/>
+          </a:p>
+        </p:txBody>
+      </p:sp>
+    </p:spTree>
+    <p:extLst>
+      <p:ext uri="{BB962C8B-B14F-4D97-AF65-F5344CB8AC3E}">
+        <p14:creationId xmlns:p14="http://schemas.microsoft.com/office/powerpoint/2010/main" val="2728198771"/>
+      </p:ext>
+    </p:extLst>
+  </p:cSld>
+  <p:clrMapOvr>
+    <a:masterClrMapping/>
+  </p:clrMapOvr>
+</p:sld>
+</file>
+
+<file path=ppt/slides/slide22.xml><?xml version="1.0" encoding="utf-8"?>
+<p:sld xmlns:a="http://schemas.openxmlformats.org/drawingml/2006/main" xmlns:r="http://schemas.openxmlformats.org/officeDocument/2006/relationships" xmlns:p="http://schemas.openxmlformats.org/presentationml/2006/main">
+  <p:cSld>
+    <p:spTree>
+      <p:nvGrpSpPr>
+        <p:cNvPr id="1" name=""/>
+        <p:cNvGrpSpPr/>
+        <p:nvPr/>
+      </p:nvGrpSpPr>
+      <p:grpSpPr>
+        <a:xfrm>
+          <a:off x="0" y="0"/>
+          <a:ext cx="0" cy="0"/>
+          <a:chOff x="0" y="0"/>
+          <a:chExt cx="0" cy="0"/>
+        </a:xfrm>
+      </p:grpSpPr>
+      <p:sp>
+        <p:nvSpPr>
+          <p:cNvPr id="2" name="标题 1">
+            <a:extLst>
+              <a:ext uri="{FF2B5EF4-FFF2-40B4-BE49-F238E27FC236}">
+                <a16:creationId xmlns:a16="http://schemas.microsoft.com/office/drawing/2014/main" id="{F7C23084-23BF-4F3E-97FD-EEB470F2270A}"/>
+              </a:ext>
+            </a:extLst>
+          </p:cNvPr>
+          <p:cNvSpPr>
+            <a:spLocks noGrp="1"/>
+          </p:cNvSpPr>
+          <p:nvPr>
+            <p:ph type="title"/>
+          </p:nvPr>
+        </p:nvSpPr>
+        <p:spPr/>
+        <p:txBody>
+          <a:bodyPr/>
+          <a:lstStyle/>
+          <a:p>
+            <a:r>
+              <a:rPr lang="en-US" altLang="zh-CN" dirty="0"/>
+              <a:t>Persistence-Event Sourcing and Snapshotting</a:t>
+            </a:r>
+            <a:endParaRPr lang="zh-CN" altLang="en-US" dirty="0"/>
+          </a:p>
+        </p:txBody>
+      </p:sp>
+      <p:sp>
+        <p:nvSpPr>
+          <p:cNvPr id="3" name="内容占位符 2">
+            <a:extLst>
+              <a:ext uri="{FF2B5EF4-FFF2-40B4-BE49-F238E27FC236}">
+                <a16:creationId xmlns:a16="http://schemas.microsoft.com/office/drawing/2014/main" id="{8CA72CA0-FACC-44F9-A496-CFCBA739C5D0}"/>
+              </a:ext>
+            </a:extLst>
+          </p:cNvPr>
+          <p:cNvSpPr>
+            <a:spLocks noGrp="1"/>
+          </p:cNvSpPr>
+          <p:nvPr>
+            <p:ph idx="1"/>
+          </p:nvPr>
+        </p:nvSpPr>
+        <p:spPr>
+          <a:xfrm>
+            <a:off x="838200" y="1690687"/>
+            <a:ext cx="10515600" cy="4635161"/>
+          </a:xfrm>
+        </p:spPr>
+        <p:txBody>
+          <a:bodyPr>
+            <a:normAutofit/>
+          </a:bodyPr>
+          <a:lstStyle/>
+          <a:p>
+            <a:pPr marL="0" indent="0">
+              <a:buNone/>
+            </a:pPr>
+            <a:r>
+              <a:rPr lang="zh-CN" altLang="en-US" dirty="0"/>
+              <a:t>可以同时使用事件溯源和快照。</a:t>
+            </a:r>
+            <a:endParaRPr lang="en-US" altLang="zh-CN" dirty="0"/>
+          </a:p>
+          <a:p>
+            <a:pPr marL="0" indent="0">
+              <a:buNone/>
+            </a:pPr>
+            <a:r>
+              <a:rPr lang="zh-CN" altLang="en-US" dirty="0"/>
+              <a:t>当大量还原</a:t>
+            </a:r>
+            <a:r>
+              <a:rPr lang="en-US" altLang="zh-CN" dirty="0"/>
+              <a:t>Actor</a:t>
+            </a:r>
+            <a:r>
+              <a:rPr lang="zh-CN" altLang="en-US" dirty="0"/>
+              <a:t>时，快照成为记性能最佳选择。</a:t>
+            </a:r>
+            <a:endParaRPr lang="en-US" altLang="zh-CN" dirty="0"/>
+          </a:p>
+          <a:p>
+            <a:pPr marL="0" indent="0">
+              <a:buNone/>
+            </a:pPr>
+            <a:r>
+              <a:rPr lang="zh-CN" altLang="en-US" dirty="0"/>
+              <a:t>当</a:t>
+            </a:r>
+            <a:r>
+              <a:rPr lang="en-US" altLang="zh-CN" dirty="0" err="1"/>
+              <a:t>RecoverStateAsync</a:t>
+            </a:r>
+            <a:r>
+              <a:rPr lang="zh-CN" altLang="en-US" dirty="0"/>
+              <a:t>调用时，如要保存了所有快照，</a:t>
+            </a:r>
+            <a:r>
+              <a:rPr lang="en-US" altLang="zh-CN" dirty="0"/>
+              <a:t>Persistence</a:t>
+            </a:r>
+            <a:r>
+              <a:rPr lang="zh-CN" altLang="en-US" dirty="0"/>
+              <a:t>会通过使用钍对每个已保存的事件递增索引在内部字处理快照，无论有多少快照，都会从最后的快照往后执行。</a:t>
+            </a:r>
+            <a:endParaRPr lang="en-US" altLang="zh-CN" dirty="0"/>
+          </a:p>
+        </p:txBody>
+      </p:sp>
+    </p:spTree>
+    <p:extLst>
+      <p:ext uri="{BB962C8B-B14F-4D97-AF65-F5344CB8AC3E}">
+        <p14:creationId xmlns:p14="http://schemas.microsoft.com/office/powerpoint/2010/main" val="2731595681"/>
+      </p:ext>
+    </p:extLst>
+  </p:cSld>
+  <p:clrMapOvr>
+    <a:masterClrMapping/>
+  </p:clrMapOvr>
+</p:sld>
+</file>
+
+<file path=ppt/slides/slide23.xml><?xml version="1.0" encoding="utf-8"?>
+<p:sld xmlns:a="http://schemas.openxmlformats.org/drawingml/2006/main" xmlns:r="http://schemas.openxmlformats.org/officeDocument/2006/relationships" xmlns:p="http://schemas.openxmlformats.org/presentationml/2006/main">
+  <p:cSld>
+    <p:spTree>
+      <p:nvGrpSpPr>
+        <p:cNvPr id="1" name=""/>
+        <p:cNvGrpSpPr/>
+        <p:nvPr/>
+      </p:nvGrpSpPr>
+      <p:grpSpPr>
+        <a:xfrm>
+          <a:off x="0" y="0"/>
+          <a:ext cx="0" cy="0"/>
+          <a:chOff x="0" y="0"/>
+          <a:chExt cx="0" cy="0"/>
+        </a:xfrm>
+      </p:grpSpPr>
+      <p:sp>
+        <p:nvSpPr>
+          <p:cNvPr id="2" name="标题 1">
+            <a:extLst>
+              <a:ext uri="{FF2B5EF4-FFF2-40B4-BE49-F238E27FC236}">
+                <a16:creationId xmlns:a16="http://schemas.microsoft.com/office/drawing/2014/main" id="{F7C23084-23BF-4F3E-97FD-EEB470F2270A}"/>
+              </a:ext>
+            </a:extLst>
+          </p:cNvPr>
+          <p:cNvSpPr>
+            <a:spLocks noGrp="1"/>
+          </p:cNvSpPr>
+          <p:nvPr>
+            <p:ph type="title"/>
+          </p:nvPr>
+        </p:nvSpPr>
+        <p:spPr/>
+        <p:txBody>
+          <a:bodyPr/>
+          <a:lstStyle/>
+          <a:p>
+            <a:r>
+              <a:rPr lang="en-US" altLang="zh-CN" dirty="0"/>
+              <a:t>Persistence-</a:t>
+            </a:r>
+            <a:r>
+              <a:rPr lang="zh-CN" altLang="en-US" dirty="0"/>
+              <a:t>快照策略</a:t>
+            </a:r>
+          </a:p>
+        </p:txBody>
+      </p:sp>
+      <p:sp>
+        <p:nvSpPr>
+          <p:cNvPr id="3" name="内容占位符 2">
+            <a:extLst>
+              <a:ext uri="{FF2B5EF4-FFF2-40B4-BE49-F238E27FC236}">
+                <a16:creationId xmlns:a16="http://schemas.microsoft.com/office/drawing/2014/main" id="{8CA72CA0-FACC-44F9-A496-CFCBA739C5D0}"/>
+              </a:ext>
+            </a:extLst>
+          </p:cNvPr>
+          <p:cNvSpPr>
+            <a:spLocks noGrp="1"/>
+          </p:cNvSpPr>
+          <p:nvPr>
+            <p:ph idx="1"/>
+          </p:nvPr>
+        </p:nvSpPr>
+        <p:spPr>
+          <a:xfrm>
+            <a:off x="838200" y="1690687"/>
+            <a:ext cx="10515600" cy="4635161"/>
+          </a:xfrm>
+        </p:spPr>
+        <p:txBody>
+          <a:bodyPr>
+            <a:normAutofit/>
+          </a:bodyPr>
+          <a:lstStyle/>
+          <a:p>
+            <a:pPr marL="0" indent="0">
+              <a:buNone/>
+            </a:pPr>
+            <a:r>
+              <a:rPr lang="zh-CN" altLang="en-US" dirty="0"/>
+              <a:t>您可以选择</a:t>
+            </a:r>
+            <a:r>
+              <a:rPr lang="en-US" altLang="zh-CN" dirty="0" err="1"/>
+              <a:t>ISnapshotStrategy</a:t>
+            </a:r>
+            <a:r>
+              <a:rPr lang="zh-CN" altLang="en-US" dirty="0"/>
+              <a:t>在保存事件时指定自动保存快照。提供的策略是：</a:t>
+            </a:r>
+          </a:p>
+          <a:p>
+            <a:pPr lvl="1"/>
+            <a:r>
+              <a:rPr lang="en-US" altLang="zh-CN" dirty="0" err="1"/>
+              <a:t>EventTypeStrategy</a:t>
+            </a:r>
+            <a:r>
+              <a:rPr lang="en-US" altLang="zh-CN" dirty="0"/>
+              <a:t> - </a:t>
+            </a:r>
+            <a:r>
+              <a:rPr lang="zh-CN" altLang="en-US" dirty="0"/>
+              <a:t>根据保存的事件类型保存快照</a:t>
+            </a:r>
+          </a:p>
+          <a:p>
+            <a:pPr lvl="1"/>
+            <a:r>
+              <a:rPr lang="en-US" altLang="zh-CN" dirty="0" err="1"/>
+              <a:t>IntervalStrategy</a:t>
+            </a:r>
+            <a:r>
+              <a:rPr lang="en-US" altLang="zh-CN" dirty="0"/>
+              <a:t> - </a:t>
+            </a:r>
+            <a:r>
+              <a:rPr lang="zh-CN" altLang="en-US" dirty="0"/>
+              <a:t>根据保存的事件数量，即每</a:t>
+            </a:r>
+            <a:r>
+              <a:rPr lang="en-US" altLang="zh-CN" dirty="0"/>
+              <a:t>100</a:t>
+            </a:r>
+            <a:r>
+              <a:rPr lang="zh-CN" altLang="en-US" dirty="0"/>
+              <a:t>个事件，定期保存快照</a:t>
+            </a:r>
+          </a:p>
+          <a:p>
+            <a:pPr lvl="1"/>
+            <a:r>
+              <a:rPr lang="en-US" altLang="zh-CN" dirty="0" err="1"/>
+              <a:t>TimeStrategy</a:t>
+            </a:r>
+            <a:r>
+              <a:rPr lang="en-US" altLang="zh-CN" dirty="0"/>
+              <a:t> - </a:t>
+            </a:r>
+            <a:r>
+              <a:rPr lang="zh-CN" altLang="en-US" dirty="0"/>
+              <a:t>根据时间以固定间隔保存快照，即在快照之间等待至少</a:t>
+            </a:r>
+            <a:r>
+              <a:rPr lang="en-US" altLang="zh-CN" dirty="0"/>
+              <a:t>6</a:t>
+            </a:r>
+            <a:r>
+              <a:rPr lang="zh-CN" altLang="en-US" dirty="0"/>
+              <a:t>小时</a:t>
+            </a:r>
+            <a:endParaRPr lang="en-US" altLang="zh-CN" dirty="0"/>
+          </a:p>
+        </p:txBody>
+      </p:sp>
+    </p:spTree>
+    <p:extLst>
+      <p:ext uri="{BB962C8B-B14F-4D97-AF65-F5344CB8AC3E}">
+        <p14:creationId xmlns:p14="http://schemas.microsoft.com/office/powerpoint/2010/main" val="260583901"/>
+      </p:ext>
+    </p:extLst>
+  </p:cSld>
+  <p:clrMapOvr>
+    <a:masterClrMapping/>
+  </p:clrMapOvr>
+</p:sld>
+</file>
+
+<file path=ppt/slides/slide24.xml><?xml version="1.0" encoding="utf-8"?>
+<p:sld xmlns:a="http://schemas.openxmlformats.org/drawingml/2006/main" xmlns:r="http://schemas.openxmlformats.org/officeDocument/2006/relationships" xmlns:p="http://schemas.openxmlformats.org/presentationml/2006/main">
+  <p:cSld>
+    <p:spTree>
+      <p:nvGrpSpPr>
+        <p:cNvPr id="1" name=""/>
+        <p:cNvGrpSpPr/>
+        <p:nvPr/>
+      </p:nvGrpSpPr>
+      <p:grpSpPr>
+        <a:xfrm>
+          <a:off x="0" y="0"/>
+          <a:ext cx="0" cy="0"/>
+          <a:chOff x="0" y="0"/>
+          <a:chExt cx="0" cy="0"/>
+        </a:xfrm>
+      </p:grpSpPr>
+      <p:sp>
+        <p:nvSpPr>
+          <p:cNvPr id="2" name="标题 1">
+            <a:extLst>
+              <a:ext uri="{FF2B5EF4-FFF2-40B4-BE49-F238E27FC236}">
+                <a16:creationId xmlns:a16="http://schemas.microsoft.com/office/drawing/2014/main" id="{F7C23084-23BF-4F3E-97FD-EEB470F2270A}"/>
+              </a:ext>
+            </a:extLst>
+          </p:cNvPr>
+          <p:cNvSpPr>
+            <a:spLocks noGrp="1"/>
+          </p:cNvSpPr>
+          <p:nvPr>
+            <p:ph type="title"/>
+          </p:nvPr>
+        </p:nvSpPr>
+        <p:spPr/>
+        <p:txBody>
+          <a:bodyPr/>
+          <a:lstStyle/>
+          <a:p>
+            <a:r>
+              <a:rPr lang="en-US" altLang="zh-CN" dirty="0"/>
+              <a:t>Persistence</a:t>
+            </a:r>
+            <a:endParaRPr lang="zh-CN" altLang="en-US" dirty="0"/>
+          </a:p>
+        </p:txBody>
+      </p:sp>
+      <p:sp>
+        <p:nvSpPr>
+          <p:cNvPr id="3" name="内容占位符 2">
+            <a:extLst>
+              <a:ext uri="{FF2B5EF4-FFF2-40B4-BE49-F238E27FC236}">
+                <a16:creationId xmlns:a16="http://schemas.microsoft.com/office/drawing/2014/main" id="{8CA72CA0-FACC-44F9-A496-CFCBA739C5D0}"/>
+              </a:ext>
+            </a:extLst>
+          </p:cNvPr>
+          <p:cNvSpPr>
+            <a:spLocks noGrp="1"/>
+          </p:cNvSpPr>
+          <p:nvPr>
+            <p:ph idx="1"/>
+          </p:nvPr>
+        </p:nvSpPr>
+        <p:spPr>
+          <a:xfrm>
+            <a:off x="838200" y="1690687"/>
+            <a:ext cx="10515600" cy="4635161"/>
+          </a:xfrm>
+        </p:spPr>
+        <p:txBody>
+          <a:bodyPr>
+            <a:normAutofit/>
+          </a:bodyPr>
+          <a:lstStyle/>
+          <a:p>
+            <a:pPr marL="0" indent="0">
+              <a:buNone/>
+            </a:pPr>
+            <a:endParaRPr lang="en-US" altLang="zh-CN" dirty="0"/>
+          </a:p>
+          <a:p>
+            <a:pPr marL="0" indent="0" algn="ctr">
+              <a:buNone/>
+            </a:pPr>
+            <a:r>
+              <a:rPr lang="en-US" altLang="zh-CN" dirty="0"/>
+              <a:t>Demo:P009_Persistence</a:t>
+            </a:r>
+          </a:p>
+        </p:txBody>
+      </p:sp>
+    </p:spTree>
+    <p:extLst>
+      <p:ext uri="{BB962C8B-B14F-4D97-AF65-F5344CB8AC3E}">
+        <p14:creationId xmlns:p14="http://schemas.microsoft.com/office/powerpoint/2010/main" val="2029851141"/>
+      </p:ext>
+    </p:extLst>
+  </p:cSld>
+  <p:clrMapOvr>
+    <a:masterClrMapping/>
+  </p:clrMapOvr>
+</p:sld>
+</file>
+
+<file path=ppt/slides/slide25.xml><?xml version="1.0" encoding="utf-8"?>
+<p:sld xmlns:a="http://schemas.openxmlformats.org/drawingml/2006/main" xmlns:r="http://schemas.openxmlformats.org/officeDocument/2006/relationships" xmlns:p="http://schemas.openxmlformats.org/presentationml/2006/main">
+  <p:cSld>
+    <p:spTree>
+      <p:nvGrpSpPr>
+        <p:cNvPr id="1" name=""/>
+        <p:cNvGrpSpPr/>
+        <p:nvPr/>
+      </p:nvGrpSpPr>
+      <p:grpSpPr>
+        <a:xfrm>
+          <a:off x="0" y="0"/>
+          <a:ext cx="0" cy="0"/>
+          <a:chOff x="0" y="0"/>
+          <a:chExt cx="0" cy="0"/>
+        </a:xfrm>
+      </p:grpSpPr>
+      <p:sp>
+        <p:nvSpPr>
+          <p:cNvPr id="2" name="标题 1">
+            <a:extLst>
+              <a:ext uri="{FF2B5EF4-FFF2-40B4-BE49-F238E27FC236}">
+                <a16:creationId xmlns:a16="http://schemas.microsoft.com/office/drawing/2014/main" id="{F7C23084-23BF-4F3E-97FD-EEB470F2270A}"/>
+              </a:ext>
+            </a:extLst>
+          </p:cNvPr>
+          <p:cNvSpPr>
+            <a:spLocks noGrp="1"/>
+          </p:cNvSpPr>
+          <p:nvPr>
+            <p:ph type="title"/>
+          </p:nvPr>
+        </p:nvSpPr>
+        <p:spPr/>
+        <p:txBody>
+          <a:bodyPr/>
+          <a:lstStyle/>
+          <a:p>
+            <a:r>
+              <a:rPr lang="en-US" altLang="zh-CN" dirty="0"/>
+              <a:t>Remote</a:t>
+            </a:r>
+            <a:endParaRPr lang="zh-CN" altLang="en-US" dirty="0"/>
+          </a:p>
+        </p:txBody>
+      </p:sp>
+      <p:sp>
+        <p:nvSpPr>
+          <p:cNvPr id="6" name="内容占位符 2">
+            <a:extLst>
+              <a:ext uri="{FF2B5EF4-FFF2-40B4-BE49-F238E27FC236}">
+                <a16:creationId xmlns:a16="http://schemas.microsoft.com/office/drawing/2014/main" id="{1901AA05-7D6E-4298-BA68-2D539590D36A}"/>
+              </a:ext>
+            </a:extLst>
+          </p:cNvPr>
+          <p:cNvSpPr>
+            <a:spLocks noGrp="1"/>
+          </p:cNvSpPr>
+          <p:nvPr>
+            <p:ph idx="1"/>
+          </p:nvPr>
+        </p:nvSpPr>
+        <p:spPr>
+          <a:xfrm>
+            <a:off x="838200" y="1690687"/>
+            <a:ext cx="10515600" cy="4635161"/>
+          </a:xfrm>
+        </p:spPr>
+        <p:txBody>
+          <a:bodyPr>
+            <a:normAutofit/>
+          </a:bodyPr>
+          <a:lstStyle/>
+          <a:p>
+            <a:pPr marL="0" indent="0">
+              <a:buNone/>
+            </a:pPr>
+            <a:endParaRPr lang="en-US" altLang="zh-CN" dirty="0"/>
+          </a:p>
+          <a:p>
+            <a:pPr marL="0" indent="0" algn="ctr">
+              <a:buNone/>
+            </a:pPr>
+            <a:r>
+              <a:rPr lang="en-US" altLang="zh-CN" dirty="0"/>
+              <a:t>Demo:P009_Remote</a:t>
+            </a:r>
+          </a:p>
+        </p:txBody>
+      </p:sp>
+    </p:spTree>
+    <p:extLst>
+      <p:ext uri="{BB962C8B-B14F-4D97-AF65-F5344CB8AC3E}">
+        <p14:creationId xmlns:p14="http://schemas.microsoft.com/office/powerpoint/2010/main" val="1483813770"/>
       </p:ext>
     </p:extLst>
   </p:cSld>
